--- a/Week7_Architecture/Cloud Computing in eHealth.pptx
+++ b/Week7_Architecture/Cloud Computing in eHealth.pptx
@@ -1784,6 +1784,925 @@
 </file>
 
 <file path=ppt/diagrams/colors3.xml><?xml version="1.0" encoding="utf-8"?>
+<dgm:colorsDef xmlns:dgm="http://schemas.openxmlformats.org/drawingml/2006/diagram" xmlns:a="http://schemas.openxmlformats.org/drawingml/2006/main" uniqueId="urn:microsoft.com/office/officeart/2005/8/colors/colorful1">
+  <dgm:title val=""/>
+  <dgm:desc val=""/>
+  <dgm:catLst>
+    <dgm:cat type="colorful" pri="10100"/>
+  </dgm:catLst>
+  <dgm:styleLbl name="node0">
+    <dgm:fillClrLst meth="repeat">
+      <a:schemeClr val="accent1"/>
+    </dgm:fillClrLst>
+    <dgm:linClrLst meth="repeat">
+      <a:schemeClr val="lt1"/>
+    </dgm:linClrLst>
+    <dgm:effectClrLst/>
+    <dgm:txLinClrLst/>
+    <dgm:txFillClrLst/>
+    <dgm:txEffectClrLst/>
+  </dgm:styleLbl>
+  <dgm:styleLbl name="node1">
+    <dgm:fillClrLst meth="repeat">
+      <a:schemeClr val="accent2"/>
+      <a:schemeClr val="accent3"/>
+      <a:schemeClr val="accent4"/>
+      <a:schemeClr val="accent5"/>
+      <a:schemeClr val="accent6"/>
+    </dgm:fillClrLst>
+    <dgm:linClrLst meth="repeat">
+      <a:schemeClr val="lt1"/>
+    </dgm:linClrLst>
+    <dgm:effectClrLst/>
+    <dgm:txLinClrLst/>
+    <dgm:txFillClrLst/>
+    <dgm:txEffectClrLst/>
+  </dgm:styleLbl>
+  <dgm:styleLbl name="alignNode1">
+    <dgm:fillClrLst meth="repeat">
+      <a:schemeClr val="accent2"/>
+      <a:schemeClr val="accent3"/>
+      <a:schemeClr val="accent4"/>
+      <a:schemeClr val="accent5"/>
+      <a:schemeClr val="accent6"/>
+    </dgm:fillClrLst>
+    <dgm:linClrLst meth="repeat">
+      <a:schemeClr val="accent2"/>
+      <a:schemeClr val="accent3"/>
+      <a:schemeClr val="accent4"/>
+      <a:schemeClr val="accent5"/>
+      <a:schemeClr val="accent6"/>
+    </dgm:linClrLst>
+    <dgm:effectClrLst/>
+    <dgm:txLinClrLst/>
+    <dgm:txFillClrLst/>
+    <dgm:txEffectClrLst/>
+  </dgm:styleLbl>
+  <dgm:styleLbl name="lnNode1">
+    <dgm:fillClrLst meth="repeat">
+      <a:schemeClr val="accent2"/>
+      <a:schemeClr val="accent3"/>
+      <a:schemeClr val="accent4"/>
+      <a:schemeClr val="accent5"/>
+      <a:schemeClr val="accent6"/>
+    </dgm:fillClrLst>
+    <dgm:linClrLst meth="repeat">
+      <a:schemeClr val="lt1"/>
+    </dgm:linClrLst>
+    <dgm:effectClrLst/>
+    <dgm:txLinClrLst/>
+    <dgm:txFillClrLst/>
+    <dgm:txEffectClrLst/>
+  </dgm:styleLbl>
+  <dgm:styleLbl name="vennNode1">
+    <dgm:fillClrLst meth="repeat">
+      <a:schemeClr val="accent2">
+        <a:alpha val="50000"/>
+      </a:schemeClr>
+      <a:schemeClr val="accent3">
+        <a:alpha val="50000"/>
+      </a:schemeClr>
+      <a:schemeClr val="accent4">
+        <a:alpha val="50000"/>
+      </a:schemeClr>
+      <a:schemeClr val="accent5">
+        <a:alpha val="50000"/>
+      </a:schemeClr>
+      <a:schemeClr val="accent6">
+        <a:alpha val="50000"/>
+      </a:schemeClr>
+    </dgm:fillClrLst>
+    <dgm:linClrLst meth="repeat">
+      <a:schemeClr val="lt1"/>
+    </dgm:linClrLst>
+    <dgm:effectClrLst/>
+    <dgm:txLinClrLst/>
+    <dgm:txFillClrLst/>
+    <dgm:txEffectClrLst/>
+  </dgm:styleLbl>
+  <dgm:styleLbl name="node2">
+    <dgm:fillClrLst>
+      <a:schemeClr val="accent2"/>
+    </dgm:fillClrLst>
+    <dgm:linClrLst meth="repeat">
+      <a:schemeClr val="lt1"/>
+    </dgm:linClrLst>
+    <dgm:effectClrLst/>
+    <dgm:txLinClrLst/>
+    <dgm:txFillClrLst/>
+    <dgm:txEffectClrLst/>
+  </dgm:styleLbl>
+  <dgm:styleLbl name="node3">
+    <dgm:fillClrLst>
+      <a:schemeClr val="accent3"/>
+    </dgm:fillClrLst>
+    <dgm:linClrLst meth="repeat">
+      <a:schemeClr val="lt1"/>
+    </dgm:linClrLst>
+    <dgm:effectClrLst/>
+    <dgm:txLinClrLst/>
+    <dgm:txFillClrLst/>
+    <dgm:txEffectClrLst/>
+  </dgm:styleLbl>
+  <dgm:styleLbl name="node4">
+    <dgm:fillClrLst>
+      <a:schemeClr val="accent4"/>
+    </dgm:fillClrLst>
+    <dgm:linClrLst meth="repeat">
+      <a:schemeClr val="lt1"/>
+    </dgm:linClrLst>
+    <dgm:effectClrLst/>
+    <dgm:txLinClrLst/>
+    <dgm:txFillClrLst/>
+    <dgm:txEffectClrLst/>
+  </dgm:styleLbl>
+  <dgm:styleLbl name="fgImgPlace1">
+    <dgm:fillClrLst meth="repeat">
+      <a:schemeClr val="accent2">
+        <a:tint val="50000"/>
+      </a:schemeClr>
+      <a:schemeClr val="accent3">
+        <a:tint val="50000"/>
+      </a:schemeClr>
+      <a:schemeClr val="accent4">
+        <a:tint val="50000"/>
+      </a:schemeClr>
+      <a:schemeClr val="accent5">
+        <a:tint val="50000"/>
+      </a:schemeClr>
+      <a:schemeClr val="accent6">
+        <a:tint val="50000"/>
+      </a:schemeClr>
+    </dgm:fillClrLst>
+    <dgm:linClrLst meth="repeat">
+      <a:schemeClr val="lt1"/>
+    </dgm:linClrLst>
+    <dgm:effectClrLst/>
+    <dgm:txLinClrLst/>
+    <dgm:txFillClrLst meth="repeat">
+      <a:schemeClr val="lt1"/>
+    </dgm:txFillClrLst>
+    <dgm:txEffectClrLst/>
+  </dgm:styleLbl>
+  <dgm:styleLbl name="alignImgPlace1">
+    <dgm:fillClrLst>
+      <a:schemeClr val="accent1">
+        <a:tint val="50000"/>
+      </a:schemeClr>
+      <a:schemeClr val="accent2">
+        <a:tint val="20000"/>
+      </a:schemeClr>
+    </dgm:fillClrLst>
+    <dgm:linClrLst meth="repeat">
+      <a:schemeClr val="lt1"/>
+    </dgm:linClrLst>
+    <dgm:effectClrLst/>
+    <dgm:txLinClrLst/>
+    <dgm:txFillClrLst meth="repeat">
+      <a:schemeClr val="lt1"/>
+    </dgm:txFillClrLst>
+    <dgm:txEffectClrLst/>
+  </dgm:styleLbl>
+  <dgm:styleLbl name="bgImgPlace1">
+    <dgm:fillClrLst>
+      <a:schemeClr val="accent1">
+        <a:tint val="50000"/>
+      </a:schemeClr>
+      <a:schemeClr val="accent2">
+        <a:tint val="20000"/>
+      </a:schemeClr>
+    </dgm:fillClrLst>
+    <dgm:linClrLst meth="repeat">
+      <a:schemeClr val="lt1"/>
+    </dgm:linClrLst>
+    <dgm:effectClrLst/>
+    <dgm:txLinClrLst/>
+    <dgm:txFillClrLst meth="repeat">
+      <a:schemeClr val="lt1"/>
+    </dgm:txFillClrLst>
+    <dgm:txEffectClrLst/>
+  </dgm:styleLbl>
+  <dgm:styleLbl name="sibTrans2D1">
+    <dgm:fillClrLst meth="repeat">
+      <a:schemeClr val="accent2"/>
+      <a:schemeClr val="accent3"/>
+      <a:schemeClr val="accent4"/>
+      <a:schemeClr val="accent5"/>
+      <a:schemeClr val="accent6"/>
+    </dgm:fillClrLst>
+    <dgm:linClrLst meth="cycle">
+      <a:schemeClr val="lt1"/>
+    </dgm:linClrLst>
+    <dgm:effectClrLst/>
+    <dgm:txLinClrLst/>
+    <dgm:txFillClrLst/>
+    <dgm:txEffectClrLst/>
+  </dgm:styleLbl>
+  <dgm:styleLbl name="fgSibTrans2D1">
+    <dgm:fillClrLst meth="repeat">
+      <a:schemeClr val="accent2"/>
+      <a:schemeClr val="accent3"/>
+      <a:schemeClr val="accent4"/>
+      <a:schemeClr val="accent5"/>
+      <a:schemeClr val="accent6"/>
+    </dgm:fillClrLst>
+    <dgm:linClrLst meth="cycle">
+      <a:schemeClr val="lt1"/>
+    </dgm:linClrLst>
+    <dgm:effectClrLst/>
+    <dgm:txLinClrLst/>
+    <dgm:txFillClrLst meth="repeat">
+      <a:schemeClr val="lt1"/>
+    </dgm:txFillClrLst>
+    <dgm:txEffectClrLst/>
+  </dgm:styleLbl>
+  <dgm:styleLbl name="bgSibTrans2D1">
+    <dgm:fillClrLst meth="repeat">
+      <a:schemeClr val="accent2"/>
+      <a:schemeClr val="accent3"/>
+      <a:schemeClr val="accent4"/>
+      <a:schemeClr val="accent5"/>
+      <a:schemeClr val="accent6"/>
+    </dgm:fillClrLst>
+    <dgm:linClrLst meth="cycle">
+      <a:schemeClr val="lt1"/>
+    </dgm:linClrLst>
+    <dgm:effectClrLst/>
+    <dgm:txLinClrLst/>
+    <dgm:txFillClrLst meth="repeat">
+      <a:schemeClr val="lt1"/>
+    </dgm:txFillClrLst>
+    <dgm:txEffectClrLst/>
+  </dgm:styleLbl>
+  <dgm:styleLbl name="sibTrans1D1">
+    <dgm:fillClrLst meth="repeat">
+      <a:schemeClr val="accent2"/>
+      <a:schemeClr val="accent3"/>
+      <a:schemeClr val="accent4"/>
+      <a:schemeClr val="accent5"/>
+      <a:schemeClr val="accent6"/>
+    </dgm:fillClrLst>
+    <dgm:linClrLst meth="repeat">
+      <a:schemeClr val="accent2"/>
+      <a:schemeClr val="accent3"/>
+      <a:schemeClr val="accent4"/>
+      <a:schemeClr val="accent5"/>
+      <a:schemeClr val="accent6"/>
+    </dgm:linClrLst>
+    <dgm:effectClrLst/>
+    <dgm:txLinClrLst/>
+    <dgm:txFillClrLst meth="repeat">
+      <a:schemeClr val="tx1"/>
+    </dgm:txFillClrLst>
+    <dgm:txEffectClrLst/>
+  </dgm:styleLbl>
+  <dgm:styleLbl name="callout">
+    <dgm:fillClrLst meth="repeat">
+      <a:schemeClr val="accent2"/>
+    </dgm:fillClrLst>
+    <dgm:linClrLst meth="repeat">
+      <a:schemeClr val="accent2">
+        <a:tint val="50000"/>
+      </a:schemeClr>
+    </dgm:linClrLst>
+    <dgm:effectClrLst/>
+    <dgm:txLinClrLst/>
+    <dgm:txFillClrLst meth="repeat">
+      <a:schemeClr val="tx1"/>
+    </dgm:txFillClrLst>
+    <dgm:txEffectClrLst/>
+  </dgm:styleLbl>
+  <dgm:styleLbl name="asst0">
+    <dgm:fillClrLst meth="repeat">
+      <a:schemeClr val="accent1"/>
+    </dgm:fillClrLst>
+    <dgm:linClrLst meth="repeat">
+      <a:schemeClr val="lt1"/>
+    </dgm:linClrLst>
+    <dgm:effectClrLst/>
+    <dgm:txLinClrLst/>
+    <dgm:txFillClrLst/>
+    <dgm:txEffectClrLst/>
+  </dgm:styleLbl>
+  <dgm:styleLbl name="asst1">
+    <dgm:fillClrLst meth="repeat">
+      <a:schemeClr val="accent2"/>
+    </dgm:fillClrLst>
+    <dgm:linClrLst meth="repeat">
+      <a:schemeClr val="lt1"/>
+    </dgm:linClrLst>
+    <dgm:effectClrLst/>
+    <dgm:txLinClrLst/>
+    <dgm:txFillClrLst/>
+    <dgm:txEffectClrLst/>
+  </dgm:styleLbl>
+  <dgm:styleLbl name="asst2">
+    <dgm:fillClrLst>
+      <a:schemeClr val="accent3"/>
+    </dgm:fillClrLst>
+    <dgm:linClrLst meth="repeat">
+      <a:schemeClr val="lt1"/>
+    </dgm:linClrLst>
+    <dgm:effectClrLst/>
+    <dgm:txLinClrLst/>
+    <dgm:txFillClrLst/>
+    <dgm:txEffectClrLst/>
+  </dgm:styleLbl>
+  <dgm:styleLbl name="asst3">
+    <dgm:fillClrLst>
+      <a:schemeClr val="accent4"/>
+    </dgm:fillClrLst>
+    <dgm:linClrLst meth="repeat">
+      <a:schemeClr val="lt1"/>
+    </dgm:linClrLst>
+    <dgm:effectClrLst/>
+    <dgm:txLinClrLst/>
+    <dgm:txFillClrLst/>
+    <dgm:txEffectClrLst/>
+  </dgm:styleLbl>
+  <dgm:styleLbl name="asst4">
+    <dgm:fillClrLst>
+      <a:schemeClr val="accent5"/>
+    </dgm:fillClrLst>
+    <dgm:linClrLst meth="repeat">
+      <a:schemeClr val="lt1"/>
+    </dgm:linClrLst>
+    <dgm:effectClrLst/>
+    <dgm:txLinClrLst/>
+    <dgm:txFillClrLst/>
+    <dgm:txEffectClrLst/>
+  </dgm:styleLbl>
+  <dgm:styleLbl name="parChTrans2D1">
+    <dgm:fillClrLst meth="repeat">
+      <a:schemeClr val="accent2"/>
+    </dgm:fillClrLst>
+    <dgm:linClrLst meth="repeat">
+      <a:schemeClr val="lt1"/>
+    </dgm:linClrLst>
+    <dgm:effectClrLst/>
+    <dgm:txLinClrLst/>
+    <dgm:txFillClrLst meth="repeat">
+      <a:schemeClr val="lt1"/>
+    </dgm:txFillClrLst>
+    <dgm:txEffectClrLst/>
+  </dgm:styleLbl>
+  <dgm:styleLbl name="parChTrans2D2">
+    <dgm:fillClrLst meth="repeat">
+      <a:schemeClr val="accent3"/>
+    </dgm:fillClrLst>
+    <dgm:linClrLst meth="repeat">
+      <a:schemeClr val="lt1"/>
+    </dgm:linClrLst>
+    <dgm:effectClrLst/>
+    <dgm:txLinClrLst/>
+    <dgm:txFillClrLst/>
+    <dgm:txEffectClrLst/>
+  </dgm:styleLbl>
+  <dgm:styleLbl name="parChTrans2D3">
+    <dgm:fillClrLst meth="repeat">
+      <a:schemeClr val="accent4"/>
+    </dgm:fillClrLst>
+    <dgm:linClrLst meth="repeat">
+      <a:schemeClr val="lt1"/>
+    </dgm:linClrLst>
+    <dgm:effectClrLst/>
+    <dgm:txLinClrLst/>
+    <dgm:txFillClrLst/>
+    <dgm:txEffectClrLst/>
+  </dgm:styleLbl>
+  <dgm:styleLbl name="parChTrans2D4">
+    <dgm:fillClrLst meth="repeat">
+      <a:schemeClr val="accent5"/>
+    </dgm:fillClrLst>
+    <dgm:linClrLst meth="repeat">
+      <a:schemeClr val="lt1"/>
+    </dgm:linClrLst>
+    <dgm:effectClrLst/>
+    <dgm:txLinClrLst/>
+    <dgm:txFillClrLst meth="repeat">
+      <a:schemeClr val="lt1"/>
+    </dgm:txFillClrLst>
+    <dgm:txEffectClrLst/>
+  </dgm:styleLbl>
+  <dgm:styleLbl name="parChTrans1D1">
+    <dgm:fillClrLst meth="repeat">
+      <a:schemeClr val="accent2"/>
+    </dgm:fillClrLst>
+    <dgm:linClrLst meth="repeat">
+      <a:schemeClr val="accent1"/>
+    </dgm:linClrLst>
+    <dgm:effectClrLst/>
+    <dgm:txLinClrLst/>
+    <dgm:txFillClrLst meth="repeat">
+      <a:schemeClr val="tx1"/>
+    </dgm:txFillClrLst>
+    <dgm:txEffectClrLst/>
+  </dgm:styleLbl>
+  <dgm:styleLbl name="parChTrans1D2">
+    <dgm:fillClrLst meth="repeat">
+      <a:schemeClr val="accent3">
+        <a:tint val="90000"/>
+      </a:schemeClr>
+    </dgm:fillClrLst>
+    <dgm:linClrLst meth="repeat">
+      <a:schemeClr val="accent2"/>
+    </dgm:linClrLst>
+    <dgm:effectClrLst/>
+    <dgm:txLinClrLst/>
+    <dgm:txFillClrLst meth="repeat">
+      <a:schemeClr val="tx1"/>
+    </dgm:txFillClrLst>
+    <dgm:txEffectClrLst/>
+  </dgm:styleLbl>
+  <dgm:styleLbl name="parChTrans1D3">
+    <dgm:fillClrLst meth="repeat">
+      <a:schemeClr val="accent4">
+        <a:tint val="70000"/>
+      </a:schemeClr>
+    </dgm:fillClrLst>
+    <dgm:linClrLst meth="repeat">
+      <a:schemeClr val="accent3"/>
+    </dgm:linClrLst>
+    <dgm:effectClrLst/>
+    <dgm:txLinClrLst/>
+    <dgm:txFillClrLst meth="repeat">
+      <a:schemeClr val="tx1"/>
+    </dgm:txFillClrLst>
+    <dgm:txEffectClrLst/>
+  </dgm:styleLbl>
+  <dgm:styleLbl name="parChTrans1D4">
+    <dgm:fillClrLst meth="repeat">
+      <a:schemeClr val="accent5">
+        <a:tint val="50000"/>
+      </a:schemeClr>
+    </dgm:fillClrLst>
+    <dgm:linClrLst meth="repeat">
+      <a:schemeClr val="accent4"/>
+    </dgm:linClrLst>
+    <dgm:effectClrLst/>
+    <dgm:txLinClrLst/>
+    <dgm:txFillClrLst meth="repeat">
+      <a:schemeClr val="tx1"/>
+    </dgm:txFillClrLst>
+    <dgm:txEffectClrLst/>
+  </dgm:styleLbl>
+  <dgm:styleLbl name="fgAcc1">
+    <dgm:fillClrLst meth="repeat">
+      <a:schemeClr val="lt1">
+        <a:alpha val="90000"/>
+      </a:schemeClr>
+    </dgm:fillClrLst>
+    <dgm:linClrLst meth="repeat">
+      <a:schemeClr val="accent2"/>
+      <a:schemeClr val="accent3"/>
+      <a:schemeClr val="accent4"/>
+      <a:schemeClr val="accent5"/>
+      <a:schemeClr val="accent6"/>
+    </dgm:linClrLst>
+    <dgm:effectClrLst/>
+    <dgm:txLinClrLst/>
+    <dgm:txFillClrLst meth="repeat">
+      <a:schemeClr val="dk1"/>
+    </dgm:txFillClrLst>
+    <dgm:txEffectClrLst/>
+  </dgm:styleLbl>
+  <dgm:styleLbl name="conFgAcc1">
+    <dgm:fillClrLst meth="repeat">
+      <a:schemeClr val="lt1">
+        <a:alpha val="90000"/>
+      </a:schemeClr>
+    </dgm:fillClrLst>
+    <dgm:linClrLst meth="repeat">
+      <a:schemeClr val="accent2"/>
+      <a:schemeClr val="accent3"/>
+      <a:schemeClr val="accent4"/>
+      <a:schemeClr val="accent5"/>
+      <a:schemeClr val="accent6"/>
+    </dgm:linClrLst>
+    <dgm:effectClrLst/>
+    <dgm:txLinClrLst/>
+    <dgm:txFillClrLst meth="repeat">
+      <a:schemeClr val="dk1"/>
+    </dgm:txFillClrLst>
+    <dgm:txEffectClrLst/>
+  </dgm:styleLbl>
+  <dgm:styleLbl name="alignAcc1">
+    <dgm:fillClrLst meth="repeat">
+      <a:schemeClr val="lt1">
+        <a:alpha val="90000"/>
+      </a:schemeClr>
+    </dgm:fillClrLst>
+    <dgm:linClrLst meth="repeat">
+      <a:schemeClr val="accent2"/>
+      <a:schemeClr val="accent3"/>
+      <a:schemeClr val="accent4"/>
+      <a:schemeClr val="accent5"/>
+      <a:schemeClr val="accent6"/>
+    </dgm:linClrLst>
+    <dgm:effectClrLst/>
+    <dgm:txLinClrLst/>
+    <dgm:txFillClrLst meth="repeat">
+      <a:schemeClr val="dk1"/>
+    </dgm:txFillClrLst>
+    <dgm:txEffectClrLst/>
+  </dgm:styleLbl>
+  <dgm:styleLbl name="trAlignAcc1">
+    <dgm:fillClrLst meth="repeat">
+      <a:schemeClr val="lt1">
+        <a:alpha val="40000"/>
+      </a:schemeClr>
+    </dgm:fillClrLst>
+    <dgm:linClrLst meth="repeat">
+      <a:schemeClr val="accent1"/>
+    </dgm:linClrLst>
+    <dgm:effectClrLst/>
+    <dgm:txLinClrLst/>
+    <dgm:txFillClrLst meth="repeat">
+      <a:schemeClr val="dk1"/>
+    </dgm:txFillClrLst>
+    <dgm:txEffectClrLst/>
+  </dgm:styleLbl>
+  <dgm:styleLbl name="bgAcc1">
+    <dgm:fillClrLst meth="repeat">
+      <a:schemeClr val="lt1">
+        <a:alpha val="90000"/>
+      </a:schemeClr>
+    </dgm:fillClrLst>
+    <dgm:linClrLst meth="repeat">
+      <a:schemeClr val="accent2"/>
+      <a:schemeClr val="accent3"/>
+      <a:schemeClr val="accent4"/>
+      <a:schemeClr val="accent5"/>
+      <a:schemeClr val="accent6"/>
+    </dgm:linClrLst>
+    <dgm:effectClrLst/>
+    <dgm:txLinClrLst/>
+    <dgm:txFillClrLst meth="repeat">
+      <a:schemeClr val="dk1"/>
+    </dgm:txFillClrLst>
+    <dgm:txEffectClrLst/>
+  </dgm:styleLbl>
+  <dgm:styleLbl name="solidFgAcc1">
+    <dgm:fillClrLst meth="repeat">
+      <a:schemeClr val="lt1"/>
+    </dgm:fillClrLst>
+    <dgm:linClrLst meth="repeat">
+      <a:schemeClr val="accent2"/>
+      <a:schemeClr val="accent3"/>
+      <a:schemeClr val="accent4"/>
+      <a:schemeClr val="accent5"/>
+      <a:schemeClr val="accent6"/>
+    </dgm:linClrLst>
+    <dgm:effectClrLst/>
+    <dgm:txLinClrLst/>
+    <dgm:txFillClrLst meth="repeat">
+      <a:schemeClr val="dk1"/>
+    </dgm:txFillClrLst>
+    <dgm:txEffectClrLst/>
+  </dgm:styleLbl>
+  <dgm:styleLbl name="solidAlignAcc1">
+    <dgm:fillClrLst meth="repeat">
+      <a:schemeClr val="lt1"/>
+    </dgm:fillClrLst>
+    <dgm:linClrLst meth="repeat">
+      <a:schemeClr val="accent2"/>
+      <a:schemeClr val="accent3"/>
+      <a:schemeClr val="accent4"/>
+      <a:schemeClr val="accent5"/>
+      <a:schemeClr val="accent6"/>
+    </dgm:linClrLst>
+    <dgm:effectClrLst/>
+    <dgm:txLinClrLst/>
+    <dgm:txFillClrLst meth="repeat">
+      <a:schemeClr val="dk1"/>
+    </dgm:txFillClrLst>
+    <dgm:txEffectClrLst/>
+  </dgm:styleLbl>
+  <dgm:styleLbl name="solidBgAcc1">
+    <dgm:fillClrLst meth="repeat">
+      <a:schemeClr val="lt1"/>
+    </dgm:fillClrLst>
+    <dgm:linClrLst meth="repeat">
+      <a:schemeClr val="accent2"/>
+      <a:schemeClr val="accent3"/>
+      <a:schemeClr val="accent4"/>
+      <a:schemeClr val="accent5"/>
+      <a:schemeClr val="accent6"/>
+    </dgm:linClrLst>
+    <dgm:effectClrLst/>
+    <dgm:txLinClrLst/>
+    <dgm:txFillClrLst meth="repeat">
+      <a:schemeClr val="dk1"/>
+    </dgm:txFillClrLst>
+    <dgm:txEffectClrLst/>
+  </dgm:styleLbl>
+  <dgm:styleLbl name="fgAccFollowNode1">
+    <dgm:fillClrLst meth="repeat">
+      <a:schemeClr val="accent2">
+        <a:tint val="40000"/>
+        <a:alpha val="90000"/>
+      </a:schemeClr>
+      <a:schemeClr val="accent3">
+        <a:tint val="40000"/>
+        <a:alpha val="90000"/>
+      </a:schemeClr>
+      <a:schemeClr val="accent4">
+        <a:tint val="40000"/>
+        <a:alpha val="90000"/>
+      </a:schemeClr>
+      <a:schemeClr val="accent5">
+        <a:tint val="40000"/>
+        <a:alpha val="90000"/>
+      </a:schemeClr>
+      <a:schemeClr val="accent6">
+        <a:tint val="40000"/>
+        <a:alpha val="90000"/>
+      </a:schemeClr>
+    </dgm:fillClrLst>
+    <dgm:linClrLst meth="repeat">
+      <a:schemeClr val="accent2">
+        <a:tint val="40000"/>
+        <a:alpha val="90000"/>
+      </a:schemeClr>
+      <a:schemeClr val="accent3">
+        <a:tint val="40000"/>
+        <a:alpha val="90000"/>
+      </a:schemeClr>
+      <a:schemeClr val="accent4">
+        <a:tint val="40000"/>
+        <a:alpha val="90000"/>
+      </a:schemeClr>
+      <a:schemeClr val="accent5">
+        <a:tint val="40000"/>
+        <a:alpha val="90000"/>
+      </a:schemeClr>
+      <a:schemeClr val="accent6">
+        <a:tint val="40000"/>
+        <a:alpha val="90000"/>
+      </a:schemeClr>
+    </dgm:linClrLst>
+    <dgm:effectClrLst/>
+    <dgm:txLinClrLst/>
+    <dgm:txFillClrLst meth="repeat">
+      <a:schemeClr val="dk1"/>
+    </dgm:txFillClrLst>
+    <dgm:txEffectClrLst/>
+  </dgm:styleLbl>
+  <dgm:styleLbl name="alignAccFollowNode1">
+    <dgm:fillClrLst meth="repeat">
+      <a:schemeClr val="accent2">
+        <a:tint val="40000"/>
+        <a:alpha val="90000"/>
+      </a:schemeClr>
+      <a:schemeClr val="accent3">
+        <a:tint val="40000"/>
+        <a:alpha val="90000"/>
+      </a:schemeClr>
+      <a:schemeClr val="accent4">
+        <a:tint val="40000"/>
+        <a:alpha val="90000"/>
+      </a:schemeClr>
+      <a:schemeClr val="accent5">
+        <a:tint val="40000"/>
+        <a:alpha val="90000"/>
+      </a:schemeClr>
+      <a:schemeClr val="accent6">
+        <a:tint val="40000"/>
+        <a:alpha val="90000"/>
+      </a:schemeClr>
+    </dgm:fillClrLst>
+    <dgm:linClrLst meth="repeat">
+      <a:schemeClr val="accent2">
+        <a:tint val="40000"/>
+        <a:alpha val="90000"/>
+      </a:schemeClr>
+      <a:schemeClr val="accent3">
+        <a:tint val="40000"/>
+        <a:alpha val="90000"/>
+      </a:schemeClr>
+      <a:schemeClr val="accent4">
+        <a:tint val="40000"/>
+        <a:alpha val="90000"/>
+      </a:schemeClr>
+      <a:schemeClr val="accent5">
+        <a:tint val="40000"/>
+        <a:alpha val="90000"/>
+      </a:schemeClr>
+      <a:schemeClr val="accent6">
+        <a:tint val="40000"/>
+        <a:alpha val="90000"/>
+      </a:schemeClr>
+    </dgm:linClrLst>
+    <dgm:effectClrLst/>
+    <dgm:txLinClrLst/>
+    <dgm:txFillClrLst meth="repeat">
+      <a:schemeClr val="dk1"/>
+    </dgm:txFillClrLst>
+    <dgm:txEffectClrLst/>
+  </dgm:styleLbl>
+  <dgm:styleLbl name="bgAccFollowNode1">
+    <dgm:fillClrLst meth="repeat">
+      <a:schemeClr val="accent2">
+        <a:tint val="40000"/>
+        <a:alpha val="90000"/>
+      </a:schemeClr>
+      <a:schemeClr val="accent3">
+        <a:tint val="40000"/>
+        <a:alpha val="90000"/>
+      </a:schemeClr>
+      <a:schemeClr val="accent4">
+        <a:tint val="40000"/>
+        <a:alpha val="90000"/>
+      </a:schemeClr>
+      <a:schemeClr val="accent5">
+        <a:tint val="40000"/>
+        <a:alpha val="90000"/>
+      </a:schemeClr>
+      <a:schemeClr val="accent6">
+        <a:tint val="40000"/>
+        <a:alpha val="90000"/>
+      </a:schemeClr>
+    </dgm:fillClrLst>
+    <dgm:linClrLst meth="repeat">
+      <a:schemeClr val="accent2">
+        <a:tint val="40000"/>
+        <a:alpha val="90000"/>
+      </a:schemeClr>
+      <a:schemeClr val="accent3">
+        <a:tint val="40000"/>
+        <a:alpha val="90000"/>
+      </a:schemeClr>
+      <a:schemeClr val="accent4">
+        <a:tint val="40000"/>
+        <a:alpha val="90000"/>
+      </a:schemeClr>
+      <a:schemeClr val="accent5">
+        <a:tint val="40000"/>
+        <a:alpha val="90000"/>
+      </a:schemeClr>
+      <a:schemeClr val="accent6">
+        <a:tint val="40000"/>
+        <a:alpha val="90000"/>
+      </a:schemeClr>
+    </dgm:linClrLst>
+    <dgm:effectClrLst/>
+    <dgm:txLinClrLst/>
+    <dgm:txFillClrLst meth="repeat">
+      <a:schemeClr val="dk1"/>
+    </dgm:txFillClrLst>
+    <dgm:txEffectClrLst/>
+  </dgm:styleLbl>
+  <dgm:styleLbl name="fgAcc0">
+    <dgm:fillClrLst meth="repeat">
+      <a:schemeClr val="lt1">
+        <a:alpha val="90000"/>
+      </a:schemeClr>
+    </dgm:fillClrLst>
+    <dgm:linClrLst>
+      <a:schemeClr val="accent1"/>
+    </dgm:linClrLst>
+    <dgm:effectClrLst/>
+    <dgm:txLinClrLst/>
+    <dgm:txFillClrLst meth="repeat">
+      <a:schemeClr val="dk1"/>
+    </dgm:txFillClrLst>
+    <dgm:txEffectClrLst/>
+  </dgm:styleLbl>
+  <dgm:styleLbl name="fgAcc2">
+    <dgm:fillClrLst meth="repeat">
+      <a:schemeClr val="lt1">
+        <a:alpha val="90000"/>
+      </a:schemeClr>
+    </dgm:fillClrLst>
+    <dgm:linClrLst>
+      <a:schemeClr val="accent2"/>
+    </dgm:linClrLst>
+    <dgm:effectClrLst/>
+    <dgm:txLinClrLst/>
+    <dgm:txFillClrLst meth="repeat">
+      <a:schemeClr val="dk1"/>
+    </dgm:txFillClrLst>
+    <dgm:txEffectClrLst/>
+  </dgm:styleLbl>
+  <dgm:styleLbl name="fgAcc3">
+    <dgm:fillClrLst meth="repeat">
+      <a:schemeClr val="lt1">
+        <a:alpha val="90000"/>
+      </a:schemeClr>
+    </dgm:fillClrLst>
+    <dgm:linClrLst>
+      <a:schemeClr val="accent3"/>
+    </dgm:linClrLst>
+    <dgm:effectClrLst/>
+    <dgm:txLinClrLst/>
+    <dgm:txFillClrLst meth="repeat">
+      <a:schemeClr val="dk1"/>
+    </dgm:txFillClrLst>
+    <dgm:txEffectClrLst/>
+  </dgm:styleLbl>
+  <dgm:styleLbl name="fgAcc4">
+    <dgm:fillClrLst meth="repeat">
+      <a:schemeClr val="lt1">
+        <a:alpha val="90000"/>
+      </a:schemeClr>
+    </dgm:fillClrLst>
+    <dgm:linClrLst>
+      <a:schemeClr val="accent4"/>
+    </dgm:linClrLst>
+    <dgm:effectClrLst/>
+    <dgm:txLinClrLst/>
+    <dgm:txFillClrLst meth="repeat">
+      <a:schemeClr val="dk1"/>
+    </dgm:txFillClrLst>
+    <dgm:txEffectClrLst/>
+  </dgm:styleLbl>
+  <dgm:styleLbl name="bgShp">
+    <dgm:fillClrLst meth="repeat">
+      <a:schemeClr val="accent2">
+        <a:tint val="40000"/>
+      </a:schemeClr>
+    </dgm:fillClrLst>
+    <dgm:linClrLst meth="repeat">
+      <a:schemeClr val="dk1"/>
+    </dgm:linClrLst>
+    <dgm:effectClrLst/>
+    <dgm:txLinClrLst/>
+    <dgm:txFillClrLst meth="repeat">
+      <a:schemeClr val="dk1"/>
+    </dgm:txFillClrLst>
+    <dgm:txEffectClrLst/>
+  </dgm:styleLbl>
+  <dgm:styleLbl name="dkBgShp">
+    <dgm:fillClrLst meth="repeat">
+      <a:schemeClr val="accent2">
+        <a:shade val="90000"/>
+      </a:schemeClr>
+    </dgm:fillClrLst>
+    <dgm:linClrLst meth="repeat">
+      <a:schemeClr val="dk1"/>
+    </dgm:linClrLst>
+    <dgm:effectClrLst/>
+    <dgm:txLinClrLst/>
+    <dgm:txFillClrLst meth="repeat">
+      <a:schemeClr val="lt1"/>
+    </dgm:txFillClrLst>
+    <dgm:txEffectClrLst/>
+  </dgm:styleLbl>
+  <dgm:styleLbl name="trBgShp">
+    <dgm:fillClrLst meth="repeat">
+      <a:schemeClr val="accent1">
+        <a:tint val="50000"/>
+        <a:alpha val="40000"/>
+      </a:schemeClr>
+    </dgm:fillClrLst>
+    <dgm:linClrLst meth="repeat">
+      <a:schemeClr val="accent2"/>
+    </dgm:linClrLst>
+    <dgm:effectClrLst/>
+    <dgm:txLinClrLst/>
+    <dgm:txFillClrLst meth="repeat">
+      <a:schemeClr val="lt1"/>
+    </dgm:txFillClrLst>
+    <dgm:txEffectClrLst/>
+  </dgm:styleLbl>
+  <dgm:styleLbl name="fgShp">
+    <dgm:fillClrLst meth="repeat">
+      <a:schemeClr val="accent2">
+        <a:tint val="40000"/>
+      </a:schemeClr>
+    </dgm:fillClrLst>
+    <dgm:linClrLst meth="repeat">
+      <a:schemeClr val="lt1"/>
+    </dgm:linClrLst>
+    <dgm:effectClrLst/>
+    <dgm:txLinClrLst/>
+    <dgm:txFillClrLst meth="repeat">
+      <a:schemeClr val="dk1"/>
+    </dgm:txFillClrLst>
+    <dgm:txEffectClrLst/>
+  </dgm:styleLbl>
+  <dgm:styleLbl name="revTx">
+    <dgm:fillClrLst meth="repeat">
+      <a:schemeClr val="lt1">
+        <a:alpha val="0"/>
+      </a:schemeClr>
+    </dgm:fillClrLst>
+    <dgm:linClrLst meth="repeat">
+      <a:schemeClr val="dk1">
+        <a:alpha val="0"/>
+      </a:schemeClr>
+    </dgm:linClrLst>
+    <dgm:effectClrLst/>
+    <dgm:txLinClrLst/>
+    <dgm:txFillClrLst meth="repeat">
+      <a:schemeClr val="tx1"/>
+    </dgm:txFillClrLst>
+    <dgm:txEffectClrLst/>
+  </dgm:styleLbl>
+</dgm:colorsDef>
+</file>
+
+<file path=ppt/diagrams/colors4.xml><?xml version="1.0" encoding="utf-8"?>
 <dgm:colorsDef xmlns:dgm="http://schemas.openxmlformats.org/drawingml/2006/diagram" xmlns:a="http://schemas.openxmlformats.org/drawingml/2006/main" uniqueId="urn:microsoft.com/office/officeart/2005/8/colors/colorful2">
   <dgm:title val=""/>
   <dgm:desc val=""/>
@@ -3451,7 +4370,7 @@
 <dgm:dataModel xmlns:dgm="http://schemas.openxmlformats.org/drawingml/2006/diagram" xmlns:a="http://schemas.openxmlformats.org/drawingml/2006/main">
   <dgm:ptLst>
     <dgm:pt modelId="{2B35E862-C18A-405D-A8F9-400295D7AE49}" type="doc">
-      <dgm:prSet loTypeId="urn:microsoft.com/office/officeart/2005/8/layout/vList2" loCatId="list" qsTypeId="urn:microsoft.com/office/officeart/2005/8/quickstyle/simple4" qsCatId="simple" csTypeId="urn:microsoft.com/office/officeart/2005/8/colors/colorful2" csCatId="colorful"/>
+      <dgm:prSet loTypeId="urn:microsoft.com/office/officeart/2005/8/layout/default" loCatId="list" qsTypeId="urn:microsoft.com/office/officeart/2005/8/quickstyle/simple1" qsCatId="simple" csTypeId="urn:microsoft.com/office/officeart/2005/8/colors/colorful1" csCatId="colorful"/>
       <dgm:spPr/>
       <dgm:t>
         <a:bodyPr/>
@@ -3641,8 +4560,236 @@
         </a:p>
       </dgm:t>
     </dgm:pt>
-    <dgm:pt modelId="{A17E33CF-9ECE-47D8-82B8-E95D75A890A4}" type="pres">
-      <dgm:prSet presAssocID="{2B35E862-C18A-405D-A8F9-400295D7AE49}" presName="linear" presStyleCnt="0">
+    <dgm:pt modelId="{193F5B7B-997E-434D-8049-3138D3D07D4B}" type="pres">
+      <dgm:prSet presAssocID="{2B35E862-C18A-405D-A8F9-400295D7AE49}" presName="diagram" presStyleCnt="0">
+        <dgm:presLayoutVars>
+          <dgm:dir/>
+          <dgm:resizeHandles val="exact"/>
+        </dgm:presLayoutVars>
+      </dgm:prSet>
+      <dgm:spPr/>
+    </dgm:pt>
+    <dgm:pt modelId="{AB5FD170-A124-488E-AA43-0A50008BF549}" type="pres">
+      <dgm:prSet presAssocID="{86BB346F-05F6-46B3-8757-2D4560FEECBD}" presName="node" presStyleLbl="node1" presStyleIdx="0" presStyleCnt="5">
+        <dgm:presLayoutVars>
+          <dgm:bulletEnabled val="1"/>
+        </dgm:presLayoutVars>
+      </dgm:prSet>
+      <dgm:spPr/>
+    </dgm:pt>
+    <dgm:pt modelId="{979834EB-7B4C-4C06-89FB-3141DFC37945}" type="pres">
+      <dgm:prSet presAssocID="{90C0C2BA-2FC3-4B23-B9D4-3C317E7A0B93}" presName="sibTrans" presStyleCnt="0"/>
+      <dgm:spPr/>
+    </dgm:pt>
+    <dgm:pt modelId="{342A7E7A-C1BF-4417-A73F-8D8C3A24B07D}" type="pres">
+      <dgm:prSet presAssocID="{8DEE78D7-1CE3-4072-9318-42A24C0F47CC}" presName="node" presStyleLbl="node1" presStyleIdx="1" presStyleCnt="5">
+        <dgm:presLayoutVars>
+          <dgm:bulletEnabled val="1"/>
+        </dgm:presLayoutVars>
+      </dgm:prSet>
+      <dgm:spPr/>
+    </dgm:pt>
+    <dgm:pt modelId="{9FFCC7D0-ADF1-49D8-885C-D8B1B5156FEF}" type="pres">
+      <dgm:prSet presAssocID="{F51AE3FA-0A78-47D5-8CD9-CA3F453DA1B6}" presName="sibTrans" presStyleCnt="0"/>
+      <dgm:spPr/>
+    </dgm:pt>
+    <dgm:pt modelId="{3BEA6AFA-934D-430A-BEBF-DCE86B021184}" type="pres">
+      <dgm:prSet presAssocID="{461FAF9B-FB78-4A40-8A45-0963C72E2EAD}" presName="node" presStyleLbl="node1" presStyleIdx="2" presStyleCnt="5">
+        <dgm:presLayoutVars>
+          <dgm:bulletEnabled val="1"/>
+        </dgm:presLayoutVars>
+      </dgm:prSet>
+      <dgm:spPr/>
+    </dgm:pt>
+    <dgm:pt modelId="{F1180104-1E2C-452F-B8A2-174A61302600}" type="pres">
+      <dgm:prSet presAssocID="{59362D61-2E10-4E02-A80E-7FA327D32215}" presName="sibTrans" presStyleCnt="0"/>
+      <dgm:spPr/>
+    </dgm:pt>
+    <dgm:pt modelId="{A4B3BD44-0B95-4879-BFEF-C410241A0CB8}" type="pres">
+      <dgm:prSet presAssocID="{A3B053F6-AA6F-405E-AC28-F5A3AF442C02}" presName="node" presStyleLbl="node1" presStyleIdx="3" presStyleCnt="5">
+        <dgm:presLayoutVars>
+          <dgm:bulletEnabled val="1"/>
+        </dgm:presLayoutVars>
+      </dgm:prSet>
+      <dgm:spPr/>
+    </dgm:pt>
+    <dgm:pt modelId="{CBC37F43-18B7-44A9-8332-46D2AF199432}" type="pres">
+      <dgm:prSet presAssocID="{36BEA9DD-59F1-4772-B35D-3115C3029874}" presName="sibTrans" presStyleCnt="0"/>
+      <dgm:spPr/>
+    </dgm:pt>
+    <dgm:pt modelId="{8BC7606B-7080-41F8-87E9-B0B5FE26E756}" type="pres">
+      <dgm:prSet presAssocID="{AACAF4FF-1B1C-49F4-B051-9263209D17C1}" presName="node" presStyleLbl="node1" presStyleIdx="4" presStyleCnt="5">
+        <dgm:presLayoutVars>
+          <dgm:bulletEnabled val="1"/>
+        </dgm:presLayoutVars>
+      </dgm:prSet>
+      <dgm:spPr/>
+    </dgm:pt>
+  </dgm:ptLst>
+  <dgm:cxnLst>
+    <dgm:cxn modelId="{1B599A00-994D-433B-9221-C7745101A899}" srcId="{2B35E862-C18A-405D-A8F9-400295D7AE49}" destId="{A3B053F6-AA6F-405E-AC28-F5A3AF442C02}" srcOrd="3" destOrd="0" parTransId="{FA7A4323-C285-46C1-8212-B0E962229A06}" sibTransId="{36BEA9DD-59F1-4772-B35D-3115C3029874}"/>
+    <dgm:cxn modelId="{2724FE1F-E6BE-4D60-AE4B-B618AD4534C2}" type="presOf" srcId="{86BB346F-05F6-46B3-8757-2D4560FEECBD}" destId="{AB5FD170-A124-488E-AA43-0A50008BF549}" srcOrd="0" destOrd="0" presId="urn:microsoft.com/office/officeart/2005/8/layout/default"/>
+    <dgm:cxn modelId="{CA07C935-2758-4BCF-89DB-928E807B9E19}" type="presOf" srcId="{2B35E862-C18A-405D-A8F9-400295D7AE49}" destId="{193F5B7B-997E-434D-8049-3138D3D07D4B}" srcOrd="0" destOrd="0" presId="urn:microsoft.com/office/officeart/2005/8/layout/default"/>
+    <dgm:cxn modelId="{79195636-DA55-48A3-920A-0DE821CF8484}" srcId="{2B35E862-C18A-405D-A8F9-400295D7AE49}" destId="{AACAF4FF-1B1C-49F4-B051-9263209D17C1}" srcOrd="4" destOrd="0" parTransId="{299A2006-4F61-4C83-B98E-25A714C2EB24}" sibTransId="{29B1728F-5EBC-497A-B6A8-20496BEBCD58}"/>
+    <dgm:cxn modelId="{375F5367-CFFC-4E75-B6EE-223CD58192A6}" type="presOf" srcId="{A3B053F6-AA6F-405E-AC28-F5A3AF442C02}" destId="{A4B3BD44-0B95-4879-BFEF-C410241A0CB8}" srcOrd="0" destOrd="0" presId="urn:microsoft.com/office/officeart/2005/8/layout/default"/>
+    <dgm:cxn modelId="{BF127755-E367-4DA7-B1CE-78263C310F4C}" srcId="{2B35E862-C18A-405D-A8F9-400295D7AE49}" destId="{461FAF9B-FB78-4A40-8A45-0963C72E2EAD}" srcOrd="2" destOrd="0" parTransId="{ACFF7299-8D89-433D-8453-981F1A7E82D9}" sibTransId="{59362D61-2E10-4E02-A80E-7FA327D32215}"/>
+    <dgm:cxn modelId="{0DCCDC75-5C7D-47EE-B0AE-0BC92B611EBC}" type="presOf" srcId="{AACAF4FF-1B1C-49F4-B051-9263209D17C1}" destId="{8BC7606B-7080-41F8-87E9-B0B5FE26E756}" srcOrd="0" destOrd="0" presId="urn:microsoft.com/office/officeart/2005/8/layout/default"/>
+    <dgm:cxn modelId="{3BBE3186-4808-49B5-9834-69FC9556BF44}" type="presOf" srcId="{8DEE78D7-1CE3-4072-9318-42A24C0F47CC}" destId="{342A7E7A-C1BF-4417-A73F-8D8C3A24B07D}" srcOrd="0" destOrd="0" presId="urn:microsoft.com/office/officeart/2005/8/layout/default"/>
+    <dgm:cxn modelId="{1DB28BC7-5C95-48F3-9DB7-D9CDD361C824}" srcId="{2B35E862-C18A-405D-A8F9-400295D7AE49}" destId="{86BB346F-05F6-46B3-8757-2D4560FEECBD}" srcOrd="0" destOrd="0" parTransId="{A8857D84-5F96-4D8D-8770-F21B4917AA6A}" sibTransId="{90C0C2BA-2FC3-4B23-B9D4-3C317E7A0B93}"/>
+    <dgm:cxn modelId="{7041FFCB-00AB-4B8B-96ED-ABBBD6366B62}" srcId="{2B35E862-C18A-405D-A8F9-400295D7AE49}" destId="{8DEE78D7-1CE3-4072-9318-42A24C0F47CC}" srcOrd="1" destOrd="0" parTransId="{C73D5BC9-43A3-4E3B-9329-58ECD4A1846A}" sibTransId="{F51AE3FA-0A78-47D5-8CD9-CA3F453DA1B6}"/>
+    <dgm:cxn modelId="{032CF4FF-BF57-4C86-991A-CF32E00566D1}" type="presOf" srcId="{461FAF9B-FB78-4A40-8A45-0963C72E2EAD}" destId="{3BEA6AFA-934D-430A-BEBF-DCE86B021184}" srcOrd="0" destOrd="0" presId="urn:microsoft.com/office/officeart/2005/8/layout/default"/>
+    <dgm:cxn modelId="{909282B4-3E94-425F-BC5F-3A6F626B41D6}" type="presParOf" srcId="{193F5B7B-997E-434D-8049-3138D3D07D4B}" destId="{AB5FD170-A124-488E-AA43-0A50008BF549}" srcOrd="0" destOrd="0" presId="urn:microsoft.com/office/officeart/2005/8/layout/default"/>
+    <dgm:cxn modelId="{A886E7D5-255B-46AC-91C1-A8F5A8BCED00}" type="presParOf" srcId="{193F5B7B-997E-434D-8049-3138D3D07D4B}" destId="{979834EB-7B4C-4C06-89FB-3141DFC37945}" srcOrd="1" destOrd="0" presId="urn:microsoft.com/office/officeart/2005/8/layout/default"/>
+    <dgm:cxn modelId="{42A97C05-5B61-4866-BB00-33F1F4A33035}" type="presParOf" srcId="{193F5B7B-997E-434D-8049-3138D3D07D4B}" destId="{342A7E7A-C1BF-4417-A73F-8D8C3A24B07D}" srcOrd="2" destOrd="0" presId="urn:microsoft.com/office/officeart/2005/8/layout/default"/>
+    <dgm:cxn modelId="{F4E939BE-1404-4C62-B041-624CFD381E84}" type="presParOf" srcId="{193F5B7B-997E-434D-8049-3138D3D07D4B}" destId="{9FFCC7D0-ADF1-49D8-885C-D8B1B5156FEF}" srcOrd="3" destOrd="0" presId="urn:microsoft.com/office/officeart/2005/8/layout/default"/>
+    <dgm:cxn modelId="{4C5D23C9-94A8-453A-A511-4D9AB69084BF}" type="presParOf" srcId="{193F5B7B-997E-434D-8049-3138D3D07D4B}" destId="{3BEA6AFA-934D-430A-BEBF-DCE86B021184}" srcOrd="4" destOrd="0" presId="urn:microsoft.com/office/officeart/2005/8/layout/default"/>
+    <dgm:cxn modelId="{91EFEF90-1A32-454C-8017-C2290C81E445}" type="presParOf" srcId="{193F5B7B-997E-434D-8049-3138D3D07D4B}" destId="{F1180104-1E2C-452F-B8A2-174A61302600}" srcOrd="5" destOrd="0" presId="urn:microsoft.com/office/officeart/2005/8/layout/default"/>
+    <dgm:cxn modelId="{C018DB5E-1EFC-4FC4-B0F7-0CB8264F66DF}" type="presParOf" srcId="{193F5B7B-997E-434D-8049-3138D3D07D4B}" destId="{A4B3BD44-0B95-4879-BFEF-C410241A0CB8}" srcOrd="6" destOrd="0" presId="urn:microsoft.com/office/officeart/2005/8/layout/default"/>
+    <dgm:cxn modelId="{D2AFD44D-C940-4DA2-8871-D7F1127C129A}" type="presParOf" srcId="{193F5B7B-997E-434D-8049-3138D3D07D4B}" destId="{CBC37F43-18B7-44A9-8332-46D2AF199432}" srcOrd="7" destOrd="0" presId="urn:microsoft.com/office/officeart/2005/8/layout/default"/>
+    <dgm:cxn modelId="{B4E47ADC-3C09-444D-B46A-17E84DFEAD59}" type="presParOf" srcId="{193F5B7B-997E-434D-8049-3138D3D07D4B}" destId="{8BC7606B-7080-41F8-87E9-B0B5FE26E756}" srcOrd="8" destOrd="0" presId="urn:microsoft.com/office/officeart/2005/8/layout/default"/>
+  </dgm:cxnLst>
+  <dgm:bg/>
+  <dgm:whole/>
+  <dgm:extLst>
+    <a:ext uri="http://schemas.microsoft.com/office/drawing/2008/diagram">
+      <dsp:dataModelExt xmlns:dsp="http://schemas.microsoft.com/office/drawing/2008/diagram" relId="rId7" minVer="http://schemas.openxmlformats.org/drawingml/2006/diagram"/>
+    </a:ext>
+  </dgm:extLst>
+</dgm:dataModel>
+</file>
+
+<file path=ppt/diagrams/data4.xml><?xml version="1.0" encoding="utf-8"?>
+<dgm:dataModel xmlns:dgm="http://schemas.openxmlformats.org/drawingml/2006/diagram" xmlns:a="http://schemas.openxmlformats.org/drawingml/2006/main">
+  <dgm:ptLst>
+    <dgm:pt modelId="{07C21223-3529-448E-AB78-8DE460C31EEA}" type="doc">
+      <dgm:prSet loTypeId="urn:microsoft.com/office/officeart/2005/8/layout/vList2" loCatId="list" qsTypeId="urn:microsoft.com/office/officeart/2005/8/quickstyle/simple4" qsCatId="simple" csTypeId="urn:microsoft.com/office/officeart/2005/8/colors/colorful2" csCatId="colorful"/>
+      <dgm:spPr/>
+      <dgm:t>
+        <a:bodyPr/>
+        <a:lstStyle/>
+        <a:p>
+          <a:endParaRPr lang="en-US"/>
+        </a:p>
+      </dgm:t>
+    </dgm:pt>
+    <dgm:pt modelId="{A659CEAD-9478-407A-8CF8-DB80A1C29CDC}">
+      <dgm:prSet/>
+      <dgm:spPr/>
+      <dgm:t>
+        <a:bodyPr/>
+        <a:lstStyle/>
+        <a:p>
+          <a:r>
+            <a:rPr lang="en-US"/>
+            <a:t>IoT as a Service</a:t>
+          </a:r>
+          <a:br>
+            <a:rPr lang="en-US"/>
+          </a:br>
+          <a:endParaRPr lang="en-US"/>
+        </a:p>
+      </dgm:t>
+    </dgm:pt>
+    <dgm:pt modelId="{C752F440-2057-4336-B9EC-EA54CFD4F8E1}" type="parTrans" cxnId="{59F2CC58-F3B5-4707-A369-B97127B4557C}">
+      <dgm:prSet/>
+      <dgm:spPr/>
+      <dgm:t>
+        <a:bodyPr/>
+        <a:lstStyle/>
+        <a:p>
+          <a:endParaRPr lang="en-US"/>
+        </a:p>
+      </dgm:t>
+    </dgm:pt>
+    <dgm:pt modelId="{1054A3AE-485F-40E9-91AB-C78831854418}" type="sibTrans" cxnId="{59F2CC58-F3B5-4707-A369-B97127B4557C}">
+      <dgm:prSet/>
+      <dgm:spPr/>
+      <dgm:t>
+        <a:bodyPr/>
+        <a:lstStyle/>
+        <a:p>
+          <a:endParaRPr lang="en-US"/>
+        </a:p>
+      </dgm:t>
+    </dgm:pt>
+    <dgm:pt modelId="{00F423B3-9EBC-4BED-8DA4-EC8AF4EF5BE1}">
+      <dgm:prSet/>
+      <dgm:spPr/>
+      <dgm:t>
+        <a:bodyPr/>
+        <a:lstStyle/>
+        <a:p>
+          <a:r>
+            <a:rPr lang="en-US"/>
+            <a:t>ML as a Service</a:t>
+          </a:r>
+          <a:br>
+            <a:rPr lang="en-US"/>
+          </a:br>
+          <a:endParaRPr lang="en-US"/>
+        </a:p>
+      </dgm:t>
+    </dgm:pt>
+    <dgm:pt modelId="{68AD12B7-F546-475D-80EC-246D3E75327C}" type="parTrans" cxnId="{86F07EB2-9ED9-4B17-824D-979304A02D83}">
+      <dgm:prSet/>
+      <dgm:spPr/>
+      <dgm:t>
+        <a:bodyPr/>
+        <a:lstStyle/>
+        <a:p>
+          <a:endParaRPr lang="en-US"/>
+        </a:p>
+      </dgm:t>
+    </dgm:pt>
+    <dgm:pt modelId="{053B2C75-78FB-42EE-B427-DCEC24C5C167}" type="sibTrans" cxnId="{86F07EB2-9ED9-4B17-824D-979304A02D83}">
+      <dgm:prSet/>
+      <dgm:spPr/>
+      <dgm:t>
+        <a:bodyPr/>
+        <a:lstStyle/>
+        <a:p>
+          <a:endParaRPr lang="en-US"/>
+        </a:p>
+      </dgm:t>
+    </dgm:pt>
+    <dgm:pt modelId="{5549F14F-E60B-435C-A469-2880CA2DB4A7}">
+      <dgm:prSet/>
+      <dgm:spPr/>
+      <dgm:t>
+        <a:bodyPr/>
+        <a:lstStyle/>
+        <a:p>
+          <a:r>
+            <a:rPr lang="en-US"/>
+            <a:t>Notification Services</a:t>
+          </a:r>
+        </a:p>
+      </dgm:t>
+    </dgm:pt>
+    <dgm:pt modelId="{10E45B97-7FE6-48A3-91BB-849F9A8CB1BC}" type="parTrans" cxnId="{83DF74B9-3FAE-47A1-9C29-ABB9A26DE55A}">
+      <dgm:prSet/>
+      <dgm:spPr/>
+      <dgm:t>
+        <a:bodyPr/>
+        <a:lstStyle/>
+        <a:p>
+          <a:endParaRPr lang="en-US"/>
+        </a:p>
+      </dgm:t>
+    </dgm:pt>
+    <dgm:pt modelId="{657E6265-4217-415D-A8DC-7A243223D9FE}" type="sibTrans" cxnId="{83DF74B9-3FAE-47A1-9C29-ABB9A26DE55A}">
+      <dgm:prSet/>
+      <dgm:spPr/>
+      <dgm:t>
+        <a:bodyPr/>
+        <a:lstStyle/>
+        <a:p>
+          <a:endParaRPr lang="en-US"/>
+        </a:p>
+      </dgm:t>
+    </dgm:pt>
+    <dgm:pt modelId="{EA591AF2-5736-46A4-96BE-988FCD67A0C2}" type="pres">
+      <dgm:prSet presAssocID="{07C21223-3529-448E-AB78-8DE460C31EEA}" presName="linear" presStyleCnt="0">
         <dgm:presLayoutVars>
           <dgm:animLvl val="lvl"/>
           <dgm:resizeHandles val="exact"/>
@@ -3650,8 +4797,8 @@
       </dgm:prSet>
       <dgm:spPr/>
     </dgm:pt>
-    <dgm:pt modelId="{084EE6A4-4001-413F-B47E-39856E7962E5}" type="pres">
-      <dgm:prSet presAssocID="{86BB346F-05F6-46B3-8757-2D4560FEECBD}" presName="parentText" presStyleLbl="node1" presStyleIdx="0" presStyleCnt="5">
+    <dgm:pt modelId="{E28066BE-47CB-46F3-9858-FFAED80B5682}" type="pres">
+      <dgm:prSet presAssocID="{A659CEAD-9478-407A-8CF8-DB80A1C29CDC}" presName="parentText" presStyleLbl="node1" presStyleIdx="0" presStyleCnt="3">
         <dgm:presLayoutVars>
           <dgm:chMax val="0"/>
           <dgm:bulletEnabled val="1"/>
@@ -3659,12 +4806,12 @@
       </dgm:prSet>
       <dgm:spPr/>
     </dgm:pt>
-    <dgm:pt modelId="{C7BF8AD6-2208-41CA-9A43-3D3677DD11FF}" type="pres">
-      <dgm:prSet presAssocID="{90C0C2BA-2FC3-4B23-B9D4-3C317E7A0B93}" presName="spacer" presStyleCnt="0"/>
+    <dgm:pt modelId="{58267BD6-E7E6-41D6-BE2C-7D5BFB9421A9}" type="pres">
+      <dgm:prSet presAssocID="{1054A3AE-485F-40E9-91AB-C78831854418}" presName="spacer" presStyleCnt="0"/>
       <dgm:spPr/>
     </dgm:pt>
-    <dgm:pt modelId="{BD8C25FB-58AD-439B-BE98-E90A9E341ADE}" type="pres">
-      <dgm:prSet presAssocID="{8DEE78D7-1CE3-4072-9318-42A24C0F47CC}" presName="parentText" presStyleLbl="node1" presStyleIdx="1" presStyleCnt="5">
+    <dgm:pt modelId="{2B6674AC-E620-48AF-9CC6-5400F753D78C}" type="pres">
+      <dgm:prSet presAssocID="{00F423B3-9EBC-4BED-8DA4-EC8AF4EF5BE1}" presName="parentText" presStyleLbl="node1" presStyleIdx="1" presStyleCnt="3">
         <dgm:presLayoutVars>
           <dgm:chMax val="0"/>
           <dgm:bulletEnabled val="1"/>
@@ -3672,38 +4819,12 @@
       </dgm:prSet>
       <dgm:spPr/>
     </dgm:pt>
-    <dgm:pt modelId="{975A209D-4333-43C1-BF60-A6AA2E9CC86B}" type="pres">
-      <dgm:prSet presAssocID="{F51AE3FA-0A78-47D5-8CD9-CA3F453DA1B6}" presName="spacer" presStyleCnt="0"/>
+    <dgm:pt modelId="{40259A19-BB34-4C18-91BC-66ACCF783235}" type="pres">
+      <dgm:prSet presAssocID="{053B2C75-78FB-42EE-B427-DCEC24C5C167}" presName="spacer" presStyleCnt="0"/>
       <dgm:spPr/>
     </dgm:pt>
-    <dgm:pt modelId="{30370B88-7AE2-45A5-8749-45D513069418}" type="pres">
-      <dgm:prSet presAssocID="{461FAF9B-FB78-4A40-8A45-0963C72E2EAD}" presName="parentText" presStyleLbl="node1" presStyleIdx="2" presStyleCnt="5">
-        <dgm:presLayoutVars>
-          <dgm:chMax val="0"/>
-          <dgm:bulletEnabled val="1"/>
-        </dgm:presLayoutVars>
-      </dgm:prSet>
-      <dgm:spPr/>
-    </dgm:pt>
-    <dgm:pt modelId="{1D36CA0A-29F8-4B23-B9F8-F49D27731FF7}" type="pres">
-      <dgm:prSet presAssocID="{59362D61-2E10-4E02-A80E-7FA327D32215}" presName="spacer" presStyleCnt="0"/>
-      <dgm:spPr/>
-    </dgm:pt>
-    <dgm:pt modelId="{BE094EA3-2499-4B0D-AAEF-1EA2A26E85DC}" type="pres">
-      <dgm:prSet presAssocID="{A3B053F6-AA6F-405E-AC28-F5A3AF442C02}" presName="parentText" presStyleLbl="node1" presStyleIdx="3" presStyleCnt="5">
-        <dgm:presLayoutVars>
-          <dgm:chMax val="0"/>
-          <dgm:bulletEnabled val="1"/>
-        </dgm:presLayoutVars>
-      </dgm:prSet>
-      <dgm:spPr/>
-    </dgm:pt>
-    <dgm:pt modelId="{3A74DD1C-3305-42E5-847C-6C19F9951F92}" type="pres">
-      <dgm:prSet presAssocID="{36BEA9DD-59F1-4772-B35D-3115C3029874}" presName="spacer" presStyleCnt="0"/>
-      <dgm:spPr/>
-    </dgm:pt>
-    <dgm:pt modelId="{8DA2A805-3864-478D-A225-E48FC33B0AAF}" type="pres">
-      <dgm:prSet presAssocID="{AACAF4FF-1B1C-49F4-B051-9263209D17C1}" presName="parentText" presStyleLbl="node1" presStyleIdx="4" presStyleCnt="5">
+    <dgm:pt modelId="{3747EA34-AA5D-43F0-9287-087339DA23E0}" type="pres">
+      <dgm:prSet presAssocID="{5549F14F-E60B-435C-A469-2880CA2DB4A7}" presName="parentText" presStyleLbl="node1" presStyleIdx="2" presStyleCnt="3">
         <dgm:presLayoutVars>
           <dgm:chMax val="0"/>
           <dgm:bulletEnabled val="1"/>
@@ -3713,32 +4834,24 @@
     </dgm:pt>
   </dgm:ptLst>
   <dgm:cxnLst>
-    <dgm:cxn modelId="{1B599A00-994D-433B-9221-C7745101A899}" srcId="{2B35E862-C18A-405D-A8F9-400295D7AE49}" destId="{A3B053F6-AA6F-405E-AC28-F5A3AF442C02}" srcOrd="3" destOrd="0" parTransId="{FA7A4323-C285-46C1-8212-B0E962229A06}" sibTransId="{36BEA9DD-59F1-4772-B35D-3115C3029874}"/>
-    <dgm:cxn modelId="{07D3FF01-AAC7-4933-9C79-19992916C154}" type="presOf" srcId="{8DEE78D7-1CE3-4072-9318-42A24C0F47CC}" destId="{BD8C25FB-58AD-439B-BE98-E90A9E341ADE}" srcOrd="0" destOrd="0" presId="urn:microsoft.com/office/officeart/2005/8/layout/vList2"/>
-    <dgm:cxn modelId="{55BEAB05-92B2-4220-A719-665B130A1140}" type="presOf" srcId="{461FAF9B-FB78-4A40-8A45-0963C72E2EAD}" destId="{30370B88-7AE2-45A5-8749-45D513069418}" srcOrd="0" destOrd="0" presId="urn:microsoft.com/office/officeart/2005/8/layout/vList2"/>
-    <dgm:cxn modelId="{79195636-DA55-48A3-920A-0DE821CF8484}" srcId="{2B35E862-C18A-405D-A8F9-400295D7AE49}" destId="{AACAF4FF-1B1C-49F4-B051-9263209D17C1}" srcOrd="4" destOrd="0" parTransId="{299A2006-4F61-4C83-B98E-25A714C2EB24}" sibTransId="{29B1728F-5EBC-497A-B6A8-20496BEBCD58}"/>
-    <dgm:cxn modelId="{B3646B50-2816-422A-BA99-79D11CB2A2A3}" type="presOf" srcId="{AACAF4FF-1B1C-49F4-B051-9263209D17C1}" destId="{8DA2A805-3864-478D-A225-E48FC33B0AAF}" srcOrd="0" destOrd="0" presId="urn:microsoft.com/office/officeart/2005/8/layout/vList2"/>
-    <dgm:cxn modelId="{BF127755-E367-4DA7-B1CE-78263C310F4C}" srcId="{2B35E862-C18A-405D-A8F9-400295D7AE49}" destId="{461FAF9B-FB78-4A40-8A45-0963C72E2EAD}" srcOrd="2" destOrd="0" parTransId="{ACFF7299-8D89-433D-8453-981F1A7E82D9}" sibTransId="{59362D61-2E10-4E02-A80E-7FA327D32215}"/>
-    <dgm:cxn modelId="{38A4BB9C-8D14-4F81-8386-8203D1495C4F}" type="presOf" srcId="{A3B053F6-AA6F-405E-AC28-F5A3AF442C02}" destId="{BE094EA3-2499-4B0D-AAEF-1EA2A26E85DC}" srcOrd="0" destOrd="0" presId="urn:microsoft.com/office/officeart/2005/8/layout/vList2"/>
-    <dgm:cxn modelId="{2BA0189F-4EF0-452C-B1CE-FF16351CA281}" type="presOf" srcId="{86BB346F-05F6-46B3-8757-2D4560FEECBD}" destId="{084EE6A4-4001-413F-B47E-39856E7962E5}" srcOrd="0" destOrd="0" presId="urn:microsoft.com/office/officeart/2005/8/layout/vList2"/>
-    <dgm:cxn modelId="{1DB28BC7-5C95-48F3-9DB7-D9CDD361C824}" srcId="{2B35E862-C18A-405D-A8F9-400295D7AE49}" destId="{86BB346F-05F6-46B3-8757-2D4560FEECBD}" srcOrd="0" destOrd="0" parTransId="{A8857D84-5F96-4D8D-8770-F21B4917AA6A}" sibTransId="{90C0C2BA-2FC3-4B23-B9D4-3C317E7A0B93}"/>
-    <dgm:cxn modelId="{7041FFCB-00AB-4B8B-96ED-ABBBD6366B62}" srcId="{2B35E862-C18A-405D-A8F9-400295D7AE49}" destId="{8DEE78D7-1CE3-4072-9318-42A24C0F47CC}" srcOrd="1" destOrd="0" parTransId="{C73D5BC9-43A3-4E3B-9329-58ECD4A1846A}" sibTransId="{F51AE3FA-0A78-47D5-8CD9-CA3F453DA1B6}"/>
-    <dgm:cxn modelId="{B59854CD-C66C-4D4B-BD8E-F92FF59031AC}" type="presOf" srcId="{2B35E862-C18A-405D-A8F9-400295D7AE49}" destId="{A17E33CF-9ECE-47D8-82B8-E95D75A890A4}" srcOrd="0" destOrd="0" presId="urn:microsoft.com/office/officeart/2005/8/layout/vList2"/>
-    <dgm:cxn modelId="{552C2685-32E4-4B74-8396-1070B94B60E8}" type="presParOf" srcId="{A17E33CF-9ECE-47D8-82B8-E95D75A890A4}" destId="{084EE6A4-4001-413F-B47E-39856E7962E5}" srcOrd="0" destOrd="0" presId="urn:microsoft.com/office/officeart/2005/8/layout/vList2"/>
-    <dgm:cxn modelId="{B2BD5337-FF60-4341-873C-69ECE7E65BCC}" type="presParOf" srcId="{A17E33CF-9ECE-47D8-82B8-E95D75A890A4}" destId="{C7BF8AD6-2208-41CA-9A43-3D3677DD11FF}" srcOrd="1" destOrd="0" presId="urn:microsoft.com/office/officeart/2005/8/layout/vList2"/>
-    <dgm:cxn modelId="{DC0BC3AE-5F94-422B-8901-4776C33A9C38}" type="presParOf" srcId="{A17E33CF-9ECE-47D8-82B8-E95D75A890A4}" destId="{BD8C25FB-58AD-439B-BE98-E90A9E341ADE}" srcOrd="2" destOrd="0" presId="urn:microsoft.com/office/officeart/2005/8/layout/vList2"/>
-    <dgm:cxn modelId="{EC4DAE41-E809-4663-ACE9-872C0BCEA598}" type="presParOf" srcId="{A17E33CF-9ECE-47D8-82B8-E95D75A890A4}" destId="{975A209D-4333-43C1-BF60-A6AA2E9CC86B}" srcOrd="3" destOrd="0" presId="urn:microsoft.com/office/officeart/2005/8/layout/vList2"/>
-    <dgm:cxn modelId="{1F807E96-17F3-42E9-A957-FC008681AEF8}" type="presParOf" srcId="{A17E33CF-9ECE-47D8-82B8-E95D75A890A4}" destId="{30370B88-7AE2-45A5-8749-45D513069418}" srcOrd="4" destOrd="0" presId="urn:microsoft.com/office/officeart/2005/8/layout/vList2"/>
-    <dgm:cxn modelId="{5621B787-9E80-4D3F-A7AD-BA1F83C720BF}" type="presParOf" srcId="{A17E33CF-9ECE-47D8-82B8-E95D75A890A4}" destId="{1D36CA0A-29F8-4B23-B9F8-F49D27731FF7}" srcOrd="5" destOrd="0" presId="urn:microsoft.com/office/officeart/2005/8/layout/vList2"/>
-    <dgm:cxn modelId="{E2C2E199-7114-4533-A310-16C59DE184AD}" type="presParOf" srcId="{A17E33CF-9ECE-47D8-82B8-E95D75A890A4}" destId="{BE094EA3-2499-4B0D-AAEF-1EA2A26E85DC}" srcOrd="6" destOrd="0" presId="urn:microsoft.com/office/officeart/2005/8/layout/vList2"/>
-    <dgm:cxn modelId="{7018DEE0-DC83-4A68-AFE2-D22079C8955C}" type="presParOf" srcId="{A17E33CF-9ECE-47D8-82B8-E95D75A890A4}" destId="{3A74DD1C-3305-42E5-847C-6C19F9951F92}" srcOrd="7" destOrd="0" presId="urn:microsoft.com/office/officeart/2005/8/layout/vList2"/>
-    <dgm:cxn modelId="{65156ED4-571D-45FC-969D-19F76BC48A9B}" type="presParOf" srcId="{A17E33CF-9ECE-47D8-82B8-E95D75A890A4}" destId="{8DA2A805-3864-478D-A225-E48FC33B0AAF}" srcOrd="8" destOrd="0" presId="urn:microsoft.com/office/officeart/2005/8/layout/vList2"/>
+    <dgm:cxn modelId="{C2A47253-1BD7-4FB0-8D1A-FD0EA301943C}" type="presOf" srcId="{07C21223-3529-448E-AB78-8DE460C31EEA}" destId="{EA591AF2-5736-46A4-96BE-988FCD67A0C2}" srcOrd="0" destOrd="0" presId="urn:microsoft.com/office/officeart/2005/8/layout/vList2"/>
+    <dgm:cxn modelId="{59F2CC58-F3B5-4707-A369-B97127B4557C}" srcId="{07C21223-3529-448E-AB78-8DE460C31EEA}" destId="{A659CEAD-9478-407A-8CF8-DB80A1C29CDC}" srcOrd="0" destOrd="0" parTransId="{C752F440-2057-4336-B9EC-EA54CFD4F8E1}" sibTransId="{1054A3AE-485F-40E9-91AB-C78831854418}"/>
+    <dgm:cxn modelId="{15D8E488-8826-44A3-A294-0F7558554F60}" type="presOf" srcId="{5549F14F-E60B-435C-A469-2880CA2DB4A7}" destId="{3747EA34-AA5D-43F0-9287-087339DA23E0}" srcOrd="0" destOrd="0" presId="urn:microsoft.com/office/officeart/2005/8/layout/vList2"/>
+    <dgm:cxn modelId="{86F07EB2-9ED9-4B17-824D-979304A02D83}" srcId="{07C21223-3529-448E-AB78-8DE460C31EEA}" destId="{00F423B3-9EBC-4BED-8DA4-EC8AF4EF5BE1}" srcOrd="1" destOrd="0" parTransId="{68AD12B7-F546-475D-80EC-246D3E75327C}" sibTransId="{053B2C75-78FB-42EE-B427-DCEC24C5C167}"/>
+    <dgm:cxn modelId="{83DF74B9-3FAE-47A1-9C29-ABB9A26DE55A}" srcId="{07C21223-3529-448E-AB78-8DE460C31EEA}" destId="{5549F14F-E60B-435C-A469-2880CA2DB4A7}" srcOrd="2" destOrd="0" parTransId="{10E45B97-7FE6-48A3-91BB-849F9A8CB1BC}" sibTransId="{657E6265-4217-415D-A8DC-7A243223D9FE}"/>
+    <dgm:cxn modelId="{4A796ED6-8F47-46A6-9607-04563733FD7A}" type="presOf" srcId="{A659CEAD-9478-407A-8CF8-DB80A1C29CDC}" destId="{E28066BE-47CB-46F3-9858-FFAED80B5682}" srcOrd="0" destOrd="0" presId="urn:microsoft.com/office/officeart/2005/8/layout/vList2"/>
+    <dgm:cxn modelId="{A876C2F9-2234-49D3-9356-166D2259A6D2}" type="presOf" srcId="{00F423B3-9EBC-4BED-8DA4-EC8AF4EF5BE1}" destId="{2B6674AC-E620-48AF-9CC6-5400F753D78C}" srcOrd="0" destOrd="0" presId="urn:microsoft.com/office/officeart/2005/8/layout/vList2"/>
+    <dgm:cxn modelId="{302AF7ED-B6DC-4493-948A-07CD01D0B0F8}" type="presParOf" srcId="{EA591AF2-5736-46A4-96BE-988FCD67A0C2}" destId="{E28066BE-47CB-46F3-9858-FFAED80B5682}" srcOrd="0" destOrd="0" presId="urn:microsoft.com/office/officeart/2005/8/layout/vList2"/>
+    <dgm:cxn modelId="{C3CE2E33-2A58-4802-8ABE-98A99517B126}" type="presParOf" srcId="{EA591AF2-5736-46A4-96BE-988FCD67A0C2}" destId="{58267BD6-E7E6-41D6-BE2C-7D5BFB9421A9}" srcOrd="1" destOrd="0" presId="urn:microsoft.com/office/officeart/2005/8/layout/vList2"/>
+    <dgm:cxn modelId="{C2279E10-1399-422F-B37E-3C78BD920073}" type="presParOf" srcId="{EA591AF2-5736-46A4-96BE-988FCD67A0C2}" destId="{2B6674AC-E620-48AF-9CC6-5400F753D78C}" srcOrd="2" destOrd="0" presId="urn:microsoft.com/office/officeart/2005/8/layout/vList2"/>
+    <dgm:cxn modelId="{B9E79D87-90A8-4269-9507-35AC478F2438}" type="presParOf" srcId="{EA591AF2-5736-46A4-96BE-988FCD67A0C2}" destId="{40259A19-BB34-4C18-91BC-66ACCF783235}" srcOrd="3" destOrd="0" presId="urn:microsoft.com/office/officeart/2005/8/layout/vList2"/>
+    <dgm:cxn modelId="{832B30E1-2EB3-4DAA-A45D-9FDCCC88F424}" type="presParOf" srcId="{EA591AF2-5736-46A4-96BE-988FCD67A0C2}" destId="{3747EA34-AA5D-43F0-9287-087339DA23E0}" srcOrd="4" destOrd="0" presId="urn:microsoft.com/office/officeart/2005/8/layout/vList2"/>
   </dgm:cxnLst>
   <dgm:bg/>
   <dgm:whole/>
   <dgm:extLst>
     <a:ext uri="http://schemas.microsoft.com/office/drawing/2008/diagram">
-      <dsp:dataModelExt xmlns:dsp="http://schemas.microsoft.com/office/drawing/2008/diagram" relId="rId6" minVer="http://schemas.openxmlformats.org/drawingml/2006/diagram"/>
+      <dsp:dataModelExt xmlns:dsp="http://schemas.microsoft.com/office/drawing/2008/diagram" relId="rId7" minVer="http://schemas.openxmlformats.org/drawingml/2006/diagram"/>
     </a:ext>
   </dgm:extLst>
 </dgm:dataModel>
@@ -4829,15 +5942,412 @@
       <dsp:cNvGrpSpPr/>
     </dsp:nvGrpSpPr>
     <dsp:grpSpPr/>
-    <dsp:sp modelId="{084EE6A4-4001-413F-B47E-39856E7962E5}">
+    <dsp:sp modelId="{AB5FD170-A124-488E-AA43-0A50008BF549}">
       <dsp:nvSpPr>
         <dsp:cNvPr id="0" name=""/>
         <dsp:cNvSpPr/>
       </dsp:nvSpPr>
       <dsp:spPr>
         <a:xfrm>
-          <a:off x="0" y="47910"/>
-          <a:ext cx="6628804" cy="889200"/>
+          <a:off x="0" y="194592"/>
+          <a:ext cx="2686347" cy="1611808"/>
+        </a:xfrm>
+        <a:prstGeom prst="rect">
+          <a:avLst/>
+        </a:prstGeom>
+        <a:solidFill>
+          <a:schemeClr val="accent2">
+            <a:hueOff val="0"/>
+            <a:satOff val="0"/>
+            <a:lumOff val="0"/>
+            <a:alphaOff val="0"/>
+          </a:schemeClr>
+        </a:solidFill>
+        <a:ln w="19050" cap="rnd" cmpd="sng" algn="ctr">
+          <a:solidFill>
+            <a:schemeClr val="lt1">
+              <a:hueOff val="0"/>
+              <a:satOff val="0"/>
+              <a:lumOff val="0"/>
+              <a:alphaOff val="0"/>
+            </a:schemeClr>
+          </a:solidFill>
+          <a:prstDash val="solid"/>
+        </a:ln>
+        <a:effectLst/>
+      </dsp:spPr>
+      <dsp:style>
+        <a:lnRef idx="2">
+          <a:scrgbClr r="0" g="0" b="0"/>
+        </a:lnRef>
+        <a:fillRef idx="1">
+          <a:scrgbClr r="0" g="0" b="0"/>
+        </a:fillRef>
+        <a:effectRef idx="0">
+          <a:scrgbClr r="0" g="0" b="0"/>
+        </a:effectRef>
+        <a:fontRef idx="minor">
+          <a:schemeClr val="lt1"/>
+        </a:fontRef>
+      </dsp:style>
+      <dsp:txBody>
+        <a:bodyPr spcFirstLastPara="0" vert="horz" wrap="square" lIns="125730" tIns="125730" rIns="125730" bIns="125730" numCol="1" spcCol="1270" anchor="ctr" anchorCtr="0">
+          <a:noAutofit/>
+        </a:bodyPr>
+        <a:lstStyle/>
+        <a:p>
+          <a:pPr marL="0" lvl="0" indent="0" algn="ctr" defTabSz="1466850">
+            <a:lnSpc>
+              <a:spcPct val="90000"/>
+            </a:lnSpc>
+            <a:spcBef>
+              <a:spcPct val="0"/>
+            </a:spcBef>
+            <a:spcAft>
+              <a:spcPct val="35000"/>
+            </a:spcAft>
+            <a:buNone/>
+          </a:pPr>
+          <a:r>
+            <a:rPr lang="en-US" sz="3300" kern="1200"/>
+            <a:t>Too Broad of Scope</a:t>
+          </a:r>
+        </a:p>
+      </dsp:txBody>
+      <dsp:txXfrm>
+        <a:off x="0" y="194592"/>
+        <a:ext cx="2686347" cy="1611808"/>
+      </dsp:txXfrm>
+    </dsp:sp>
+    <dsp:sp modelId="{342A7E7A-C1BF-4417-A73F-8D8C3A24B07D}">
+      <dsp:nvSpPr>
+        <dsp:cNvPr id="0" name=""/>
+        <dsp:cNvSpPr/>
+      </dsp:nvSpPr>
+      <dsp:spPr>
+        <a:xfrm>
+          <a:off x="2954982" y="194592"/>
+          <a:ext cx="2686347" cy="1611808"/>
+        </a:xfrm>
+        <a:prstGeom prst="rect">
+          <a:avLst/>
+        </a:prstGeom>
+        <a:solidFill>
+          <a:schemeClr val="accent3">
+            <a:hueOff val="0"/>
+            <a:satOff val="0"/>
+            <a:lumOff val="0"/>
+            <a:alphaOff val="0"/>
+          </a:schemeClr>
+        </a:solidFill>
+        <a:ln w="19050" cap="rnd" cmpd="sng" algn="ctr">
+          <a:solidFill>
+            <a:schemeClr val="lt1">
+              <a:hueOff val="0"/>
+              <a:satOff val="0"/>
+              <a:lumOff val="0"/>
+              <a:alphaOff val="0"/>
+            </a:schemeClr>
+          </a:solidFill>
+          <a:prstDash val="solid"/>
+        </a:ln>
+        <a:effectLst/>
+      </dsp:spPr>
+      <dsp:style>
+        <a:lnRef idx="2">
+          <a:scrgbClr r="0" g="0" b="0"/>
+        </a:lnRef>
+        <a:fillRef idx="1">
+          <a:scrgbClr r="0" g="0" b="0"/>
+        </a:fillRef>
+        <a:effectRef idx="0">
+          <a:scrgbClr r="0" g="0" b="0"/>
+        </a:effectRef>
+        <a:fontRef idx="minor">
+          <a:schemeClr val="lt1"/>
+        </a:fontRef>
+      </dsp:style>
+      <dsp:txBody>
+        <a:bodyPr spcFirstLastPara="0" vert="horz" wrap="square" lIns="125730" tIns="125730" rIns="125730" bIns="125730" numCol="1" spcCol="1270" anchor="ctr" anchorCtr="0">
+          <a:noAutofit/>
+        </a:bodyPr>
+        <a:lstStyle/>
+        <a:p>
+          <a:pPr marL="0" lvl="0" indent="0" algn="ctr" defTabSz="1466850">
+            <a:lnSpc>
+              <a:spcPct val="90000"/>
+            </a:lnSpc>
+            <a:spcBef>
+              <a:spcPct val="0"/>
+            </a:spcBef>
+            <a:spcAft>
+              <a:spcPct val="35000"/>
+            </a:spcAft>
+            <a:buNone/>
+          </a:pPr>
+          <a:r>
+            <a:rPr lang="en-US" sz="3300" kern="1200"/>
+            <a:t>Too Much Tech Debt</a:t>
+          </a:r>
+        </a:p>
+      </dsp:txBody>
+      <dsp:txXfrm>
+        <a:off x="2954982" y="194592"/>
+        <a:ext cx="2686347" cy="1611808"/>
+      </dsp:txXfrm>
+    </dsp:sp>
+    <dsp:sp modelId="{3BEA6AFA-934D-430A-BEBF-DCE86B021184}">
+      <dsp:nvSpPr>
+        <dsp:cNvPr id="0" name=""/>
+        <dsp:cNvSpPr/>
+      </dsp:nvSpPr>
+      <dsp:spPr>
+        <a:xfrm>
+          <a:off x="5909964" y="194592"/>
+          <a:ext cx="2686347" cy="1611808"/>
+        </a:xfrm>
+        <a:prstGeom prst="rect">
+          <a:avLst/>
+        </a:prstGeom>
+        <a:solidFill>
+          <a:schemeClr val="accent4">
+            <a:hueOff val="0"/>
+            <a:satOff val="0"/>
+            <a:lumOff val="0"/>
+            <a:alphaOff val="0"/>
+          </a:schemeClr>
+        </a:solidFill>
+        <a:ln w="19050" cap="rnd" cmpd="sng" algn="ctr">
+          <a:solidFill>
+            <a:schemeClr val="lt1">
+              <a:hueOff val="0"/>
+              <a:satOff val="0"/>
+              <a:lumOff val="0"/>
+              <a:alphaOff val="0"/>
+            </a:schemeClr>
+          </a:solidFill>
+          <a:prstDash val="solid"/>
+        </a:ln>
+        <a:effectLst/>
+      </dsp:spPr>
+      <dsp:style>
+        <a:lnRef idx="2">
+          <a:scrgbClr r="0" g="0" b="0"/>
+        </a:lnRef>
+        <a:fillRef idx="1">
+          <a:scrgbClr r="0" g="0" b="0"/>
+        </a:fillRef>
+        <a:effectRef idx="0">
+          <a:scrgbClr r="0" g="0" b="0"/>
+        </a:effectRef>
+        <a:fontRef idx="minor">
+          <a:schemeClr val="lt1"/>
+        </a:fontRef>
+      </dsp:style>
+      <dsp:txBody>
+        <a:bodyPr spcFirstLastPara="0" vert="horz" wrap="square" lIns="125730" tIns="125730" rIns="125730" bIns="125730" numCol="1" spcCol="1270" anchor="ctr" anchorCtr="0">
+          <a:noAutofit/>
+        </a:bodyPr>
+        <a:lstStyle/>
+        <a:p>
+          <a:pPr marL="0" lvl="0" indent="0" algn="ctr" defTabSz="1466850">
+            <a:lnSpc>
+              <a:spcPct val="90000"/>
+            </a:lnSpc>
+            <a:spcBef>
+              <a:spcPct val="0"/>
+            </a:spcBef>
+            <a:spcAft>
+              <a:spcPct val="35000"/>
+            </a:spcAft>
+            <a:buNone/>
+          </a:pPr>
+          <a:r>
+            <a:rPr lang="en-US" sz="3300" kern="1200"/>
+            <a:t>Insufficient Maintenance</a:t>
+          </a:r>
+        </a:p>
+      </dsp:txBody>
+      <dsp:txXfrm>
+        <a:off x="5909964" y="194592"/>
+        <a:ext cx="2686347" cy="1611808"/>
+      </dsp:txXfrm>
+    </dsp:sp>
+    <dsp:sp modelId="{A4B3BD44-0B95-4879-BFEF-C410241A0CB8}">
+      <dsp:nvSpPr>
+        <dsp:cNvPr id="0" name=""/>
+        <dsp:cNvSpPr/>
+      </dsp:nvSpPr>
+      <dsp:spPr>
+        <a:xfrm>
+          <a:off x="1477491" y="2075035"/>
+          <a:ext cx="2686347" cy="1611808"/>
+        </a:xfrm>
+        <a:prstGeom prst="rect">
+          <a:avLst/>
+        </a:prstGeom>
+        <a:solidFill>
+          <a:schemeClr val="accent5">
+            <a:hueOff val="0"/>
+            <a:satOff val="0"/>
+            <a:lumOff val="0"/>
+            <a:alphaOff val="0"/>
+          </a:schemeClr>
+        </a:solidFill>
+        <a:ln w="19050" cap="rnd" cmpd="sng" algn="ctr">
+          <a:solidFill>
+            <a:schemeClr val="lt1">
+              <a:hueOff val="0"/>
+              <a:satOff val="0"/>
+              <a:lumOff val="0"/>
+              <a:alphaOff val="0"/>
+            </a:schemeClr>
+          </a:solidFill>
+          <a:prstDash val="solid"/>
+        </a:ln>
+        <a:effectLst/>
+      </dsp:spPr>
+      <dsp:style>
+        <a:lnRef idx="2">
+          <a:scrgbClr r="0" g="0" b="0"/>
+        </a:lnRef>
+        <a:fillRef idx="1">
+          <a:scrgbClr r="0" g="0" b="0"/>
+        </a:fillRef>
+        <a:effectRef idx="0">
+          <a:scrgbClr r="0" g="0" b="0"/>
+        </a:effectRef>
+        <a:fontRef idx="minor">
+          <a:schemeClr val="lt1"/>
+        </a:fontRef>
+      </dsp:style>
+      <dsp:txBody>
+        <a:bodyPr spcFirstLastPara="0" vert="horz" wrap="square" lIns="125730" tIns="125730" rIns="125730" bIns="125730" numCol="1" spcCol="1270" anchor="ctr" anchorCtr="0">
+          <a:noAutofit/>
+        </a:bodyPr>
+        <a:lstStyle/>
+        <a:p>
+          <a:pPr marL="0" lvl="0" indent="0" algn="ctr" defTabSz="1466850">
+            <a:lnSpc>
+              <a:spcPct val="90000"/>
+            </a:lnSpc>
+            <a:spcBef>
+              <a:spcPct val="0"/>
+            </a:spcBef>
+            <a:spcAft>
+              <a:spcPct val="35000"/>
+            </a:spcAft>
+            <a:buNone/>
+          </a:pPr>
+          <a:r>
+            <a:rPr lang="en-US" sz="3300" kern="1200"/>
+            <a:t>Cultural Barriers</a:t>
+          </a:r>
+        </a:p>
+      </dsp:txBody>
+      <dsp:txXfrm>
+        <a:off x="1477491" y="2075035"/>
+        <a:ext cx="2686347" cy="1611808"/>
+      </dsp:txXfrm>
+    </dsp:sp>
+    <dsp:sp modelId="{8BC7606B-7080-41F8-87E9-B0B5FE26E756}">
+      <dsp:nvSpPr>
+        <dsp:cNvPr id="0" name=""/>
+        <dsp:cNvSpPr/>
+      </dsp:nvSpPr>
+      <dsp:spPr>
+        <a:xfrm>
+          <a:off x="4432473" y="2075035"/>
+          <a:ext cx="2686347" cy="1611808"/>
+        </a:xfrm>
+        <a:prstGeom prst="rect">
+          <a:avLst/>
+        </a:prstGeom>
+        <a:solidFill>
+          <a:schemeClr val="accent6">
+            <a:hueOff val="0"/>
+            <a:satOff val="0"/>
+            <a:lumOff val="0"/>
+            <a:alphaOff val="0"/>
+          </a:schemeClr>
+        </a:solidFill>
+        <a:ln w="19050" cap="rnd" cmpd="sng" algn="ctr">
+          <a:solidFill>
+            <a:schemeClr val="lt1">
+              <a:hueOff val="0"/>
+              <a:satOff val="0"/>
+              <a:lumOff val="0"/>
+              <a:alphaOff val="0"/>
+            </a:schemeClr>
+          </a:solidFill>
+          <a:prstDash val="solid"/>
+        </a:ln>
+        <a:effectLst/>
+      </dsp:spPr>
+      <dsp:style>
+        <a:lnRef idx="2">
+          <a:scrgbClr r="0" g="0" b="0"/>
+        </a:lnRef>
+        <a:fillRef idx="1">
+          <a:scrgbClr r="0" g="0" b="0"/>
+        </a:fillRef>
+        <a:effectRef idx="0">
+          <a:scrgbClr r="0" g="0" b="0"/>
+        </a:effectRef>
+        <a:fontRef idx="minor">
+          <a:schemeClr val="lt1"/>
+        </a:fontRef>
+      </dsp:style>
+      <dsp:txBody>
+        <a:bodyPr spcFirstLastPara="0" vert="horz" wrap="square" lIns="125730" tIns="125730" rIns="125730" bIns="125730" numCol="1" spcCol="1270" anchor="ctr" anchorCtr="0">
+          <a:noAutofit/>
+        </a:bodyPr>
+        <a:lstStyle/>
+        <a:p>
+          <a:pPr marL="0" lvl="0" indent="0" algn="ctr" defTabSz="1466850">
+            <a:lnSpc>
+              <a:spcPct val="90000"/>
+            </a:lnSpc>
+            <a:spcBef>
+              <a:spcPct val="0"/>
+            </a:spcBef>
+            <a:spcAft>
+              <a:spcPct val="35000"/>
+            </a:spcAft>
+            <a:buNone/>
+          </a:pPr>
+          <a:r>
+            <a:rPr lang="en-US" sz="3300" kern="1200"/>
+            <a:t>User Acceptance</a:t>
+          </a:r>
+        </a:p>
+      </dsp:txBody>
+      <dsp:txXfrm>
+        <a:off x="4432473" y="2075035"/>
+        <a:ext cx="2686347" cy="1611808"/>
+      </dsp:txXfrm>
+    </dsp:sp>
+  </dsp:spTree>
+</dsp:drawing>
+</file>
+
+<file path=ppt/diagrams/drawing4.xml><?xml version="1.0" encoding="utf-8"?>
+<dsp:drawing xmlns:dgm="http://schemas.openxmlformats.org/drawingml/2006/diagram" xmlns:dsp="http://schemas.microsoft.com/office/drawing/2008/diagram" xmlns:a="http://schemas.openxmlformats.org/drawingml/2006/main">
+  <dsp:spTree>
+    <dsp:nvGrpSpPr>
+      <dsp:cNvPr id="0" name=""/>
+      <dsp:cNvGrpSpPr/>
+    </dsp:nvGrpSpPr>
+    <dsp:grpSpPr/>
+    <dsp:sp modelId="{E28066BE-47CB-46F3-9858-FFAED80B5682}">
+      <dsp:nvSpPr>
+        <dsp:cNvPr id="0" name=""/>
+        <dsp:cNvSpPr/>
+      </dsp:nvSpPr>
+      <dsp:spPr>
+        <a:xfrm>
+          <a:off x="0" y="57990"/>
+          <a:ext cx="6628804" cy="1544400"/>
         </a:xfrm>
         <a:prstGeom prst="roundRect">
           <a:avLst/>
@@ -4893,12 +6403,12 @@
         </a:fontRef>
       </dsp:style>
       <dsp:txBody>
-        <a:bodyPr spcFirstLastPara="0" vert="horz" wrap="square" lIns="144780" tIns="144780" rIns="144780" bIns="144780" numCol="1" spcCol="1270" anchor="ctr" anchorCtr="0">
+        <a:bodyPr spcFirstLastPara="0" vert="horz" wrap="square" lIns="152400" tIns="152400" rIns="152400" bIns="152400" numCol="1" spcCol="1270" anchor="ctr" anchorCtr="0">
           <a:noAutofit/>
         </a:bodyPr>
         <a:lstStyle/>
         <a:p>
-          <a:pPr marL="0" lvl="0" indent="0" algn="l" defTabSz="1689100">
+          <a:pPr marL="0" lvl="0" indent="0" algn="l" defTabSz="1778000">
             <a:lnSpc>
               <a:spcPct val="90000"/>
             </a:lnSpc>
@@ -4911,117 +6421,29 @@
             <a:buNone/>
           </a:pPr>
           <a:r>
-            <a:rPr lang="en-US" sz="3800" kern="1200"/>
-            <a:t>Too Broad of Scope</a:t>
+            <a:rPr lang="en-US" sz="4000" kern="1200"/>
+            <a:t>IoT as a Service</a:t>
           </a:r>
+          <a:br>
+            <a:rPr lang="en-US" sz="4000" kern="1200"/>
+          </a:br>
+          <a:endParaRPr lang="en-US" sz="4000" kern="1200"/>
         </a:p>
       </dsp:txBody>
       <dsp:txXfrm>
-        <a:off x="43407" y="91317"/>
-        <a:ext cx="6541990" cy="802386"/>
+        <a:off x="75391" y="133381"/>
+        <a:ext cx="6478022" cy="1393618"/>
       </dsp:txXfrm>
     </dsp:sp>
-    <dsp:sp modelId="{BD8C25FB-58AD-439B-BE98-E90A9E341ADE}">
+    <dsp:sp modelId="{2B6674AC-E620-48AF-9CC6-5400F753D78C}">
       <dsp:nvSpPr>
         <dsp:cNvPr id="0" name=""/>
         <dsp:cNvSpPr/>
       </dsp:nvSpPr>
       <dsp:spPr>
         <a:xfrm>
-          <a:off x="0" y="1046550"/>
-          <a:ext cx="6628804" cy="889200"/>
-        </a:xfrm>
-        <a:prstGeom prst="roundRect">
-          <a:avLst/>
-        </a:prstGeom>
-        <a:gradFill rotWithShape="0">
-          <a:gsLst>
-            <a:gs pos="0">
-              <a:schemeClr val="accent2">
-                <a:hueOff val="-741071"/>
-                <a:satOff val="3550"/>
-                <a:lumOff val="3284"/>
-                <a:alphaOff val="0"/>
-                <a:tint val="96000"/>
-                <a:lumMod val="100000"/>
-              </a:schemeClr>
-            </a:gs>
-            <a:gs pos="78000">
-              <a:schemeClr val="accent2">
-                <a:hueOff val="-741071"/>
-                <a:satOff val="3550"/>
-                <a:lumOff val="3284"/>
-                <a:alphaOff val="0"/>
-                <a:shade val="94000"/>
-                <a:lumMod val="94000"/>
-              </a:schemeClr>
-            </a:gs>
-          </a:gsLst>
-          <a:lin ang="5400000" scaled="0"/>
-        </a:gradFill>
-        <a:ln>
-          <a:noFill/>
-        </a:ln>
-        <a:effectLst>
-          <a:outerShdw blurRad="38100" dist="25400" dir="5400000" rotWithShape="0">
-            <a:srgbClr val="000000">
-              <a:alpha val="35000"/>
-            </a:srgbClr>
-          </a:outerShdw>
-        </a:effectLst>
-      </dsp:spPr>
-      <dsp:style>
-        <a:lnRef idx="0">
-          <a:scrgbClr r="0" g="0" b="0"/>
-        </a:lnRef>
-        <a:fillRef idx="3">
-          <a:scrgbClr r="0" g="0" b="0"/>
-        </a:fillRef>
-        <a:effectRef idx="2">
-          <a:scrgbClr r="0" g="0" b="0"/>
-        </a:effectRef>
-        <a:fontRef idx="minor">
-          <a:schemeClr val="lt1"/>
-        </a:fontRef>
-      </dsp:style>
-      <dsp:txBody>
-        <a:bodyPr spcFirstLastPara="0" vert="horz" wrap="square" lIns="144780" tIns="144780" rIns="144780" bIns="144780" numCol="1" spcCol="1270" anchor="ctr" anchorCtr="0">
-          <a:noAutofit/>
-        </a:bodyPr>
-        <a:lstStyle/>
-        <a:p>
-          <a:pPr marL="0" lvl="0" indent="0" algn="l" defTabSz="1689100">
-            <a:lnSpc>
-              <a:spcPct val="90000"/>
-            </a:lnSpc>
-            <a:spcBef>
-              <a:spcPct val="0"/>
-            </a:spcBef>
-            <a:spcAft>
-              <a:spcPct val="35000"/>
-            </a:spcAft>
-            <a:buNone/>
-          </a:pPr>
-          <a:r>
-            <a:rPr lang="en-US" sz="3800" kern="1200"/>
-            <a:t>Too Much Tech Debt</a:t>
-          </a:r>
-        </a:p>
-      </dsp:txBody>
-      <dsp:txXfrm>
-        <a:off x="43407" y="1089957"/>
-        <a:ext cx="6541990" cy="802386"/>
-      </dsp:txXfrm>
-    </dsp:sp>
-    <dsp:sp modelId="{30370B88-7AE2-45A5-8749-45D513069418}">
-      <dsp:nvSpPr>
-        <dsp:cNvPr id="0" name=""/>
-        <dsp:cNvSpPr/>
-      </dsp:nvSpPr>
-      <dsp:spPr>
-        <a:xfrm>
-          <a:off x="0" y="2045190"/>
-          <a:ext cx="6628804" cy="889200"/>
+          <a:off x="0" y="1717590"/>
+          <a:ext cx="6628804" cy="1544400"/>
         </a:xfrm>
         <a:prstGeom prst="roundRect">
           <a:avLst/>
@@ -5077,12 +6499,12 @@
         </a:fontRef>
       </dsp:style>
       <dsp:txBody>
-        <a:bodyPr spcFirstLastPara="0" vert="horz" wrap="square" lIns="144780" tIns="144780" rIns="144780" bIns="144780" numCol="1" spcCol="1270" anchor="ctr" anchorCtr="0">
+        <a:bodyPr spcFirstLastPara="0" vert="horz" wrap="square" lIns="152400" tIns="152400" rIns="152400" bIns="152400" numCol="1" spcCol="1270" anchor="ctr" anchorCtr="0">
           <a:noAutofit/>
         </a:bodyPr>
         <a:lstStyle/>
         <a:p>
-          <a:pPr marL="0" lvl="0" indent="0" algn="l" defTabSz="1689100">
+          <a:pPr marL="0" lvl="0" indent="0" algn="l" defTabSz="1778000">
             <a:lnSpc>
               <a:spcPct val="90000"/>
             </a:lnSpc>
@@ -5095,117 +6517,29 @@
             <a:buNone/>
           </a:pPr>
           <a:r>
-            <a:rPr lang="en-US" sz="3800" kern="1200"/>
-            <a:t>Insufficient Maintenance</a:t>
+            <a:rPr lang="en-US" sz="4000" kern="1200"/>
+            <a:t>ML as a Service</a:t>
           </a:r>
+          <a:br>
+            <a:rPr lang="en-US" sz="4000" kern="1200"/>
+          </a:br>
+          <a:endParaRPr lang="en-US" sz="4000" kern="1200"/>
         </a:p>
       </dsp:txBody>
       <dsp:txXfrm>
-        <a:off x="43407" y="2088597"/>
-        <a:ext cx="6541990" cy="802386"/>
+        <a:off x="75391" y="1792981"/>
+        <a:ext cx="6478022" cy="1393618"/>
       </dsp:txXfrm>
     </dsp:sp>
-    <dsp:sp modelId="{BE094EA3-2499-4B0D-AAEF-1EA2A26E85DC}">
+    <dsp:sp modelId="{3747EA34-AA5D-43F0-9287-087339DA23E0}">
       <dsp:nvSpPr>
         <dsp:cNvPr id="0" name=""/>
         <dsp:cNvSpPr/>
       </dsp:nvSpPr>
       <dsp:spPr>
         <a:xfrm>
-          <a:off x="0" y="3043830"/>
-          <a:ext cx="6628804" cy="889200"/>
-        </a:xfrm>
-        <a:prstGeom prst="roundRect">
-          <a:avLst/>
-        </a:prstGeom>
-        <a:gradFill rotWithShape="0">
-          <a:gsLst>
-            <a:gs pos="0">
-              <a:schemeClr val="accent2">
-                <a:hueOff val="-2223214"/>
-                <a:satOff val="10650"/>
-                <a:lumOff val="9853"/>
-                <a:alphaOff val="0"/>
-                <a:tint val="96000"/>
-                <a:lumMod val="100000"/>
-              </a:schemeClr>
-            </a:gs>
-            <a:gs pos="78000">
-              <a:schemeClr val="accent2">
-                <a:hueOff val="-2223214"/>
-                <a:satOff val="10650"/>
-                <a:lumOff val="9853"/>
-                <a:alphaOff val="0"/>
-                <a:shade val="94000"/>
-                <a:lumMod val="94000"/>
-              </a:schemeClr>
-            </a:gs>
-          </a:gsLst>
-          <a:lin ang="5400000" scaled="0"/>
-        </a:gradFill>
-        <a:ln>
-          <a:noFill/>
-        </a:ln>
-        <a:effectLst>
-          <a:outerShdw blurRad="38100" dist="25400" dir="5400000" rotWithShape="0">
-            <a:srgbClr val="000000">
-              <a:alpha val="35000"/>
-            </a:srgbClr>
-          </a:outerShdw>
-        </a:effectLst>
-      </dsp:spPr>
-      <dsp:style>
-        <a:lnRef idx="0">
-          <a:scrgbClr r="0" g="0" b="0"/>
-        </a:lnRef>
-        <a:fillRef idx="3">
-          <a:scrgbClr r="0" g="0" b="0"/>
-        </a:fillRef>
-        <a:effectRef idx="2">
-          <a:scrgbClr r="0" g="0" b="0"/>
-        </a:effectRef>
-        <a:fontRef idx="minor">
-          <a:schemeClr val="lt1"/>
-        </a:fontRef>
-      </dsp:style>
-      <dsp:txBody>
-        <a:bodyPr spcFirstLastPara="0" vert="horz" wrap="square" lIns="144780" tIns="144780" rIns="144780" bIns="144780" numCol="1" spcCol="1270" anchor="ctr" anchorCtr="0">
-          <a:noAutofit/>
-        </a:bodyPr>
-        <a:lstStyle/>
-        <a:p>
-          <a:pPr marL="0" lvl="0" indent="0" algn="l" defTabSz="1689100">
-            <a:lnSpc>
-              <a:spcPct val="90000"/>
-            </a:lnSpc>
-            <a:spcBef>
-              <a:spcPct val="0"/>
-            </a:spcBef>
-            <a:spcAft>
-              <a:spcPct val="35000"/>
-            </a:spcAft>
-            <a:buNone/>
-          </a:pPr>
-          <a:r>
-            <a:rPr lang="en-US" sz="3800" kern="1200"/>
-            <a:t>Cultural Barriers</a:t>
-          </a:r>
-        </a:p>
-      </dsp:txBody>
-      <dsp:txXfrm>
-        <a:off x="43407" y="3087237"/>
-        <a:ext cx="6541990" cy="802386"/>
-      </dsp:txXfrm>
-    </dsp:sp>
-    <dsp:sp modelId="{8DA2A805-3864-478D-A225-E48FC33B0AAF}">
-      <dsp:nvSpPr>
-        <dsp:cNvPr id="0" name=""/>
-        <dsp:cNvSpPr/>
-      </dsp:nvSpPr>
-      <dsp:spPr>
-        <a:xfrm>
-          <a:off x="0" y="4042470"/>
-          <a:ext cx="6628804" cy="889200"/>
+          <a:off x="0" y="3377190"/>
+          <a:ext cx="6628804" cy="1544400"/>
         </a:xfrm>
         <a:prstGeom prst="roundRect">
           <a:avLst/>
@@ -5261,12 +6595,12 @@
         </a:fontRef>
       </dsp:style>
       <dsp:txBody>
-        <a:bodyPr spcFirstLastPara="0" vert="horz" wrap="square" lIns="144780" tIns="144780" rIns="144780" bIns="144780" numCol="1" spcCol="1270" anchor="ctr" anchorCtr="0">
+        <a:bodyPr spcFirstLastPara="0" vert="horz" wrap="square" lIns="152400" tIns="152400" rIns="152400" bIns="152400" numCol="1" spcCol="1270" anchor="ctr" anchorCtr="0">
           <a:noAutofit/>
         </a:bodyPr>
         <a:lstStyle/>
         <a:p>
-          <a:pPr marL="0" lvl="0" indent="0" algn="l" defTabSz="1689100">
+          <a:pPr marL="0" lvl="0" indent="0" algn="l" defTabSz="1778000">
             <a:lnSpc>
               <a:spcPct val="90000"/>
             </a:lnSpc>
@@ -5279,14 +6613,14 @@
             <a:buNone/>
           </a:pPr>
           <a:r>
-            <a:rPr lang="en-US" sz="3800" kern="1200"/>
-            <a:t>User Acceptance</a:t>
+            <a:rPr lang="en-US" sz="4000" kern="1200"/>
+            <a:t>Notification Services</a:t>
           </a:r>
         </a:p>
       </dsp:txBody>
       <dsp:txXfrm>
-        <a:off x="43407" y="4085877"/>
-        <a:ext cx="6541990" cy="802386"/>
+        <a:off x="75391" y="3452581"/>
+        <a:ext cx="6478022" cy="1393618"/>
       </dsp:txXfrm>
     </dsp:sp>
   </dsp:spTree>
@@ -5744,6 +7078,153 @@
 </file>
 
 <file path=ppt/diagrams/layout3.xml><?xml version="1.0" encoding="utf-8"?>
+<dgm:layoutDef xmlns:dgm="http://schemas.openxmlformats.org/drawingml/2006/diagram" xmlns:a="http://schemas.openxmlformats.org/drawingml/2006/main" uniqueId="urn:microsoft.com/office/officeart/2005/8/layout/default">
+  <dgm:title val=""/>
+  <dgm:desc val=""/>
+  <dgm:catLst>
+    <dgm:cat type="list" pri="400"/>
+  </dgm:catLst>
+  <dgm:sampData>
+    <dgm:dataModel>
+      <dgm:ptLst>
+        <dgm:pt modelId="0" type="doc"/>
+        <dgm:pt modelId="1">
+          <dgm:prSet phldr="1"/>
+        </dgm:pt>
+        <dgm:pt modelId="2">
+          <dgm:prSet phldr="1"/>
+        </dgm:pt>
+        <dgm:pt modelId="3">
+          <dgm:prSet phldr="1"/>
+        </dgm:pt>
+        <dgm:pt modelId="4">
+          <dgm:prSet phldr="1"/>
+        </dgm:pt>
+        <dgm:pt modelId="5">
+          <dgm:prSet phldr="1"/>
+        </dgm:pt>
+      </dgm:ptLst>
+      <dgm:cxnLst>
+        <dgm:cxn modelId="6" srcId="0" destId="1" srcOrd="0" destOrd="0"/>
+        <dgm:cxn modelId="7" srcId="0" destId="2" srcOrd="1" destOrd="0"/>
+        <dgm:cxn modelId="8" srcId="0" destId="3" srcOrd="2" destOrd="0"/>
+        <dgm:cxn modelId="9" srcId="0" destId="4" srcOrd="3" destOrd="0"/>
+        <dgm:cxn modelId="10" srcId="0" destId="5" srcOrd="4" destOrd="0"/>
+      </dgm:cxnLst>
+      <dgm:bg/>
+      <dgm:whole/>
+    </dgm:dataModel>
+  </dgm:sampData>
+  <dgm:styleData>
+    <dgm:dataModel>
+      <dgm:ptLst>
+        <dgm:pt modelId="0" type="doc"/>
+        <dgm:pt modelId="1"/>
+        <dgm:pt modelId="2"/>
+      </dgm:ptLst>
+      <dgm:cxnLst>
+        <dgm:cxn modelId="3" srcId="0" destId="1" srcOrd="0" destOrd="0"/>
+        <dgm:cxn modelId="4" srcId="0" destId="2" srcOrd="1" destOrd="0"/>
+      </dgm:cxnLst>
+      <dgm:bg/>
+      <dgm:whole/>
+    </dgm:dataModel>
+  </dgm:styleData>
+  <dgm:clrData>
+    <dgm:dataModel>
+      <dgm:ptLst>
+        <dgm:pt modelId="0" type="doc"/>
+        <dgm:pt modelId="1"/>
+        <dgm:pt modelId="2"/>
+        <dgm:pt modelId="3"/>
+        <dgm:pt modelId="4"/>
+        <dgm:pt modelId="5"/>
+        <dgm:pt modelId="6"/>
+      </dgm:ptLst>
+      <dgm:cxnLst>
+        <dgm:cxn modelId="7" srcId="0" destId="1" srcOrd="0" destOrd="0"/>
+        <dgm:cxn modelId="8" srcId="0" destId="2" srcOrd="1" destOrd="0"/>
+        <dgm:cxn modelId="9" srcId="0" destId="3" srcOrd="2" destOrd="0"/>
+        <dgm:cxn modelId="10" srcId="0" destId="4" srcOrd="3" destOrd="0"/>
+        <dgm:cxn modelId="11" srcId="0" destId="5" srcOrd="4" destOrd="0"/>
+        <dgm:cxn modelId="12" srcId="0" destId="6" srcOrd="5" destOrd="0"/>
+      </dgm:cxnLst>
+      <dgm:bg/>
+      <dgm:whole/>
+    </dgm:dataModel>
+  </dgm:clrData>
+  <dgm:layoutNode name="diagram">
+    <dgm:varLst>
+      <dgm:dir/>
+      <dgm:resizeHandles val="exact"/>
+    </dgm:varLst>
+    <dgm:choose name="Name0">
+      <dgm:if name="Name1" func="var" arg="dir" op="equ" val="norm">
+        <dgm:alg type="snake">
+          <dgm:param type="grDir" val="tL"/>
+          <dgm:param type="flowDir" val="row"/>
+          <dgm:param type="contDir" val="sameDir"/>
+          <dgm:param type="off" val="ctr"/>
+        </dgm:alg>
+      </dgm:if>
+      <dgm:else name="Name2">
+        <dgm:alg type="snake">
+          <dgm:param type="grDir" val="tR"/>
+          <dgm:param type="flowDir" val="row"/>
+          <dgm:param type="contDir" val="sameDir"/>
+          <dgm:param type="off" val="ctr"/>
+        </dgm:alg>
+      </dgm:else>
+    </dgm:choose>
+    <dgm:shape xmlns:r="http://schemas.openxmlformats.org/officeDocument/2006/relationships" r:blip="">
+      <dgm:adjLst/>
+    </dgm:shape>
+    <dgm:presOf/>
+    <dgm:constrLst>
+      <dgm:constr type="w" for="ch" forName="node" refType="w"/>
+      <dgm:constr type="h" for="ch" forName="node" refType="w" refFor="ch" refForName="node" fact="0.6"/>
+      <dgm:constr type="w" for="ch" forName="sibTrans" refType="w" refFor="ch" refForName="node" fact="0.1"/>
+      <dgm:constr type="sp" refType="w" refFor="ch" refForName="sibTrans"/>
+      <dgm:constr type="primFontSz" for="ch" forName="node" op="equ" val="65"/>
+    </dgm:constrLst>
+    <dgm:ruleLst/>
+    <dgm:forEach name="Name3" axis="ch" ptType="node">
+      <dgm:layoutNode name="node">
+        <dgm:varLst>
+          <dgm:bulletEnabled val="1"/>
+        </dgm:varLst>
+        <dgm:alg type="tx"/>
+        <dgm:shape xmlns:r="http://schemas.openxmlformats.org/officeDocument/2006/relationships" type="rect" r:blip="">
+          <dgm:adjLst/>
+        </dgm:shape>
+        <dgm:presOf axis="desOrSelf" ptType="node"/>
+        <dgm:constrLst>
+          <dgm:constr type="lMarg" refType="primFontSz" fact="0.3"/>
+          <dgm:constr type="rMarg" refType="primFontSz" fact="0.3"/>
+          <dgm:constr type="tMarg" refType="primFontSz" fact="0.3"/>
+          <dgm:constr type="bMarg" refType="primFontSz" fact="0.3"/>
+        </dgm:constrLst>
+        <dgm:ruleLst>
+          <dgm:rule type="primFontSz" val="5" fact="NaN" max="NaN"/>
+        </dgm:ruleLst>
+      </dgm:layoutNode>
+      <dgm:forEach name="Name4" axis="followSib" ptType="sibTrans" cnt="1">
+        <dgm:layoutNode name="sibTrans">
+          <dgm:alg type="sp"/>
+          <dgm:shape xmlns:r="http://schemas.openxmlformats.org/officeDocument/2006/relationships" r:blip="">
+            <dgm:adjLst/>
+          </dgm:shape>
+          <dgm:presOf/>
+          <dgm:constrLst/>
+          <dgm:ruleLst/>
+        </dgm:layoutNode>
+      </dgm:forEach>
+    </dgm:forEach>
+  </dgm:layoutNode>
+</dgm:layoutDef>
+</file>
+
+<file path=ppt/diagrams/layout4.xml><?xml version="1.0" encoding="utf-8"?>
 <dgm:layoutDef xmlns:dgm="http://schemas.openxmlformats.org/drawingml/2006/diagram" xmlns:a="http://schemas.openxmlformats.org/drawingml/2006/main" uniqueId="urn:microsoft.com/office/officeart/2005/8/layout/vList2">
   <dgm:title val=""/>
   <dgm:desc val=""/>
@@ -7979,6 +9460,1040 @@
 </file>
 
 <file path=ppt/diagrams/quickStyle3.xml><?xml version="1.0" encoding="utf-8"?>
+<dgm:styleDef xmlns:dgm="http://schemas.openxmlformats.org/drawingml/2006/diagram" xmlns:a="http://schemas.openxmlformats.org/drawingml/2006/main" uniqueId="urn:microsoft.com/office/officeart/2005/8/quickstyle/simple1">
+  <dgm:title val=""/>
+  <dgm:desc val=""/>
+  <dgm:catLst>
+    <dgm:cat type="simple" pri="10100"/>
+  </dgm:catLst>
+  <dgm:scene3d>
+    <a:camera prst="orthographicFront"/>
+    <a:lightRig rig="threePt" dir="t"/>
+  </dgm:scene3d>
+  <dgm:styleLbl name="node0">
+    <dgm:scene3d>
+      <a:camera prst="orthographicFront"/>
+      <a:lightRig rig="threePt" dir="t"/>
+    </dgm:scene3d>
+    <dgm:sp3d/>
+    <dgm:txPr/>
+    <dgm:style>
+      <a:lnRef idx="2">
+        <a:scrgbClr r="0" g="0" b="0"/>
+      </a:lnRef>
+      <a:fillRef idx="1">
+        <a:scrgbClr r="0" g="0" b="0"/>
+      </a:fillRef>
+      <a:effectRef idx="0">
+        <a:scrgbClr r="0" g="0" b="0"/>
+      </a:effectRef>
+      <a:fontRef idx="minor">
+        <a:schemeClr val="lt1"/>
+      </a:fontRef>
+    </dgm:style>
+  </dgm:styleLbl>
+  <dgm:styleLbl name="lnNode1">
+    <dgm:scene3d>
+      <a:camera prst="orthographicFront"/>
+      <a:lightRig rig="threePt" dir="t"/>
+    </dgm:scene3d>
+    <dgm:sp3d/>
+    <dgm:txPr/>
+    <dgm:style>
+      <a:lnRef idx="2">
+        <a:scrgbClr r="0" g="0" b="0"/>
+      </a:lnRef>
+      <a:fillRef idx="1">
+        <a:scrgbClr r="0" g="0" b="0"/>
+      </a:fillRef>
+      <a:effectRef idx="0">
+        <a:scrgbClr r="0" g="0" b="0"/>
+      </a:effectRef>
+      <a:fontRef idx="minor">
+        <a:schemeClr val="lt1"/>
+      </a:fontRef>
+    </dgm:style>
+  </dgm:styleLbl>
+  <dgm:styleLbl name="vennNode1">
+    <dgm:scene3d>
+      <a:camera prst="orthographicFront"/>
+      <a:lightRig rig="threePt" dir="t"/>
+    </dgm:scene3d>
+    <dgm:sp3d/>
+    <dgm:txPr/>
+    <dgm:style>
+      <a:lnRef idx="2">
+        <a:scrgbClr r="0" g="0" b="0"/>
+      </a:lnRef>
+      <a:fillRef idx="1">
+        <a:scrgbClr r="0" g="0" b="0"/>
+      </a:fillRef>
+      <a:effectRef idx="0">
+        <a:scrgbClr r="0" g="0" b="0"/>
+      </a:effectRef>
+      <a:fontRef idx="minor">
+        <a:schemeClr val="tx1"/>
+      </a:fontRef>
+    </dgm:style>
+  </dgm:styleLbl>
+  <dgm:styleLbl name="alignNode1">
+    <dgm:scene3d>
+      <a:camera prst="orthographicFront"/>
+      <a:lightRig rig="threePt" dir="t"/>
+    </dgm:scene3d>
+    <dgm:sp3d/>
+    <dgm:txPr/>
+    <dgm:style>
+      <a:lnRef idx="2">
+        <a:scrgbClr r="0" g="0" b="0"/>
+      </a:lnRef>
+      <a:fillRef idx="1">
+        <a:scrgbClr r="0" g="0" b="0"/>
+      </a:fillRef>
+      <a:effectRef idx="0">
+        <a:scrgbClr r="0" g="0" b="0"/>
+      </a:effectRef>
+      <a:fontRef idx="minor">
+        <a:schemeClr val="lt1"/>
+      </a:fontRef>
+    </dgm:style>
+  </dgm:styleLbl>
+  <dgm:styleLbl name="node1">
+    <dgm:scene3d>
+      <a:camera prst="orthographicFront"/>
+      <a:lightRig rig="threePt" dir="t"/>
+    </dgm:scene3d>
+    <dgm:sp3d/>
+    <dgm:txPr/>
+    <dgm:style>
+      <a:lnRef idx="2">
+        <a:scrgbClr r="0" g="0" b="0"/>
+      </a:lnRef>
+      <a:fillRef idx="1">
+        <a:scrgbClr r="0" g="0" b="0"/>
+      </a:fillRef>
+      <a:effectRef idx="0">
+        <a:scrgbClr r="0" g="0" b="0"/>
+      </a:effectRef>
+      <a:fontRef idx="minor">
+        <a:schemeClr val="lt1"/>
+      </a:fontRef>
+    </dgm:style>
+  </dgm:styleLbl>
+  <dgm:styleLbl name="node2">
+    <dgm:scene3d>
+      <a:camera prst="orthographicFront"/>
+      <a:lightRig rig="threePt" dir="t"/>
+    </dgm:scene3d>
+    <dgm:sp3d/>
+    <dgm:txPr/>
+    <dgm:style>
+      <a:lnRef idx="2">
+        <a:scrgbClr r="0" g="0" b="0"/>
+      </a:lnRef>
+      <a:fillRef idx="1">
+        <a:scrgbClr r="0" g="0" b="0"/>
+      </a:fillRef>
+      <a:effectRef idx="0">
+        <a:scrgbClr r="0" g="0" b="0"/>
+      </a:effectRef>
+      <a:fontRef idx="minor">
+        <a:schemeClr val="lt1"/>
+      </a:fontRef>
+    </dgm:style>
+  </dgm:styleLbl>
+  <dgm:styleLbl name="node3">
+    <dgm:scene3d>
+      <a:camera prst="orthographicFront"/>
+      <a:lightRig rig="threePt" dir="t"/>
+    </dgm:scene3d>
+    <dgm:sp3d/>
+    <dgm:txPr/>
+    <dgm:style>
+      <a:lnRef idx="2">
+        <a:scrgbClr r="0" g="0" b="0"/>
+      </a:lnRef>
+      <a:fillRef idx="1">
+        <a:scrgbClr r="0" g="0" b="0"/>
+      </a:fillRef>
+      <a:effectRef idx="0">
+        <a:scrgbClr r="0" g="0" b="0"/>
+      </a:effectRef>
+      <a:fontRef idx="minor">
+        <a:schemeClr val="lt1"/>
+      </a:fontRef>
+    </dgm:style>
+  </dgm:styleLbl>
+  <dgm:styleLbl name="node4">
+    <dgm:scene3d>
+      <a:camera prst="orthographicFront"/>
+      <a:lightRig rig="threePt" dir="t"/>
+    </dgm:scene3d>
+    <dgm:sp3d/>
+    <dgm:txPr/>
+    <dgm:style>
+      <a:lnRef idx="2">
+        <a:scrgbClr r="0" g="0" b="0"/>
+      </a:lnRef>
+      <a:fillRef idx="1">
+        <a:scrgbClr r="0" g="0" b="0"/>
+      </a:fillRef>
+      <a:effectRef idx="0">
+        <a:scrgbClr r="0" g="0" b="0"/>
+      </a:effectRef>
+      <a:fontRef idx="minor">
+        <a:schemeClr val="lt1"/>
+      </a:fontRef>
+    </dgm:style>
+  </dgm:styleLbl>
+  <dgm:styleLbl name="fgImgPlace1">
+    <dgm:scene3d>
+      <a:camera prst="orthographicFront"/>
+      <a:lightRig rig="threePt" dir="t"/>
+    </dgm:scene3d>
+    <dgm:sp3d/>
+    <dgm:txPr/>
+    <dgm:style>
+      <a:lnRef idx="2">
+        <a:scrgbClr r="0" g="0" b="0"/>
+      </a:lnRef>
+      <a:fillRef idx="1">
+        <a:scrgbClr r="0" g="0" b="0"/>
+      </a:fillRef>
+      <a:effectRef idx="0">
+        <a:scrgbClr r="0" g="0" b="0"/>
+      </a:effectRef>
+      <a:fontRef idx="minor"/>
+    </dgm:style>
+  </dgm:styleLbl>
+  <dgm:styleLbl name="alignImgPlace1">
+    <dgm:scene3d>
+      <a:camera prst="orthographicFront"/>
+      <a:lightRig rig="threePt" dir="t"/>
+    </dgm:scene3d>
+    <dgm:sp3d/>
+    <dgm:txPr/>
+    <dgm:style>
+      <a:lnRef idx="2">
+        <a:scrgbClr r="0" g="0" b="0"/>
+      </a:lnRef>
+      <a:fillRef idx="1">
+        <a:scrgbClr r="0" g="0" b="0"/>
+      </a:fillRef>
+      <a:effectRef idx="0">
+        <a:scrgbClr r="0" g="0" b="0"/>
+      </a:effectRef>
+      <a:fontRef idx="minor"/>
+    </dgm:style>
+  </dgm:styleLbl>
+  <dgm:styleLbl name="bgImgPlace1">
+    <dgm:scene3d>
+      <a:camera prst="orthographicFront"/>
+      <a:lightRig rig="threePt" dir="t"/>
+    </dgm:scene3d>
+    <dgm:sp3d/>
+    <dgm:txPr/>
+    <dgm:style>
+      <a:lnRef idx="2">
+        <a:scrgbClr r="0" g="0" b="0"/>
+      </a:lnRef>
+      <a:fillRef idx="1">
+        <a:scrgbClr r="0" g="0" b="0"/>
+      </a:fillRef>
+      <a:effectRef idx="0">
+        <a:scrgbClr r="0" g="0" b="0"/>
+      </a:effectRef>
+      <a:fontRef idx="minor"/>
+    </dgm:style>
+  </dgm:styleLbl>
+  <dgm:styleLbl name="sibTrans2D1">
+    <dgm:scene3d>
+      <a:camera prst="orthographicFront"/>
+      <a:lightRig rig="threePt" dir="t"/>
+    </dgm:scene3d>
+    <dgm:sp3d/>
+    <dgm:txPr/>
+    <dgm:style>
+      <a:lnRef idx="0">
+        <a:scrgbClr r="0" g="0" b="0"/>
+      </a:lnRef>
+      <a:fillRef idx="1">
+        <a:scrgbClr r="0" g="0" b="0"/>
+      </a:fillRef>
+      <a:effectRef idx="0">
+        <a:scrgbClr r="0" g="0" b="0"/>
+      </a:effectRef>
+      <a:fontRef idx="minor">
+        <a:schemeClr val="lt1"/>
+      </a:fontRef>
+    </dgm:style>
+  </dgm:styleLbl>
+  <dgm:styleLbl name="fgSibTrans2D1">
+    <dgm:scene3d>
+      <a:camera prst="orthographicFront"/>
+      <a:lightRig rig="threePt" dir="t"/>
+    </dgm:scene3d>
+    <dgm:sp3d/>
+    <dgm:txPr/>
+    <dgm:style>
+      <a:lnRef idx="0">
+        <a:scrgbClr r="0" g="0" b="0"/>
+      </a:lnRef>
+      <a:fillRef idx="1">
+        <a:scrgbClr r="0" g="0" b="0"/>
+      </a:fillRef>
+      <a:effectRef idx="0">
+        <a:scrgbClr r="0" g="0" b="0"/>
+      </a:effectRef>
+      <a:fontRef idx="minor">
+        <a:schemeClr val="lt1"/>
+      </a:fontRef>
+    </dgm:style>
+  </dgm:styleLbl>
+  <dgm:styleLbl name="bgSibTrans2D1">
+    <dgm:scene3d>
+      <a:camera prst="orthographicFront"/>
+      <a:lightRig rig="threePt" dir="t"/>
+    </dgm:scene3d>
+    <dgm:sp3d/>
+    <dgm:txPr/>
+    <dgm:style>
+      <a:lnRef idx="0">
+        <a:scrgbClr r="0" g="0" b="0"/>
+      </a:lnRef>
+      <a:fillRef idx="1">
+        <a:scrgbClr r="0" g="0" b="0"/>
+      </a:fillRef>
+      <a:effectRef idx="0">
+        <a:scrgbClr r="0" g="0" b="0"/>
+      </a:effectRef>
+      <a:fontRef idx="minor">
+        <a:schemeClr val="lt1"/>
+      </a:fontRef>
+    </dgm:style>
+  </dgm:styleLbl>
+  <dgm:styleLbl name="sibTrans1D1">
+    <dgm:scene3d>
+      <a:camera prst="orthographicFront"/>
+      <a:lightRig rig="threePt" dir="t"/>
+    </dgm:scene3d>
+    <dgm:sp3d/>
+    <dgm:txPr/>
+    <dgm:style>
+      <a:lnRef idx="1">
+        <a:scrgbClr r="0" g="0" b="0"/>
+      </a:lnRef>
+      <a:fillRef idx="0">
+        <a:scrgbClr r="0" g="0" b="0"/>
+      </a:fillRef>
+      <a:effectRef idx="0">
+        <a:scrgbClr r="0" g="0" b="0"/>
+      </a:effectRef>
+      <a:fontRef idx="minor"/>
+    </dgm:style>
+  </dgm:styleLbl>
+  <dgm:styleLbl name="callout">
+    <dgm:scene3d>
+      <a:camera prst="orthographicFront"/>
+      <a:lightRig rig="threePt" dir="t"/>
+    </dgm:scene3d>
+    <dgm:sp3d/>
+    <dgm:txPr/>
+    <dgm:style>
+      <a:lnRef idx="2">
+        <a:scrgbClr r="0" g="0" b="0"/>
+      </a:lnRef>
+      <a:fillRef idx="1">
+        <a:scrgbClr r="0" g="0" b="0"/>
+      </a:fillRef>
+      <a:effectRef idx="0">
+        <a:scrgbClr r="0" g="0" b="0"/>
+      </a:effectRef>
+      <a:fontRef idx="minor"/>
+    </dgm:style>
+  </dgm:styleLbl>
+  <dgm:styleLbl name="asst0">
+    <dgm:scene3d>
+      <a:camera prst="orthographicFront"/>
+      <a:lightRig rig="threePt" dir="t"/>
+    </dgm:scene3d>
+    <dgm:sp3d/>
+    <dgm:txPr/>
+    <dgm:style>
+      <a:lnRef idx="2">
+        <a:scrgbClr r="0" g="0" b="0"/>
+      </a:lnRef>
+      <a:fillRef idx="1">
+        <a:scrgbClr r="0" g="0" b="0"/>
+      </a:fillRef>
+      <a:effectRef idx="0">
+        <a:scrgbClr r="0" g="0" b="0"/>
+      </a:effectRef>
+      <a:fontRef idx="minor">
+        <a:schemeClr val="lt1"/>
+      </a:fontRef>
+    </dgm:style>
+  </dgm:styleLbl>
+  <dgm:styleLbl name="asst1">
+    <dgm:scene3d>
+      <a:camera prst="orthographicFront"/>
+      <a:lightRig rig="threePt" dir="t"/>
+    </dgm:scene3d>
+    <dgm:sp3d/>
+    <dgm:txPr/>
+    <dgm:style>
+      <a:lnRef idx="2">
+        <a:scrgbClr r="0" g="0" b="0"/>
+      </a:lnRef>
+      <a:fillRef idx="1">
+        <a:scrgbClr r="0" g="0" b="0"/>
+      </a:fillRef>
+      <a:effectRef idx="0">
+        <a:scrgbClr r="0" g="0" b="0"/>
+      </a:effectRef>
+      <a:fontRef idx="minor">
+        <a:schemeClr val="lt1"/>
+      </a:fontRef>
+    </dgm:style>
+  </dgm:styleLbl>
+  <dgm:styleLbl name="asst2">
+    <dgm:scene3d>
+      <a:camera prst="orthographicFront"/>
+      <a:lightRig rig="threePt" dir="t"/>
+    </dgm:scene3d>
+    <dgm:sp3d/>
+    <dgm:txPr/>
+    <dgm:style>
+      <a:lnRef idx="2">
+        <a:scrgbClr r="0" g="0" b="0"/>
+      </a:lnRef>
+      <a:fillRef idx="1">
+        <a:scrgbClr r="0" g="0" b="0"/>
+      </a:fillRef>
+      <a:effectRef idx="0">
+        <a:scrgbClr r="0" g="0" b="0"/>
+      </a:effectRef>
+      <a:fontRef idx="minor">
+        <a:schemeClr val="lt1"/>
+      </a:fontRef>
+    </dgm:style>
+  </dgm:styleLbl>
+  <dgm:styleLbl name="asst3">
+    <dgm:scene3d>
+      <a:camera prst="orthographicFront"/>
+      <a:lightRig rig="threePt" dir="t"/>
+    </dgm:scene3d>
+    <dgm:sp3d/>
+    <dgm:txPr/>
+    <dgm:style>
+      <a:lnRef idx="2">
+        <a:scrgbClr r="0" g="0" b="0"/>
+      </a:lnRef>
+      <a:fillRef idx="1">
+        <a:scrgbClr r="0" g="0" b="0"/>
+      </a:fillRef>
+      <a:effectRef idx="0">
+        <a:scrgbClr r="0" g="0" b="0"/>
+      </a:effectRef>
+      <a:fontRef idx="minor">
+        <a:schemeClr val="lt1"/>
+      </a:fontRef>
+    </dgm:style>
+  </dgm:styleLbl>
+  <dgm:styleLbl name="asst4">
+    <dgm:scene3d>
+      <a:camera prst="orthographicFront"/>
+      <a:lightRig rig="threePt" dir="t"/>
+    </dgm:scene3d>
+    <dgm:sp3d/>
+    <dgm:txPr/>
+    <dgm:style>
+      <a:lnRef idx="2">
+        <a:scrgbClr r="0" g="0" b="0"/>
+      </a:lnRef>
+      <a:fillRef idx="1">
+        <a:scrgbClr r="0" g="0" b="0"/>
+      </a:fillRef>
+      <a:effectRef idx="0">
+        <a:scrgbClr r="0" g="0" b="0"/>
+      </a:effectRef>
+      <a:fontRef idx="minor">
+        <a:schemeClr val="lt1"/>
+      </a:fontRef>
+    </dgm:style>
+  </dgm:styleLbl>
+  <dgm:styleLbl name="parChTrans2D1">
+    <dgm:scene3d>
+      <a:camera prst="orthographicFront"/>
+      <a:lightRig rig="threePt" dir="t"/>
+    </dgm:scene3d>
+    <dgm:sp3d/>
+    <dgm:txPr/>
+    <dgm:style>
+      <a:lnRef idx="2">
+        <a:scrgbClr r="0" g="0" b="0"/>
+      </a:lnRef>
+      <a:fillRef idx="1">
+        <a:scrgbClr r="0" g="0" b="0"/>
+      </a:fillRef>
+      <a:effectRef idx="0">
+        <a:scrgbClr r="0" g="0" b="0"/>
+      </a:effectRef>
+      <a:fontRef idx="minor">
+        <a:schemeClr val="lt1"/>
+      </a:fontRef>
+    </dgm:style>
+  </dgm:styleLbl>
+  <dgm:styleLbl name="parChTrans2D2">
+    <dgm:scene3d>
+      <a:camera prst="orthographicFront"/>
+      <a:lightRig rig="threePt" dir="t"/>
+    </dgm:scene3d>
+    <dgm:sp3d/>
+    <dgm:txPr/>
+    <dgm:style>
+      <a:lnRef idx="2">
+        <a:scrgbClr r="0" g="0" b="0"/>
+      </a:lnRef>
+      <a:fillRef idx="1">
+        <a:scrgbClr r="0" g="0" b="0"/>
+      </a:fillRef>
+      <a:effectRef idx="0">
+        <a:scrgbClr r="0" g="0" b="0"/>
+      </a:effectRef>
+      <a:fontRef idx="minor">
+        <a:schemeClr val="lt1"/>
+      </a:fontRef>
+    </dgm:style>
+  </dgm:styleLbl>
+  <dgm:styleLbl name="parChTrans2D3">
+    <dgm:scene3d>
+      <a:camera prst="orthographicFront"/>
+      <a:lightRig rig="threePt" dir="t"/>
+    </dgm:scene3d>
+    <dgm:sp3d/>
+    <dgm:txPr/>
+    <dgm:style>
+      <a:lnRef idx="2">
+        <a:scrgbClr r="0" g="0" b="0"/>
+      </a:lnRef>
+      <a:fillRef idx="1">
+        <a:scrgbClr r="0" g="0" b="0"/>
+      </a:fillRef>
+      <a:effectRef idx="0">
+        <a:scrgbClr r="0" g="0" b="0"/>
+      </a:effectRef>
+      <a:fontRef idx="minor">
+        <a:schemeClr val="lt1"/>
+      </a:fontRef>
+    </dgm:style>
+  </dgm:styleLbl>
+  <dgm:styleLbl name="parChTrans2D4">
+    <dgm:scene3d>
+      <a:camera prst="orthographicFront"/>
+      <a:lightRig rig="threePt" dir="t"/>
+    </dgm:scene3d>
+    <dgm:sp3d/>
+    <dgm:txPr/>
+    <dgm:style>
+      <a:lnRef idx="2">
+        <a:scrgbClr r="0" g="0" b="0"/>
+      </a:lnRef>
+      <a:fillRef idx="1">
+        <a:scrgbClr r="0" g="0" b="0"/>
+      </a:fillRef>
+      <a:effectRef idx="0">
+        <a:scrgbClr r="0" g="0" b="0"/>
+      </a:effectRef>
+      <a:fontRef idx="minor">
+        <a:schemeClr val="lt1"/>
+      </a:fontRef>
+    </dgm:style>
+  </dgm:styleLbl>
+  <dgm:styleLbl name="parChTrans1D1">
+    <dgm:scene3d>
+      <a:camera prst="orthographicFront"/>
+      <a:lightRig rig="threePt" dir="t"/>
+    </dgm:scene3d>
+    <dgm:sp3d/>
+    <dgm:txPr/>
+    <dgm:style>
+      <a:lnRef idx="2">
+        <a:scrgbClr r="0" g="0" b="0"/>
+      </a:lnRef>
+      <a:fillRef idx="0">
+        <a:scrgbClr r="0" g="0" b="0"/>
+      </a:fillRef>
+      <a:effectRef idx="0">
+        <a:scrgbClr r="0" g="0" b="0"/>
+      </a:effectRef>
+      <a:fontRef idx="minor"/>
+    </dgm:style>
+  </dgm:styleLbl>
+  <dgm:styleLbl name="parChTrans1D2">
+    <dgm:scene3d>
+      <a:camera prst="orthographicFront"/>
+      <a:lightRig rig="threePt" dir="t"/>
+    </dgm:scene3d>
+    <dgm:sp3d/>
+    <dgm:txPr/>
+    <dgm:style>
+      <a:lnRef idx="2">
+        <a:scrgbClr r="0" g="0" b="0"/>
+      </a:lnRef>
+      <a:fillRef idx="0">
+        <a:scrgbClr r="0" g="0" b="0"/>
+      </a:fillRef>
+      <a:effectRef idx="0">
+        <a:scrgbClr r="0" g="0" b="0"/>
+      </a:effectRef>
+      <a:fontRef idx="minor"/>
+    </dgm:style>
+  </dgm:styleLbl>
+  <dgm:styleLbl name="parChTrans1D3">
+    <dgm:scene3d>
+      <a:camera prst="orthographicFront"/>
+      <a:lightRig rig="threePt" dir="t"/>
+    </dgm:scene3d>
+    <dgm:sp3d/>
+    <dgm:txPr/>
+    <dgm:style>
+      <a:lnRef idx="2">
+        <a:scrgbClr r="0" g="0" b="0"/>
+      </a:lnRef>
+      <a:fillRef idx="0">
+        <a:scrgbClr r="0" g="0" b="0"/>
+      </a:fillRef>
+      <a:effectRef idx="0">
+        <a:scrgbClr r="0" g="0" b="0"/>
+      </a:effectRef>
+      <a:fontRef idx="minor"/>
+    </dgm:style>
+  </dgm:styleLbl>
+  <dgm:styleLbl name="parChTrans1D4">
+    <dgm:scene3d>
+      <a:camera prst="orthographicFront"/>
+      <a:lightRig rig="threePt" dir="t"/>
+    </dgm:scene3d>
+    <dgm:sp3d/>
+    <dgm:txPr/>
+    <dgm:style>
+      <a:lnRef idx="2">
+        <a:scrgbClr r="0" g="0" b="0"/>
+      </a:lnRef>
+      <a:fillRef idx="0">
+        <a:scrgbClr r="0" g="0" b="0"/>
+      </a:fillRef>
+      <a:effectRef idx="0">
+        <a:scrgbClr r="0" g="0" b="0"/>
+      </a:effectRef>
+      <a:fontRef idx="minor"/>
+    </dgm:style>
+  </dgm:styleLbl>
+  <dgm:styleLbl name="fgAcc1">
+    <dgm:scene3d>
+      <a:camera prst="orthographicFront"/>
+      <a:lightRig rig="threePt" dir="t"/>
+    </dgm:scene3d>
+    <dgm:sp3d/>
+    <dgm:txPr/>
+    <dgm:style>
+      <a:lnRef idx="2">
+        <a:scrgbClr r="0" g="0" b="0"/>
+      </a:lnRef>
+      <a:fillRef idx="1">
+        <a:scrgbClr r="0" g="0" b="0"/>
+      </a:fillRef>
+      <a:effectRef idx="0">
+        <a:scrgbClr r="0" g="0" b="0"/>
+      </a:effectRef>
+      <a:fontRef idx="minor"/>
+    </dgm:style>
+  </dgm:styleLbl>
+  <dgm:styleLbl name="conFgAcc1">
+    <dgm:scene3d>
+      <a:camera prst="orthographicFront"/>
+      <a:lightRig rig="threePt" dir="t"/>
+    </dgm:scene3d>
+    <dgm:sp3d/>
+    <dgm:txPr/>
+    <dgm:style>
+      <a:lnRef idx="2">
+        <a:scrgbClr r="0" g="0" b="0"/>
+      </a:lnRef>
+      <a:fillRef idx="1">
+        <a:scrgbClr r="0" g="0" b="0"/>
+      </a:fillRef>
+      <a:effectRef idx="0">
+        <a:scrgbClr r="0" g="0" b="0"/>
+      </a:effectRef>
+      <a:fontRef idx="minor"/>
+    </dgm:style>
+  </dgm:styleLbl>
+  <dgm:styleLbl name="alignAcc1">
+    <dgm:scene3d>
+      <a:camera prst="orthographicFront"/>
+      <a:lightRig rig="threePt" dir="t"/>
+    </dgm:scene3d>
+    <dgm:sp3d/>
+    <dgm:txPr/>
+    <dgm:style>
+      <a:lnRef idx="2">
+        <a:scrgbClr r="0" g="0" b="0"/>
+      </a:lnRef>
+      <a:fillRef idx="1">
+        <a:scrgbClr r="0" g="0" b="0"/>
+      </a:fillRef>
+      <a:effectRef idx="0">
+        <a:scrgbClr r="0" g="0" b="0"/>
+      </a:effectRef>
+      <a:fontRef idx="minor"/>
+    </dgm:style>
+  </dgm:styleLbl>
+  <dgm:styleLbl name="trAlignAcc1">
+    <dgm:scene3d>
+      <a:camera prst="orthographicFront"/>
+      <a:lightRig rig="threePt" dir="t"/>
+    </dgm:scene3d>
+    <dgm:sp3d/>
+    <dgm:txPr/>
+    <dgm:style>
+      <a:lnRef idx="1">
+        <a:scrgbClr r="0" g="0" b="0"/>
+      </a:lnRef>
+      <a:fillRef idx="1">
+        <a:scrgbClr r="0" g="0" b="0"/>
+      </a:fillRef>
+      <a:effectRef idx="0">
+        <a:scrgbClr r="0" g="0" b="0"/>
+      </a:effectRef>
+      <a:fontRef idx="minor"/>
+    </dgm:style>
+  </dgm:styleLbl>
+  <dgm:styleLbl name="bgAcc1">
+    <dgm:scene3d>
+      <a:camera prst="orthographicFront"/>
+      <a:lightRig rig="threePt" dir="t"/>
+    </dgm:scene3d>
+    <dgm:sp3d/>
+    <dgm:txPr/>
+    <dgm:style>
+      <a:lnRef idx="2">
+        <a:scrgbClr r="0" g="0" b="0"/>
+      </a:lnRef>
+      <a:fillRef idx="1">
+        <a:scrgbClr r="0" g="0" b="0"/>
+      </a:fillRef>
+      <a:effectRef idx="0">
+        <a:scrgbClr r="0" g="0" b="0"/>
+      </a:effectRef>
+      <a:fontRef idx="minor"/>
+    </dgm:style>
+  </dgm:styleLbl>
+  <dgm:styleLbl name="solidFgAcc1">
+    <dgm:scene3d>
+      <a:camera prst="orthographicFront"/>
+      <a:lightRig rig="threePt" dir="t"/>
+    </dgm:scene3d>
+    <dgm:sp3d/>
+    <dgm:txPr/>
+    <dgm:style>
+      <a:lnRef idx="2">
+        <a:scrgbClr r="0" g="0" b="0"/>
+      </a:lnRef>
+      <a:fillRef idx="1">
+        <a:scrgbClr r="0" g="0" b="0"/>
+      </a:fillRef>
+      <a:effectRef idx="0">
+        <a:scrgbClr r="0" g="0" b="0"/>
+      </a:effectRef>
+      <a:fontRef idx="minor"/>
+    </dgm:style>
+  </dgm:styleLbl>
+  <dgm:styleLbl name="solidAlignAcc1">
+    <dgm:scene3d>
+      <a:camera prst="orthographicFront"/>
+      <a:lightRig rig="threePt" dir="t"/>
+    </dgm:scene3d>
+    <dgm:sp3d/>
+    <dgm:txPr/>
+    <dgm:style>
+      <a:lnRef idx="2">
+        <a:scrgbClr r="0" g="0" b="0"/>
+      </a:lnRef>
+      <a:fillRef idx="1">
+        <a:scrgbClr r="0" g="0" b="0"/>
+      </a:fillRef>
+      <a:effectRef idx="0">
+        <a:scrgbClr r="0" g="0" b="0"/>
+      </a:effectRef>
+      <a:fontRef idx="minor"/>
+    </dgm:style>
+  </dgm:styleLbl>
+  <dgm:styleLbl name="solidBgAcc1">
+    <dgm:scene3d>
+      <a:camera prst="orthographicFront"/>
+      <a:lightRig rig="threePt" dir="t"/>
+    </dgm:scene3d>
+    <dgm:sp3d/>
+    <dgm:txPr/>
+    <dgm:style>
+      <a:lnRef idx="2">
+        <a:scrgbClr r="0" g="0" b="0"/>
+      </a:lnRef>
+      <a:fillRef idx="1">
+        <a:scrgbClr r="0" g="0" b="0"/>
+      </a:fillRef>
+      <a:effectRef idx="0">
+        <a:scrgbClr r="0" g="0" b="0"/>
+      </a:effectRef>
+      <a:fontRef idx="minor"/>
+    </dgm:style>
+  </dgm:styleLbl>
+  <dgm:styleLbl name="fgAccFollowNode1">
+    <dgm:scene3d>
+      <a:camera prst="orthographicFront"/>
+      <a:lightRig rig="threePt" dir="t"/>
+    </dgm:scene3d>
+    <dgm:sp3d/>
+    <dgm:txPr/>
+    <dgm:style>
+      <a:lnRef idx="2">
+        <a:scrgbClr r="0" g="0" b="0"/>
+      </a:lnRef>
+      <a:fillRef idx="1">
+        <a:scrgbClr r="0" g="0" b="0"/>
+      </a:fillRef>
+      <a:effectRef idx="0">
+        <a:scrgbClr r="0" g="0" b="0"/>
+      </a:effectRef>
+      <a:fontRef idx="minor"/>
+    </dgm:style>
+  </dgm:styleLbl>
+  <dgm:styleLbl name="alignAccFollowNode1">
+    <dgm:scene3d>
+      <a:camera prst="orthographicFront"/>
+      <a:lightRig rig="threePt" dir="t"/>
+    </dgm:scene3d>
+    <dgm:sp3d/>
+    <dgm:txPr/>
+    <dgm:style>
+      <a:lnRef idx="2">
+        <a:scrgbClr r="0" g="0" b="0"/>
+      </a:lnRef>
+      <a:fillRef idx="1">
+        <a:scrgbClr r="0" g="0" b="0"/>
+      </a:fillRef>
+      <a:effectRef idx="0">
+        <a:scrgbClr r="0" g="0" b="0"/>
+      </a:effectRef>
+      <a:fontRef idx="minor"/>
+    </dgm:style>
+  </dgm:styleLbl>
+  <dgm:styleLbl name="bgAccFollowNode1">
+    <dgm:scene3d>
+      <a:camera prst="orthographicFront"/>
+      <a:lightRig rig="threePt" dir="t"/>
+    </dgm:scene3d>
+    <dgm:sp3d/>
+    <dgm:txPr/>
+    <dgm:style>
+      <a:lnRef idx="2">
+        <a:scrgbClr r="0" g="0" b="0"/>
+      </a:lnRef>
+      <a:fillRef idx="1">
+        <a:scrgbClr r="0" g="0" b="0"/>
+      </a:fillRef>
+      <a:effectRef idx="0">
+        <a:scrgbClr r="0" g="0" b="0"/>
+      </a:effectRef>
+      <a:fontRef idx="minor"/>
+    </dgm:style>
+  </dgm:styleLbl>
+  <dgm:styleLbl name="fgAcc0">
+    <dgm:scene3d>
+      <a:camera prst="orthographicFront"/>
+      <a:lightRig rig="threePt" dir="t"/>
+    </dgm:scene3d>
+    <dgm:sp3d/>
+    <dgm:txPr/>
+    <dgm:style>
+      <a:lnRef idx="2">
+        <a:scrgbClr r="0" g="0" b="0"/>
+      </a:lnRef>
+      <a:fillRef idx="1">
+        <a:scrgbClr r="0" g="0" b="0"/>
+      </a:fillRef>
+      <a:effectRef idx="0">
+        <a:scrgbClr r="0" g="0" b="0"/>
+      </a:effectRef>
+      <a:fontRef idx="minor"/>
+    </dgm:style>
+  </dgm:styleLbl>
+  <dgm:styleLbl name="fgAcc2">
+    <dgm:scene3d>
+      <a:camera prst="orthographicFront"/>
+      <a:lightRig rig="threePt" dir="t"/>
+    </dgm:scene3d>
+    <dgm:sp3d/>
+    <dgm:txPr/>
+    <dgm:style>
+      <a:lnRef idx="2">
+        <a:scrgbClr r="0" g="0" b="0"/>
+      </a:lnRef>
+      <a:fillRef idx="1">
+        <a:scrgbClr r="0" g="0" b="0"/>
+      </a:fillRef>
+      <a:effectRef idx="0">
+        <a:scrgbClr r="0" g="0" b="0"/>
+      </a:effectRef>
+      <a:fontRef idx="minor"/>
+    </dgm:style>
+  </dgm:styleLbl>
+  <dgm:styleLbl name="fgAcc3">
+    <dgm:scene3d>
+      <a:camera prst="orthographicFront"/>
+      <a:lightRig rig="threePt" dir="t"/>
+    </dgm:scene3d>
+    <dgm:sp3d/>
+    <dgm:txPr/>
+    <dgm:style>
+      <a:lnRef idx="2">
+        <a:scrgbClr r="0" g="0" b="0"/>
+      </a:lnRef>
+      <a:fillRef idx="1">
+        <a:scrgbClr r="0" g="0" b="0"/>
+      </a:fillRef>
+      <a:effectRef idx="0">
+        <a:scrgbClr r="0" g="0" b="0"/>
+      </a:effectRef>
+      <a:fontRef idx="minor"/>
+    </dgm:style>
+  </dgm:styleLbl>
+  <dgm:styleLbl name="fgAcc4">
+    <dgm:scene3d>
+      <a:camera prst="orthographicFront"/>
+      <a:lightRig rig="threePt" dir="t"/>
+    </dgm:scene3d>
+    <dgm:sp3d/>
+    <dgm:txPr/>
+    <dgm:style>
+      <a:lnRef idx="2">
+        <a:scrgbClr r="0" g="0" b="0"/>
+      </a:lnRef>
+      <a:fillRef idx="1">
+        <a:scrgbClr r="0" g="0" b="0"/>
+      </a:fillRef>
+      <a:effectRef idx="0">
+        <a:scrgbClr r="0" g="0" b="0"/>
+      </a:effectRef>
+      <a:fontRef idx="minor"/>
+    </dgm:style>
+  </dgm:styleLbl>
+  <dgm:styleLbl name="bgShp">
+    <dgm:scene3d>
+      <a:camera prst="orthographicFront"/>
+      <a:lightRig rig="threePt" dir="t"/>
+    </dgm:scene3d>
+    <dgm:sp3d/>
+    <dgm:txPr/>
+    <dgm:style>
+      <a:lnRef idx="0">
+        <a:scrgbClr r="0" g="0" b="0"/>
+      </a:lnRef>
+      <a:fillRef idx="1">
+        <a:scrgbClr r="0" g="0" b="0"/>
+      </a:fillRef>
+      <a:effectRef idx="0">
+        <a:scrgbClr r="0" g="0" b="0"/>
+      </a:effectRef>
+      <a:fontRef idx="minor"/>
+    </dgm:style>
+  </dgm:styleLbl>
+  <dgm:styleLbl name="dkBgShp">
+    <dgm:scene3d>
+      <a:camera prst="orthographicFront"/>
+      <a:lightRig rig="threePt" dir="t"/>
+    </dgm:scene3d>
+    <dgm:sp3d/>
+    <dgm:txPr/>
+    <dgm:style>
+      <a:lnRef idx="0">
+        <a:scrgbClr r="0" g="0" b="0"/>
+      </a:lnRef>
+      <a:fillRef idx="1">
+        <a:scrgbClr r="0" g="0" b="0"/>
+      </a:fillRef>
+      <a:effectRef idx="0">
+        <a:scrgbClr r="0" g="0" b="0"/>
+      </a:effectRef>
+      <a:fontRef idx="minor"/>
+    </dgm:style>
+  </dgm:styleLbl>
+  <dgm:styleLbl name="trBgShp">
+    <dgm:scene3d>
+      <a:camera prst="orthographicFront"/>
+      <a:lightRig rig="threePt" dir="t"/>
+    </dgm:scene3d>
+    <dgm:sp3d/>
+    <dgm:txPr/>
+    <dgm:style>
+      <a:lnRef idx="0">
+        <a:scrgbClr r="0" g="0" b="0"/>
+      </a:lnRef>
+      <a:fillRef idx="1">
+        <a:scrgbClr r="0" g="0" b="0"/>
+      </a:fillRef>
+      <a:effectRef idx="0">
+        <a:scrgbClr r="0" g="0" b="0"/>
+      </a:effectRef>
+      <a:fontRef idx="minor"/>
+    </dgm:style>
+  </dgm:styleLbl>
+  <dgm:styleLbl name="fgShp">
+    <dgm:scene3d>
+      <a:camera prst="orthographicFront"/>
+      <a:lightRig rig="threePt" dir="t"/>
+    </dgm:scene3d>
+    <dgm:sp3d/>
+    <dgm:txPr/>
+    <dgm:style>
+      <a:lnRef idx="2">
+        <a:scrgbClr r="0" g="0" b="0"/>
+      </a:lnRef>
+      <a:fillRef idx="1">
+        <a:scrgbClr r="0" g="0" b="0"/>
+      </a:fillRef>
+      <a:effectRef idx="0">
+        <a:scrgbClr r="0" g="0" b="0"/>
+      </a:effectRef>
+      <a:fontRef idx="minor"/>
+    </dgm:style>
+  </dgm:styleLbl>
+  <dgm:styleLbl name="revTx">
+    <dgm:scene3d>
+      <a:camera prst="orthographicFront"/>
+      <a:lightRig rig="threePt" dir="t"/>
+    </dgm:scene3d>
+    <dgm:sp3d/>
+    <dgm:txPr/>
+    <dgm:style>
+      <a:lnRef idx="0">
+        <a:scrgbClr r="0" g="0" b="0"/>
+      </a:lnRef>
+      <a:fillRef idx="0">
+        <a:scrgbClr r="0" g="0" b="0"/>
+      </a:fillRef>
+      <a:effectRef idx="0">
+        <a:scrgbClr r="0" g="0" b="0"/>
+      </a:effectRef>
+      <a:fontRef idx="minor"/>
+    </dgm:style>
+  </dgm:styleLbl>
+</dgm:styleDef>
+</file>
+
+<file path=ppt/diagrams/quickStyle4.xml><?xml version="1.0" encoding="utf-8"?>
 <dgm:styleDef xmlns:dgm="http://schemas.openxmlformats.org/drawingml/2006/diagram" xmlns:a="http://schemas.openxmlformats.org/drawingml/2006/main" uniqueId="urn:microsoft.com/office/officeart/2005/8/quickstyle/simple4">
   <dgm:title val=""/>
   <dgm:desc val=""/>
@@ -9763,6 +12278,93 @@
           <a:bodyPr/>
           <a:lstStyle/>
           <a:p>
+            <a:r>
+              <a:rPr lang="en-US" b="1" dirty="0"/>
+              <a:t>Authenticate and Authorize</a:t>
+            </a:r>
+          </a:p>
+          <a:p>
+            <a:endParaRPr lang="en-US" b="1" dirty="0"/>
+          </a:p>
+          <a:p>
+            <a:r>
+              <a:rPr lang="en-US" dirty="0"/>
+              <a:t>Resources provisioned within a public cloud can be protected with Identity Access Management (IAM) policy. This allows administrators to specify which actions users, groups, or service roles can perform.</a:t>
+            </a:r>
+          </a:p>
+          <a:p>
+            <a:endParaRPr lang="en-US" dirty="0"/>
+          </a:p>
+          <a:p>
+            <a:r>
+              <a:rPr lang="en-US" dirty="0"/>
+              <a:t>Users and groups can originate from corporate directory services and then be federated into the cloud. Federated identities bridges the corporate and cloud environments with single sign-on scenarios.</a:t>
+            </a:r>
+          </a:p>
+          <a:p>
+            <a:endParaRPr lang="en-US" dirty="0"/>
+          </a:p>
+          <a:p>
+            <a:r>
+              <a:rPr lang="en-US" b="1" dirty="0"/>
+              <a:t>Audit</a:t>
+            </a:r>
+            <a:endParaRPr lang="en-US" b="0" dirty="0"/>
+          </a:p>
+          <a:p>
+            <a:endParaRPr lang="en-US" b="0" dirty="0"/>
+          </a:p>
+          <a:p>
+            <a:r>
+              <a:rPr lang="en-US" b="0" dirty="0"/>
+              <a:t>The actions of users can be centrally logged for auditing and compliance purposes. Many managed services also support emitting events, which can be connected to Function as a Service (</a:t>
+            </a:r>
+            <a:r>
+              <a:rPr lang="en-US" b="0" dirty="0" err="1"/>
+              <a:t>FaaS</a:t>
+            </a:r>
+            <a:r>
+              <a:rPr lang="en-US" b="0" dirty="0"/>
+              <a:t>). These functions can provide real time reactionary policy to predefined behaviors. For instance the security team can be notified by email when a new user joins the administrative group.</a:t>
+            </a:r>
+          </a:p>
+          <a:p>
+            <a:endParaRPr lang="en-US" b="0" dirty="0"/>
+          </a:p>
+          <a:p>
+            <a:r>
+              <a:rPr lang="en-US" b="1" dirty="0"/>
+              <a:t>Certificate as a Service and Encryption as a Service</a:t>
+            </a:r>
+          </a:p>
+          <a:p>
+            <a:endParaRPr lang="en-US" b="1" dirty="0"/>
+          </a:p>
+          <a:p>
+            <a:r>
+              <a:rPr lang="en-US" b="0" dirty="0"/>
+              <a:t>Public cloud providers expose services for managing the complexities of encryption and certificates. This lowers the barrier of entry and enables more customers to leverage these technologies.</a:t>
+            </a:r>
+          </a:p>
+          <a:p>
+            <a:endParaRPr lang="en-US" b="0" dirty="0"/>
+          </a:p>
+          <a:p>
+            <a:r>
+              <a:rPr lang="en-US" b="1" dirty="0"/>
+              <a:t>Attack Surface Reduction</a:t>
+            </a:r>
+          </a:p>
+          <a:p>
+            <a:endParaRPr lang="en-US" b="0" dirty="0"/>
+          </a:p>
+          <a:p>
+            <a:r>
+              <a:rPr lang="en-US" b="0" dirty="0"/>
+              <a:t>Resources deployed to the public cloud do not need to be publicly available. They can be provisioned on private subnets which can only be accessed from VPN connections. Those VPN endpoints can be further protected by limiting the IP ranges that can be used. For example if the business is located in Europe, they might want to prevent American or Chinese users from even contacting the endpoint.</a:t>
+            </a:r>
+          </a:p>
+          <a:p>
             <a:endParaRPr lang="en-US" dirty="0"/>
           </a:p>
         </p:txBody>
@@ -9784,6 +12386,340 @@
           <a:p>
             <a:fld id="{26C29ADC-1998-4831-AB08-DF653A10E024}" type="slidenum">
               <a:rPr lang="en-US" smtClean="0"/>
+              <a:t>5</a:t>
+            </a:fld>
+            <a:endParaRPr lang="en-US"/>
+          </a:p>
+        </p:txBody>
+      </p:sp>
+    </p:spTree>
+    <p:extLst>
+      <p:ext uri="{BB962C8B-B14F-4D97-AF65-F5344CB8AC3E}">
+        <p14:creationId xmlns:p14="http://schemas.microsoft.com/office/powerpoint/2010/main" val="734186540"/>
+      </p:ext>
+    </p:extLst>
+  </p:cSld>
+  <p:clrMapOvr>
+    <a:masterClrMapping/>
+  </p:clrMapOvr>
+</p:notes>
+</file>
+
+<file path=ppt/notesSlides/notesSlide5.xml><?xml version="1.0" encoding="utf-8"?>
+<p:notes xmlns:a="http://schemas.openxmlformats.org/drawingml/2006/main" xmlns:r="http://schemas.openxmlformats.org/officeDocument/2006/relationships" xmlns:p="http://schemas.openxmlformats.org/presentationml/2006/main">
+  <p:cSld>
+    <p:spTree>
+      <p:nvGrpSpPr>
+        <p:cNvPr id="1" name=""/>
+        <p:cNvGrpSpPr/>
+        <p:nvPr/>
+      </p:nvGrpSpPr>
+      <p:grpSpPr>
+        <a:xfrm>
+          <a:off x="0" y="0"/>
+          <a:ext cx="0" cy="0"/>
+          <a:chOff x="0" y="0"/>
+          <a:chExt cx="0" cy="0"/>
+        </a:xfrm>
+      </p:grpSpPr>
+      <p:sp>
+        <p:nvSpPr>
+          <p:cNvPr id="2" name="Slide Image Placeholder 1"/>
+          <p:cNvSpPr>
+            <a:spLocks noGrp="1" noRot="1" noChangeAspect="1"/>
+          </p:cNvSpPr>
+          <p:nvPr>
+            <p:ph type="sldImg"/>
+          </p:nvPr>
+        </p:nvSpPr>
+        <p:spPr/>
+      </p:sp>
+      <p:sp>
+        <p:nvSpPr>
+          <p:cNvPr id="3" name="Notes Placeholder 2"/>
+          <p:cNvSpPr>
+            <a:spLocks noGrp="1"/>
+          </p:cNvSpPr>
+          <p:nvPr>
+            <p:ph type="body" idx="1"/>
+          </p:nvPr>
+        </p:nvSpPr>
+        <p:spPr/>
+        <p:txBody>
+          <a:bodyPr/>
+          <a:lstStyle/>
+          <a:p>
+            <a:r>
+              <a:rPr lang="en-US" b="1" dirty="0"/>
+              <a:t>Too Broad of Scope</a:t>
+            </a:r>
+            <a:endParaRPr lang="en-US" b="0" dirty="0"/>
+          </a:p>
+          <a:p>
+            <a:endParaRPr lang="en-US" b="0" dirty="0"/>
+          </a:p>
+          <a:p>
+            <a:r>
+              <a:rPr lang="en-US" b="0" dirty="0"/>
+              <a:t>Building an </a:t>
+            </a:r>
+            <a:r>
+              <a:rPr lang="en-US" b="0" dirty="0" err="1"/>
+              <a:t>ehealth</a:t>
+            </a:r>
+            <a:r>
+              <a:rPr lang="en-US" b="0" dirty="0"/>
+              <a:t> system is a complex task and system designers need to identify multiple release strategies to roll out the platform.</a:t>
+            </a:r>
+          </a:p>
+          <a:p>
+            <a:endParaRPr lang="en-US" b="0" dirty="0"/>
+          </a:p>
+          <a:p>
+            <a:r>
+              <a:rPr lang="en-US" b="1" dirty="0"/>
+              <a:t>Too Much Tech Debt</a:t>
+            </a:r>
+            <a:endParaRPr lang="en-US" b="0" dirty="0"/>
+          </a:p>
+          <a:p>
+            <a:endParaRPr lang="en-US" b="0" dirty="0"/>
+          </a:p>
+          <a:p>
+            <a:r>
+              <a:rPr lang="en-US" b="0" dirty="0"/>
+              <a:t>Building a system that works with every legacy provider can overwhelm the design team. Organizations need to be prioritize which legacy services will be supported out of the box.</a:t>
+            </a:r>
+          </a:p>
+          <a:p>
+            <a:endParaRPr lang="en-US" b="0" dirty="0"/>
+          </a:p>
+          <a:p>
+            <a:r>
+              <a:rPr lang="en-US" b="0" dirty="0"/>
+              <a:t>It is also helpful to have a extensibility model so that third party service providers can own some of those integrations.</a:t>
+            </a:r>
+          </a:p>
+          <a:p>
+            <a:endParaRPr lang="en-US" b="0" dirty="0"/>
+          </a:p>
+          <a:p>
+            <a:r>
+              <a:rPr lang="en-US" b="1" dirty="0"/>
+              <a:t>Insufficient Maintenance</a:t>
+            </a:r>
+          </a:p>
+          <a:p>
+            <a:endParaRPr lang="en-US" b="1" dirty="0"/>
+          </a:p>
+          <a:p>
+            <a:r>
+              <a:rPr lang="en-US" b="0" dirty="0"/>
+              <a:t>After the system it built there are continuing costs to keep the system operational. Along with defects in the system the infrastructure needs to be well maintained.</a:t>
+            </a:r>
+          </a:p>
+          <a:p>
+            <a:endParaRPr lang="en-US" b="0" dirty="0"/>
+          </a:p>
+          <a:p>
+            <a:r>
+              <a:rPr lang="en-US" b="0" dirty="0"/>
+              <a:t>In addition to hardware there needs to be enough qualified personal to operationalize the </a:t>
+            </a:r>
+            <a:r>
+              <a:rPr lang="en-US" b="0" dirty="0" err="1"/>
+              <a:t>ehealth</a:t>
+            </a:r>
+            <a:r>
+              <a:rPr lang="en-US" b="0" dirty="0"/>
+              <a:t> data.</a:t>
+            </a:r>
+          </a:p>
+          <a:p>
+            <a:endParaRPr lang="en-US" b="0" dirty="0"/>
+          </a:p>
+          <a:p>
+            <a:r>
+              <a:rPr lang="en-US" b="1" dirty="0"/>
+              <a:t>Cultural Barriers</a:t>
+            </a:r>
+          </a:p>
+          <a:p>
+            <a:endParaRPr lang="en-US" b="1" dirty="0"/>
+          </a:p>
+          <a:p>
+            <a:r>
+              <a:rPr lang="en-US" b="0" dirty="0"/>
+              <a:t>For the system to be successful it needs to align with the religious and ethical desires of the supported community. When this does not happen it will not be used and its potential unrealized.</a:t>
+            </a:r>
+          </a:p>
+          <a:p>
+            <a:endParaRPr lang="en-US" b="0" dirty="0"/>
+          </a:p>
+          <a:p>
+            <a:r>
+              <a:rPr lang="en-US" b="1" dirty="0"/>
+              <a:t>User Acceptance</a:t>
+            </a:r>
+          </a:p>
+          <a:p>
+            <a:endParaRPr lang="en-US" b="1" dirty="0"/>
+          </a:p>
+          <a:p>
+            <a:r>
+              <a:rPr lang="en-US" b="0" dirty="0"/>
+              <a:t>The tooling needs to be cognizant of the needs for the end users and align with their preferences. If the system is convoluted or does not carry political favor with the senior leadership it will not be a successful project. </a:t>
+            </a:r>
+          </a:p>
+          <a:p>
+            <a:endParaRPr lang="en-US" b="0" dirty="0"/>
+          </a:p>
+          <a:p>
+            <a:endParaRPr lang="en-US" b="0" dirty="0"/>
+          </a:p>
+          <a:p>
+            <a:endParaRPr lang="en-US" b="0" dirty="0"/>
+          </a:p>
+        </p:txBody>
+      </p:sp>
+      <p:sp>
+        <p:nvSpPr>
+          <p:cNvPr id="4" name="Slide Number Placeholder 3"/>
+          <p:cNvSpPr>
+            <a:spLocks noGrp="1"/>
+          </p:cNvSpPr>
+          <p:nvPr>
+            <p:ph type="sldNum" sz="quarter" idx="5"/>
+          </p:nvPr>
+        </p:nvSpPr>
+        <p:spPr/>
+        <p:txBody>
+          <a:bodyPr/>
+          <a:lstStyle/>
+          <a:p>
+            <a:fld id="{26C29ADC-1998-4831-AB08-DF653A10E024}" type="slidenum">
+              <a:rPr lang="en-US" smtClean="0"/>
+              <a:t>6</a:t>
+            </a:fld>
+            <a:endParaRPr lang="en-US"/>
+          </a:p>
+        </p:txBody>
+      </p:sp>
+    </p:spTree>
+    <p:extLst>
+      <p:ext uri="{BB962C8B-B14F-4D97-AF65-F5344CB8AC3E}">
+        <p14:creationId xmlns:p14="http://schemas.microsoft.com/office/powerpoint/2010/main" val="2843011693"/>
+      </p:ext>
+    </p:extLst>
+  </p:cSld>
+  <p:clrMapOvr>
+    <a:masterClrMapping/>
+  </p:clrMapOvr>
+</p:notes>
+</file>
+
+<file path=ppt/notesSlides/notesSlide6.xml><?xml version="1.0" encoding="utf-8"?>
+<p:notes xmlns:a="http://schemas.openxmlformats.org/drawingml/2006/main" xmlns:r="http://schemas.openxmlformats.org/officeDocument/2006/relationships" xmlns:p="http://schemas.openxmlformats.org/presentationml/2006/main">
+  <p:cSld>
+    <p:spTree>
+      <p:nvGrpSpPr>
+        <p:cNvPr id="1" name=""/>
+        <p:cNvGrpSpPr/>
+        <p:nvPr/>
+      </p:nvGrpSpPr>
+      <p:grpSpPr>
+        <a:xfrm>
+          <a:off x="0" y="0"/>
+          <a:ext cx="0" cy="0"/>
+          <a:chOff x="0" y="0"/>
+          <a:chExt cx="0" cy="0"/>
+        </a:xfrm>
+      </p:grpSpPr>
+      <p:sp>
+        <p:nvSpPr>
+          <p:cNvPr id="2" name="Slide Image Placeholder 1"/>
+          <p:cNvSpPr>
+            <a:spLocks noGrp="1" noRot="1" noChangeAspect="1"/>
+          </p:cNvSpPr>
+          <p:nvPr>
+            <p:ph type="sldImg"/>
+          </p:nvPr>
+        </p:nvSpPr>
+        <p:spPr/>
+      </p:sp>
+      <p:sp>
+        <p:nvSpPr>
+          <p:cNvPr id="3" name="Notes Placeholder 2"/>
+          <p:cNvSpPr>
+            <a:spLocks noGrp="1"/>
+          </p:cNvSpPr>
+          <p:nvPr>
+            <p:ph type="body" idx="1"/>
+          </p:nvPr>
+        </p:nvSpPr>
+        <p:spPr/>
+        <p:txBody>
+          <a:bodyPr/>
+          <a:lstStyle/>
+          <a:p>
+            <a:r>
+              <a:rPr lang="en-US" dirty="0"/>
+              <a:t>Ghana provides an example where </a:t>
+            </a:r>
+            <a:r>
+              <a:rPr lang="en-US" dirty="0" err="1"/>
+              <a:t>ehealth</a:t>
+            </a:r>
+            <a:r>
+              <a:rPr lang="en-US" dirty="0"/>
+              <a:t> has improved the quality of live for the inhabitants. </a:t>
+            </a:r>
+          </a:p>
+          <a:p>
+            <a:endParaRPr lang="en-US" dirty="0"/>
+          </a:p>
+          <a:p>
+            <a:r>
+              <a:rPr lang="en-US" dirty="0"/>
+              <a:t>Across the rural nation there was minimum standards and substandard care. For instance the treatment given from one doctor to another varied and was not always evidence based. This maternal mortality rates 20x higher than in America. </a:t>
+            </a:r>
+          </a:p>
+          <a:p>
+            <a:endParaRPr lang="en-US" dirty="0"/>
+          </a:p>
+          <a:p>
+            <a:r>
+              <a:rPr lang="en-US" dirty="0"/>
+              <a:t>An </a:t>
+            </a:r>
+            <a:r>
+              <a:rPr lang="en-US" dirty="0" err="1"/>
+              <a:t>ehealth</a:t>
+            </a:r>
+            <a:r>
+              <a:rPr lang="en-US" dirty="0"/>
+              <a:t>  system was created to manage the EHR information and promote collaboration on patient information. This lead to more consensus on the right treatments, resulting in the right decision more often.</a:t>
+            </a:r>
+          </a:p>
+        </p:txBody>
+      </p:sp>
+      <p:sp>
+        <p:nvSpPr>
+          <p:cNvPr id="4" name="Slide Number Placeholder 3"/>
+          <p:cNvSpPr>
+            <a:spLocks noGrp="1"/>
+          </p:cNvSpPr>
+          <p:nvPr>
+            <p:ph type="sldNum" sz="quarter" idx="5"/>
+          </p:nvPr>
+        </p:nvSpPr>
+        <p:spPr/>
+        <p:txBody>
+          <a:bodyPr/>
+          <a:lstStyle/>
+          <a:p>
+            <a:fld id="{26C29ADC-1998-4831-AB08-DF653A10E024}" type="slidenum">
+              <a:rPr lang="en-US" smtClean="0"/>
               <a:t>7</a:t>
             </a:fld>
             <a:endParaRPr lang="en-US"/>
@@ -9794,6 +12730,197 @@
     <p:extLst>
       <p:ext uri="{BB962C8B-B14F-4D97-AF65-F5344CB8AC3E}">
         <p14:creationId xmlns:p14="http://schemas.microsoft.com/office/powerpoint/2010/main" val="1103042777"/>
+      </p:ext>
+    </p:extLst>
+  </p:cSld>
+  <p:clrMapOvr>
+    <a:masterClrMapping/>
+  </p:clrMapOvr>
+</p:notes>
+</file>
+
+<file path=ppt/notesSlides/notesSlide7.xml><?xml version="1.0" encoding="utf-8"?>
+<p:notes xmlns:a="http://schemas.openxmlformats.org/drawingml/2006/main" xmlns:r="http://schemas.openxmlformats.org/officeDocument/2006/relationships" xmlns:p="http://schemas.openxmlformats.org/presentationml/2006/main">
+  <p:cSld>
+    <p:spTree>
+      <p:nvGrpSpPr>
+        <p:cNvPr id="1" name=""/>
+        <p:cNvGrpSpPr/>
+        <p:nvPr/>
+      </p:nvGrpSpPr>
+      <p:grpSpPr>
+        <a:xfrm>
+          <a:off x="0" y="0"/>
+          <a:ext cx="0" cy="0"/>
+          <a:chOff x="0" y="0"/>
+          <a:chExt cx="0" cy="0"/>
+        </a:xfrm>
+      </p:grpSpPr>
+      <p:sp>
+        <p:nvSpPr>
+          <p:cNvPr id="2" name="Slide Image Placeholder 1"/>
+          <p:cNvSpPr>
+            <a:spLocks noGrp="1" noRot="1" noChangeAspect="1"/>
+          </p:cNvSpPr>
+          <p:nvPr>
+            <p:ph type="sldImg"/>
+          </p:nvPr>
+        </p:nvSpPr>
+        <p:spPr/>
+      </p:sp>
+      <p:sp>
+        <p:nvSpPr>
+          <p:cNvPr id="3" name="Notes Placeholder 2"/>
+          <p:cNvSpPr>
+            <a:spLocks noGrp="1"/>
+          </p:cNvSpPr>
+          <p:nvPr>
+            <p:ph type="body" idx="1"/>
+          </p:nvPr>
+        </p:nvSpPr>
+        <p:spPr/>
+        <p:txBody>
+          <a:bodyPr/>
+          <a:lstStyle/>
+          <a:p>
+            <a:r>
+              <a:rPr lang="en-US" dirty="0"/>
+              <a:t>As EMR and EHR systems continue to move into the cloud it will expand their capabilities in many dimensions. </a:t>
+            </a:r>
+          </a:p>
+          <a:p>
+            <a:endParaRPr lang="en-US" dirty="0"/>
+          </a:p>
+          <a:p>
+            <a:r>
+              <a:rPr lang="en-US" b="1" dirty="0"/>
+              <a:t>IoT as a Service</a:t>
+            </a:r>
+          </a:p>
+          <a:p>
+            <a:endParaRPr lang="en-US" b="1" dirty="0"/>
+          </a:p>
+          <a:p>
+            <a:r>
+              <a:rPr lang="en-US" b="0" dirty="0"/>
+              <a:t>Large sensor networks attached to patients will provide an influx of information that will enhance existing EMR profiles. </a:t>
+            </a:r>
+          </a:p>
+          <a:p>
+            <a:endParaRPr lang="en-US" b="0" dirty="0"/>
+          </a:p>
+          <a:p>
+            <a:r>
+              <a:rPr lang="en-US" b="0" dirty="0"/>
+              <a:t>Currently a doctor will only see a patient a few times a year, instead IoT will give them the ability to have more continuous telemetry.</a:t>
+            </a:r>
+          </a:p>
+          <a:p>
+            <a:endParaRPr lang="en-US" b="0" dirty="0"/>
+          </a:p>
+          <a:p>
+            <a:r>
+              <a:rPr lang="en-US" b="1" dirty="0"/>
+              <a:t>ML as a Service</a:t>
+            </a:r>
+            <a:endParaRPr lang="en-US" b="0" dirty="0"/>
+          </a:p>
+          <a:p>
+            <a:endParaRPr lang="en-US" b="0" dirty="0"/>
+          </a:p>
+          <a:p>
+            <a:r>
+              <a:rPr lang="en-US" b="0" dirty="0"/>
+              <a:t>With the influx of patient data medical professionals will need to turn to machine learning algorithms to unlock patterns contained within it.</a:t>
+            </a:r>
+          </a:p>
+          <a:p>
+            <a:endParaRPr lang="en-US" b="0" dirty="0"/>
+          </a:p>
+          <a:p>
+            <a:r>
+              <a:rPr lang="en-US" b="0" dirty="0"/>
+              <a:t>Using </a:t>
+            </a:r>
+            <a:r>
+              <a:rPr lang="en-US" b="0" dirty="0" err="1"/>
+              <a:t>MLaaS</a:t>
+            </a:r>
+            <a:r>
+              <a:rPr lang="en-US" b="0" dirty="0"/>
+              <a:t> the barrier to entry will be reduced allowing more ideas to rapidly be tested.</a:t>
+            </a:r>
+          </a:p>
+          <a:p>
+            <a:endParaRPr lang="en-US" b="0" dirty="0"/>
+          </a:p>
+          <a:p>
+            <a:r>
+              <a:rPr lang="en-US" b="1" dirty="0"/>
+              <a:t>Notification Services</a:t>
+            </a:r>
+            <a:endParaRPr lang="en-US" b="0" dirty="0"/>
+          </a:p>
+          <a:p>
+            <a:endParaRPr lang="en-US" b="0" dirty="0"/>
+          </a:p>
+          <a:p>
+            <a:r>
+              <a:rPr lang="en-US" b="0" dirty="0"/>
+              <a:t>Better integration between mobile devices and medical systems will distribute the insights from </a:t>
+            </a:r>
+            <a:r>
+              <a:rPr lang="en-US" b="0" dirty="0" err="1"/>
+              <a:t>MLaaS</a:t>
+            </a:r>
+            <a:r>
+              <a:rPr lang="en-US" b="0" dirty="0"/>
+              <a:t> to the end users.</a:t>
+            </a:r>
+          </a:p>
+          <a:p>
+            <a:endParaRPr lang="en-US" b="0" dirty="0"/>
+          </a:p>
+          <a:p>
+            <a:r>
+              <a:rPr lang="en-US" b="0" dirty="0"/>
+              <a:t>This will lead to shorter wait times and a healthier population </a:t>
+            </a:r>
+            <a:r>
+              <a:rPr lang="en-US" b="0"/>
+              <a:t>between doctor visits.</a:t>
+            </a:r>
+            <a:endParaRPr lang="en-US" b="1" dirty="0"/>
+          </a:p>
+        </p:txBody>
+      </p:sp>
+      <p:sp>
+        <p:nvSpPr>
+          <p:cNvPr id="4" name="Slide Number Placeholder 3"/>
+          <p:cNvSpPr>
+            <a:spLocks noGrp="1"/>
+          </p:cNvSpPr>
+          <p:nvPr>
+            <p:ph type="sldNum" sz="quarter" idx="5"/>
+          </p:nvPr>
+        </p:nvSpPr>
+        <p:spPr/>
+        <p:txBody>
+          <a:bodyPr/>
+          <a:lstStyle/>
+          <a:p>
+            <a:fld id="{26C29ADC-1998-4831-AB08-DF653A10E024}" type="slidenum">
+              <a:rPr lang="en-US" smtClean="0"/>
+              <a:t>8</a:t>
+            </a:fld>
+            <a:endParaRPr lang="en-US"/>
+          </a:p>
+        </p:txBody>
+      </p:sp>
+    </p:spTree>
+    <p:extLst>
+      <p:ext uri="{BB962C8B-B14F-4D97-AF65-F5344CB8AC3E}">
+        <p14:creationId xmlns:p14="http://schemas.microsoft.com/office/powerpoint/2010/main" val="938391516"/>
       </p:ext>
     </p:extLst>
   </p:cSld>
@@ -16919,6 +20046,484 @@
 <file path=ppt/slides/slide5.xml><?xml version="1.0" encoding="utf-8"?>
 <p:sld xmlns:a="http://schemas.openxmlformats.org/drawingml/2006/main" xmlns:r="http://schemas.openxmlformats.org/officeDocument/2006/relationships" xmlns:p="http://schemas.openxmlformats.org/presentationml/2006/main">
   <p:cSld>
+    <p:bg>
+      <p:bgPr>
+        <a:solidFill>
+          <a:schemeClr val="bg1"/>
+        </a:solidFill>
+        <a:effectLst/>
+      </p:bgPr>
+    </p:bg>
+    <p:spTree>
+      <p:nvGrpSpPr>
+        <p:cNvPr id="1" name=""/>
+        <p:cNvGrpSpPr/>
+        <p:nvPr/>
+      </p:nvGrpSpPr>
+      <p:grpSpPr>
+        <a:xfrm>
+          <a:off x="0" y="0"/>
+          <a:ext cx="0" cy="0"/>
+          <a:chOff x="0" y="0"/>
+          <a:chExt cx="0" cy="0"/>
+        </a:xfrm>
+      </p:grpSpPr>
+      <p:sp useBgFill="1">
+        <p:nvSpPr>
+          <p:cNvPr id="10" name="Rectangle 9">
+            <a:extLst>
+              <a:ext uri="{FF2B5EF4-FFF2-40B4-BE49-F238E27FC236}">
+                <a16:creationId xmlns:a16="http://schemas.microsoft.com/office/drawing/2014/main" id="{9F4444CE-BC8D-4D61-B303-4C05614E62AB}"/>
+              </a:ext>
+              <a:ext uri="{C183D7F6-B498-43B3-948B-1728B52AA6E4}">
+                <adec:decorative xmlns:adec="http://schemas.microsoft.com/office/drawing/2017/decorative" val="1"/>
+              </a:ext>
+            </a:extLst>
+          </p:cNvPr>
+          <p:cNvSpPr>
+            <a:spLocks noGrp="1" noRot="1" noChangeAspect="1" noMove="1" noResize="1" noEditPoints="1" noAdjustHandles="1" noChangeArrowheads="1" noChangeShapeType="1" noTextEdit="1"/>
+          </p:cNvSpPr>
+          <p:nvPr>
+            <p:extLst>
+              <p:ext uri="{386F3935-93C4-4BCD-93E2-E3B085C9AB24}">
+                <p16:designElem xmlns:p16="http://schemas.microsoft.com/office/powerpoint/2015/main" val="1"/>
+              </p:ext>
+            </p:extLst>
+          </p:nvPr>
+        </p:nvSpPr>
+        <p:spPr>
+          <a:xfrm>
+            <a:off x="0" y="0"/>
+            <a:ext cx="12192000" cy="6858000"/>
+          </a:xfrm>
+          <a:prstGeom prst="rect">
+            <a:avLst/>
+          </a:prstGeom>
+          <a:ln>
+            <a:noFill/>
+          </a:ln>
+        </p:spPr>
+        <p:style>
+          <a:lnRef idx="2">
+            <a:schemeClr val="accent1">
+              <a:shade val="50000"/>
+            </a:schemeClr>
+          </a:lnRef>
+          <a:fillRef idx="1">
+            <a:schemeClr val="accent1"/>
+          </a:fillRef>
+          <a:effectRef idx="0">
+            <a:schemeClr val="accent1"/>
+          </a:effectRef>
+          <a:fontRef idx="minor">
+            <a:schemeClr val="lt1"/>
+          </a:fontRef>
+        </p:style>
+        <p:txBody>
+          <a:bodyPr rtlCol="0" anchor="ctr"/>
+          <a:lstStyle/>
+          <a:p>
+            <a:pPr algn="ctr"/>
+            <a:endParaRPr lang="en-US"/>
+          </a:p>
+        </p:txBody>
+      </p:sp>
+      <p:sp>
+        <p:nvSpPr>
+          <p:cNvPr id="12" name="Rectangle 11">
+            <a:extLst>
+              <a:ext uri="{FF2B5EF4-FFF2-40B4-BE49-F238E27FC236}">
+                <a16:creationId xmlns:a16="http://schemas.microsoft.com/office/drawing/2014/main" id="{62423CA5-E2E1-4789-B759-9906C1C94063}"/>
+              </a:ext>
+              <a:ext uri="{C183D7F6-B498-43B3-948B-1728B52AA6E4}">
+                <adec:decorative xmlns:adec="http://schemas.microsoft.com/office/drawing/2017/decorative" val="1"/>
+              </a:ext>
+            </a:extLst>
+          </p:cNvPr>
+          <p:cNvSpPr>
+            <a:spLocks noGrp="1" noRot="1" noChangeAspect="1" noMove="1" noResize="1" noEditPoints="1" noAdjustHandles="1" noChangeArrowheads="1" noChangeShapeType="1" noTextEdit="1"/>
+          </p:cNvSpPr>
+          <p:nvPr>
+            <p:extLst>
+              <p:ext uri="{386F3935-93C4-4BCD-93E2-E3B085C9AB24}">
+                <p16:designElem xmlns:p16="http://schemas.microsoft.com/office/powerpoint/2015/main" val="1"/>
+              </p:ext>
+            </p:extLst>
+          </p:nvPr>
+        </p:nvSpPr>
+        <p:spPr>
+          <a:xfrm>
+            <a:off x="0" y="-3"/>
+            <a:ext cx="4660126" cy="6858000"/>
+          </a:xfrm>
+          <a:prstGeom prst="rect">
+            <a:avLst/>
+          </a:prstGeom>
+          <a:solidFill>
+            <a:schemeClr val="tx2"/>
+          </a:solidFill>
+          <a:ln>
+            <a:noFill/>
+          </a:ln>
+          <a:effectLst/>
+        </p:spPr>
+        <p:style>
+          <a:lnRef idx="1">
+            <a:schemeClr val="accent1"/>
+          </a:lnRef>
+          <a:fillRef idx="3">
+            <a:schemeClr val="accent1"/>
+          </a:fillRef>
+          <a:effectRef idx="2">
+            <a:schemeClr val="accent1"/>
+          </a:effectRef>
+          <a:fontRef idx="minor">
+            <a:schemeClr val="lt1"/>
+          </a:fontRef>
+        </p:style>
+        <p:txBody>
+          <a:bodyPr/>
+          <a:lstStyle/>
+          <a:p>
+            <a:endParaRPr lang="en-US"/>
+          </a:p>
+        </p:txBody>
+      </p:sp>
+      <p:sp>
+        <p:nvSpPr>
+          <p:cNvPr id="14" name="Isosceles Triangle 13">
+            <a:extLst>
+              <a:ext uri="{FF2B5EF4-FFF2-40B4-BE49-F238E27FC236}">
+                <a16:creationId xmlns:a16="http://schemas.microsoft.com/office/drawing/2014/main" id="{73772B81-181F-48B7-8826-4D9686D15DF5}"/>
+              </a:ext>
+              <a:ext uri="{C183D7F6-B498-43B3-948B-1728B52AA6E4}">
+                <adec:decorative xmlns:adec="http://schemas.microsoft.com/office/drawing/2017/decorative" val="1"/>
+              </a:ext>
+            </a:extLst>
+          </p:cNvPr>
+          <p:cNvSpPr>
+            <a:spLocks noGrp="1" noRot="1" noChangeAspect="1" noMove="1" noResize="1" noEditPoints="1" noAdjustHandles="1" noChangeArrowheads="1" noChangeShapeType="1" noTextEdit="1"/>
+          </p:cNvSpPr>
+          <p:nvPr>
+            <p:extLst>
+              <p:ext uri="{386F3935-93C4-4BCD-93E2-E3B085C9AB24}">
+                <p16:designElem xmlns:p16="http://schemas.microsoft.com/office/powerpoint/2015/main" val="1"/>
+              </p:ext>
+            </p:extLst>
+          </p:nvPr>
+        </p:nvSpPr>
+        <p:spPr>
+          <a:xfrm rot="10800000">
+            <a:off x="4660127" y="-3"/>
+            <a:ext cx="1056745" cy="6858001"/>
+          </a:xfrm>
+          <a:prstGeom prst="triangle">
+            <a:avLst>
+              <a:gd name="adj" fmla="val 100000"/>
+            </a:avLst>
+          </a:prstGeom>
+          <a:solidFill>
+            <a:schemeClr val="tx2"/>
+          </a:solidFill>
+          <a:ln>
+            <a:noFill/>
+          </a:ln>
+          <a:effectLst/>
+        </p:spPr>
+        <p:style>
+          <a:lnRef idx="1">
+            <a:schemeClr val="accent1"/>
+          </a:lnRef>
+          <a:fillRef idx="3">
+            <a:schemeClr val="accent1"/>
+          </a:fillRef>
+          <a:effectRef idx="2">
+            <a:schemeClr val="accent1"/>
+          </a:effectRef>
+          <a:fontRef idx="minor">
+            <a:schemeClr val="lt1"/>
+          </a:fontRef>
+        </p:style>
+        <p:txBody>
+          <a:bodyPr/>
+          <a:lstStyle/>
+          <a:p>
+            <a:endParaRPr lang="en-US" dirty="0"/>
+          </a:p>
+        </p:txBody>
+      </p:sp>
+      <p:sp>
+        <p:nvSpPr>
+          <p:cNvPr id="2" name="Title 1">
+            <a:extLst>
+              <a:ext uri="{FF2B5EF4-FFF2-40B4-BE49-F238E27FC236}">
+                <a16:creationId xmlns:a16="http://schemas.microsoft.com/office/drawing/2014/main" id="{747E4C27-4291-483C-8378-8F2B5F3673D9}"/>
+              </a:ext>
+            </a:extLst>
+          </p:cNvPr>
+          <p:cNvSpPr>
+            <a:spLocks noGrp="1"/>
+          </p:cNvSpPr>
+          <p:nvPr>
+            <p:ph type="title"/>
+          </p:nvPr>
+        </p:nvSpPr>
+        <p:spPr>
+          <a:xfrm>
+            <a:off x="673754" y="643467"/>
+            <a:ext cx="4203045" cy="1375608"/>
+          </a:xfrm>
+        </p:spPr>
+        <p:txBody>
+          <a:bodyPr anchor="ctr">
+            <a:normAutofit/>
+          </a:bodyPr>
+          <a:lstStyle/>
+          <a:p>
+            <a:r>
+              <a:rPr lang="en-US">
+                <a:solidFill>
+                  <a:schemeClr val="bg1"/>
+                </a:solidFill>
+              </a:rPr>
+              <a:t>Securing Data in Public Clouds</a:t>
+            </a:r>
+          </a:p>
+        </p:txBody>
+      </p:sp>
+      <p:sp>
+        <p:nvSpPr>
+          <p:cNvPr id="3" name="Content Placeholder 2">
+            <a:extLst>
+              <a:ext uri="{FF2B5EF4-FFF2-40B4-BE49-F238E27FC236}">
+                <a16:creationId xmlns:a16="http://schemas.microsoft.com/office/drawing/2014/main" id="{4B74593B-DE39-4C7B-A5E5-E77A89ABF8ED}"/>
+              </a:ext>
+            </a:extLst>
+          </p:cNvPr>
+          <p:cNvSpPr>
+            <a:spLocks noGrp="1"/>
+          </p:cNvSpPr>
+          <p:nvPr>
+            <p:ph idx="1"/>
+          </p:nvPr>
+        </p:nvSpPr>
+        <p:spPr>
+          <a:xfrm>
+            <a:off x="673754" y="2160590"/>
+            <a:ext cx="3973943" cy="3440110"/>
+          </a:xfrm>
+        </p:spPr>
+        <p:txBody>
+          <a:bodyPr>
+            <a:normAutofit/>
+          </a:bodyPr>
+          <a:lstStyle/>
+          <a:p>
+            <a:r>
+              <a:rPr lang="en-US">
+                <a:solidFill>
+                  <a:schemeClr val="bg1"/>
+                </a:solidFill>
+              </a:rPr>
+              <a:t>IAM Policy and Federated Identity</a:t>
+            </a:r>
+            <a:br>
+              <a:rPr lang="en-US">
+                <a:solidFill>
+                  <a:schemeClr val="bg1"/>
+                </a:solidFill>
+              </a:rPr>
+            </a:br>
+            <a:endParaRPr lang="en-US">
+              <a:solidFill>
+                <a:schemeClr val="bg1"/>
+              </a:solidFill>
+            </a:endParaRPr>
+          </a:p>
+          <a:p>
+            <a:r>
+              <a:rPr lang="en-US">
+                <a:solidFill>
+                  <a:schemeClr val="bg1"/>
+                </a:solidFill>
+              </a:rPr>
+              <a:t>Auditing and Logging Services</a:t>
+            </a:r>
+            <a:br>
+              <a:rPr lang="en-US">
+                <a:solidFill>
+                  <a:schemeClr val="bg1"/>
+                </a:solidFill>
+              </a:rPr>
+            </a:br>
+            <a:endParaRPr lang="en-US">
+              <a:solidFill>
+                <a:schemeClr val="bg1"/>
+              </a:solidFill>
+            </a:endParaRPr>
+          </a:p>
+          <a:p>
+            <a:r>
+              <a:rPr lang="en-US">
+                <a:solidFill>
+                  <a:schemeClr val="bg1"/>
+                </a:solidFill>
+              </a:rPr>
+              <a:t>Certificate Services and Hardware Encryption</a:t>
+            </a:r>
+            <a:br>
+              <a:rPr lang="en-US">
+                <a:solidFill>
+                  <a:schemeClr val="bg1"/>
+                </a:solidFill>
+              </a:rPr>
+            </a:br>
+            <a:endParaRPr lang="en-US">
+              <a:solidFill>
+                <a:schemeClr val="bg1"/>
+              </a:solidFill>
+            </a:endParaRPr>
+          </a:p>
+          <a:p>
+            <a:r>
+              <a:rPr lang="en-US">
+                <a:solidFill>
+                  <a:schemeClr val="bg1"/>
+                </a:solidFill>
+              </a:rPr>
+              <a:t>Direct Connect, IPSec+VPN, and VPC-to-VPC Peering</a:t>
+            </a:r>
+          </a:p>
+        </p:txBody>
+      </p:sp>
+      <p:pic>
+        <p:nvPicPr>
+          <p:cNvPr id="7" name="Graphic 6" descr="Lock">
+            <a:extLst>
+              <a:ext uri="{FF2B5EF4-FFF2-40B4-BE49-F238E27FC236}">
+                <a16:creationId xmlns:a16="http://schemas.microsoft.com/office/drawing/2014/main" id="{5878193B-A491-4046-9BD0-CC2EAD1D4F41}"/>
+              </a:ext>
+            </a:extLst>
+          </p:cNvPr>
+          <p:cNvPicPr>
+            <a:picLocks noChangeAspect="1"/>
+          </p:cNvPicPr>
+          <p:nvPr/>
+        </p:nvPicPr>
+        <p:blipFill>
+          <a:blip r:embed="rId3">
+            <a:extLst>
+              <a:ext uri="{28A0092B-C50C-407E-A947-70E740481C1C}">
+                <a14:useLocalDpi xmlns:a14="http://schemas.microsoft.com/office/drawing/2010/main" val="0"/>
+              </a:ext>
+              <a:ext uri="{96DAC541-7B7A-43D3-8B79-37D633B846F1}">
+                <asvg:svgBlip xmlns:asvg="http://schemas.microsoft.com/office/drawing/2016/SVG/main" r:embed="rId4"/>
+              </a:ext>
+            </a:extLst>
+          </a:blip>
+          <a:stretch>
+            <a:fillRect/>
+          </a:stretch>
+        </p:blipFill>
+        <p:spPr>
+          <a:xfrm>
+            <a:off x="6217616" y="972608"/>
+            <a:ext cx="4900269" cy="4900269"/>
+          </a:xfrm>
+          <a:prstGeom prst="rect">
+            <a:avLst/>
+          </a:prstGeom>
+        </p:spPr>
+      </p:pic>
+      <p:sp>
+        <p:nvSpPr>
+          <p:cNvPr id="16" name="Isosceles Triangle 15">
+            <a:extLst>
+              <a:ext uri="{FF2B5EF4-FFF2-40B4-BE49-F238E27FC236}">
+                <a16:creationId xmlns:a16="http://schemas.microsoft.com/office/drawing/2014/main" id="{B2205F6E-03C6-4E92-877C-E2482F6599AA}"/>
+              </a:ext>
+              <a:ext uri="{C183D7F6-B498-43B3-948B-1728B52AA6E4}">
+                <adec:decorative xmlns:adec="http://schemas.microsoft.com/office/drawing/2017/decorative" val="1"/>
+              </a:ext>
+            </a:extLst>
+          </p:cNvPr>
+          <p:cNvSpPr>
+            <a:spLocks noGrp="1" noRot="1" noChangeAspect="1" noMove="1" noResize="1" noEditPoints="1" noAdjustHandles="1" noChangeArrowheads="1" noChangeShapeType="1" noTextEdit="1"/>
+          </p:cNvSpPr>
+          <p:nvPr>
+            <p:extLst>
+              <p:ext uri="{386F3935-93C4-4BCD-93E2-E3B085C9AB24}">
+                <p16:designElem xmlns:p16="http://schemas.microsoft.com/office/powerpoint/2015/main" val="1"/>
+              </p:ext>
+            </p:extLst>
+          </p:nvPr>
+        </p:nvSpPr>
+        <p:spPr>
+          <a:xfrm flipH="1">
+            <a:off x="11755696" y="4013200"/>
+            <a:ext cx="448733" cy="2844800"/>
+          </a:xfrm>
+          <a:prstGeom prst="triangle">
+            <a:avLst>
+              <a:gd name="adj" fmla="val 0"/>
+            </a:avLst>
+          </a:prstGeom>
+          <a:solidFill>
+            <a:schemeClr val="accent1">
+              <a:alpha val="85000"/>
+            </a:schemeClr>
+          </a:solidFill>
+          <a:ln>
+            <a:noFill/>
+          </a:ln>
+          <a:effectLst/>
+        </p:spPr>
+        <p:style>
+          <a:lnRef idx="1">
+            <a:schemeClr val="accent1"/>
+          </a:lnRef>
+          <a:fillRef idx="3">
+            <a:schemeClr val="accent1"/>
+          </a:fillRef>
+          <a:effectRef idx="2">
+            <a:schemeClr val="accent1"/>
+          </a:effectRef>
+          <a:fontRef idx="minor">
+            <a:schemeClr val="lt1"/>
+          </a:fontRef>
+        </p:style>
+        <p:txBody>
+          <a:bodyPr/>
+          <a:lstStyle/>
+          <a:p>
+            <a:endParaRPr lang="en-US" dirty="0"/>
+          </a:p>
+        </p:txBody>
+      </p:sp>
+    </p:spTree>
+    <p:extLst>
+      <p:ext uri="{BB962C8B-B14F-4D97-AF65-F5344CB8AC3E}">
+        <p14:creationId xmlns:p14="http://schemas.microsoft.com/office/powerpoint/2010/main" val="4034392993"/>
+      </p:ext>
+    </p:extLst>
+  </p:cSld>
+  <p:clrMapOvr>
+    <a:masterClrMapping/>
+  </p:clrMapOvr>
+</p:sld>
+</file>
+
+<file path=ppt/slides/slide6.xml><?xml version="1.0" encoding="utf-8"?>
+<p:sld xmlns:a="http://schemas.openxmlformats.org/drawingml/2006/main" xmlns:r="http://schemas.openxmlformats.org/officeDocument/2006/relationships" xmlns:p="http://schemas.openxmlformats.org/presentationml/2006/main">
+  <p:cSld>
+    <p:bg>
+      <p:bgPr>
+        <a:solidFill>
+          <a:schemeClr val="bg1"/>
+        </a:solidFill>
+        <a:effectLst/>
+      </p:bgPr>
+    </p:bg>
     <p:spTree>
       <p:nvGrpSpPr>
         <p:cNvPr id="1" name=""/>
@@ -16938,7 +20543,7 @@
           <p:cNvPr id="2" name="Title 1">
             <a:extLst>
               <a:ext uri="{FF2B5EF4-FFF2-40B4-BE49-F238E27FC236}">
-                <a16:creationId xmlns:a16="http://schemas.microsoft.com/office/drawing/2014/main" id="{747E4C27-4291-483C-8378-8F2B5F3673D9}"/>
+                <a16:creationId xmlns:a16="http://schemas.microsoft.com/office/drawing/2014/main" id="{E7A288E8-641D-451C-8039-5064FC2C6C05}"/>
               </a:ext>
             </a:extLst>
           </p:cNvPr>
@@ -16949,14 +20554,313 @@
             <p:ph type="title"/>
           </p:nvPr>
         </p:nvSpPr>
-        <p:spPr/>
+        <p:spPr>
+          <a:xfrm>
+            <a:off x="677334" y="609600"/>
+            <a:ext cx="8596668" cy="1320800"/>
+          </a:xfrm>
+        </p:spPr>
+        <p:txBody>
+          <a:bodyPr>
+            <a:normAutofit/>
+          </a:bodyPr>
+          <a:lstStyle/>
+          <a:p>
+            <a:r>
+              <a:rPr lang="en-US"/>
+              <a:t>Common Challenges</a:t>
+            </a:r>
+          </a:p>
+        </p:txBody>
+      </p:sp>
+      <p:graphicFrame>
+        <p:nvGraphicFramePr>
+          <p:cNvPr id="5" name="Content Placeholder 2">
+            <a:extLst>
+              <a:ext uri="{FF2B5EF4-FFF2-40B4-BE49-F238E27FC236}">
+                <a16:creationId xmlns:a16="http://schemas.microsoft.com/office/drawing/2014/main" id="{82809C91-7356-43DB-9F83-958B2C20A0C5}"/>
+              </a:ext>
+            </a:extLst>
+          </p:cNvPr>
+          <p:cNvGraphicFramePr>
+            <a:graphicFrameLocks noGrp="1"/>
+          </p:cNvGraphicFramePr>
+          <p:nvPr>
+            <p:ph idx="1"/>
+            <p:extLst>
+              <p:ext uri="{D42A27DB-BD31-4B8C-83A1-F6EECF244321}">
+                <p14:modId xmlns:p14="http://schemas.microsoft.com/office/powerpoint/2010/main" val="3984495099"/>
+              </p:ext>
+            </p:extLst>
+          </p:nvPr>
+        </p:nvGraphicFramePr>
+        <p:xfrm>
+          <a:off x="677863" y="2160588"/>
+          <a:ext cx="8596312" cy="3881437"/>
+        </p:xfrm>
+        <a:graphic>
+          <a:graphicData uri="http://schemas.openxmlformats.org/drawingml/2006/diagram">
+            <dgm:relIds xmlns:dgm="http://schemas.openxmlformats.org/drawingml/2006/diagram" xmlns:r="http://schemas.openxmlformats.org/officeDocument/2006/relationships" r:dm="rId3" r:lo="rId4" r:qs="rId5" r:cs="rId6"/>
+          </a:graphicData>
+        </a:graphic>
+      </p:graphicFrame>
+    </p:spTree>
+    <p:extLst>
+      <p:ext uri="{BB962C8B-B14F-4D97-AF65-F5344CB8AC3E}">
+        <p14:creationId xmlns:p14="http://schemas.microsoft.com/office/powerpoint/2010/main" val="2722149421"/>
+      </p:ext>
+    </p:extLst>
+  </p:cSld>
+  <p:clrMapOvr>
+    <a:masterClrMapping/>
+  </p:clrMapOvr>
+</p:sld>
+</file>
+
+<file path=ppt/slides/slide7.xml><?xml version="1.0" encoding="utf-8"?>
+<p:sld xmlns:a="http://schemas.openxmlformats.org/drawingml/2006/main" xmlns:r="http://schemas.openxmlformats.org/officeDocument/2006/relationships" xmlns:p="http://schemas.openxmlformats.org/presentationml/2006/main">
+  <p:cSld>
+    <p:bg>
+      <p:bgPr>
+        <a:solidFill>
+          <a:schemeClr val="bg1"/>
+        </a:solidFill>
+        <a:effectLst/>
+      </p:bgPr>
+    </p:bg>
+    <p:spTree>
+      <p:nvGrpSpPr>
+        <p:cNvPr id="1" name=""/>
+        <p:cNvGrpSpPr/>
+        <p:nvPr/>
+      </p:nvGrpSpPr>
+      <p:grpSpPr>
+        <a:xfrm>
+          <a:off x="0" y="0"/>
+          <a:ext cx="0" cy="0"/>
+          <a:chOff x="0" y="0"/>
+          <a:chExt cx="0" cy="0"/>
+        </a:xfrm>
+      </p:grpSpPr>
+      <p:sp useBgFill="1">
+        <p:nvSpPr>
+          <p:cNvPr id="9" name="Rectangle 8">
+            <a:extLst>
+              <a:ext uri="{FF2B5EF4-FFF2-40B4-BE49-F238E27FC236}">
+                <a16:creationId xmlns:a16="http://schemas.microsoft.com/office/drawing/2014/main" id="{9F4444CE-BC8D-4D61-B303-4C05614E62AB}"/>
+              </a:ext>
+              <a:ext uri="{C183D7F6-B498-43B3-948B-1728B52AA6E4}">
+                <adec:decorative xmlns:adec="http://schemas.microsoft.com/office/drawing/2017/decorative" val="1"/>
+              </a:ext>
+            </a:extLst>
+          </p:cNvPr>
+          <p:cNvSpPr>
+            <a:spLocks noGrp="1" noRot="1" noChangeAspect="1" noMove="1" noResize="1" noEditPoints="1" noAdjustHandles="1" noChangeArrowheads="1" noChangeShapeType="1" noTextEdit="1"/>
+          </p:cNvSpPr>
+          <p:nvPr>
+            <p:extLst>
+              <p:ext uri="{386F3935-93C4-4BCD-93E2-E3B085C9AB24}">
+                <p16:designElem xmlns:p16="http://schemas.microsoft.com/office/powerpoint/2015/main" val="1"/>
+              </p:ext>
+            </p:extLst>
+          </p:nvPr>
+        </p:nvSpPr>
+        <p:spPr>
+          <a:xfrm>
+            <a:off x="0" y="0"/>
+            <a:ext cx="12192000" cy="6858000"/>
+          </a:xfrm>
+          <a:prstGeom prst="rect">
+            <a:avLst/>
+          </a:prstGeom>
+          <a:ln>
+            <a:noFill/>
+          </a:ln>
+        </p:spPr>
+        <p:style>
+          <a:lnRef idx="2">
+            <a:schemeClr val="accent1">
+              <a:shade val="50000"/>
+            </a:schemeClr>
+          </a:lnRef>
+          <a:fillRef idx="1">
+            <a:schemeClr val="accent1"/>
+          </a:fillRef>
+          <a:effectRef idx="0">
+            <a:schemeClr val="accent1"/>
+          </a:effectRef>
+          <a:fontRef idx="minor">
+            <a:schemeClr val="lt1"/>
+          </a:fontRef>
+        </p:style>
+        <p:txBody>
+          <a:bodyPr rtlCol="0" anchor="ctr"/>
+          <a:lstStyle/>
+          <a:p>
+            <a:pPr algn="ctr"/>
+            <a:endParaRPr lang="en-US"/>
+          </a:p>
+        </p:txBody>
+      </p:sp>
+      <p:sp>
+        <p:nvSpPr>
+          <p:cNvPr id="11" name="Rectangle 10">
+            <a:extLst>
+              <a:ext uri="{FF2B5EF4-FFF2-40B4-BE49-F238E27FC236}">
+                <a16:creationId xmlns:a16="http://schemas.microsoft.com/office/drawing/2014/main" id="{62423CA5-E2E1-4789-B759-9906C1C94063}"/>
+              </a:ext>
+              <a:ext uri="{C183D7F6-B498-43B3-948B-1728B52AA6E4}">
+                <adec:decorative xmlns:adec="http://schemas.microsoft.com/office/drawing/2017/decorative" val="1"/>
+              </a:ext>
+            </a:extLst>
+          </p:cNvPr>
+          <p:cNvSpPr>
+            <a:spLocks noGrp="1" noRot="1" noChangeAspect="1" noMove="1" noResize="1" noEditPoints="1" noAdjustHandles="1" noChangeArrowheads="1" noChangeShapeType="1" noTextEdit="1"/>
+          </p:cNvSpPr>
+          <p:nvPr>
+            <p:extLst>
+              <p:ext uri="{386F3935-93C4-4BCD-93E2-E3B085C9AB24}">
+                <p16:designElem xmlns:p16="http://schemas.microsoft.com/office/powerpoint/2015/main" val="1"/>
+              </p:ext>
+            </p:extLst>
+          </p:nvPr>
+        </p:nvSpPr>
+        <p:spPr>
+          <a:xfrm>
+            <a:off x="0" y="-3"/>
+            <a:ext cx="4660126" cy="6858000"/>
+          </a:xfrm>
+          <a:prstGeom prst="rect">
+            <a:avLst/>
+          </a:prstGeom>
+          <a:solidFill>
+            <a:schemeClr val="tx2"/>
+          </a:solidFill>
+          <a:ln>
+            <a:noFill/>
+          </a:ln>
+          <a:effectLst/>
+        </p:spPr>
+        <p:style>
+          <a:lnRef idx="1">
+            <a:schemeClr val="accent1"/>
+          </a:lnRef>
+          <a:fillRef idx="3">
+            <a:schemeClr val="accent1"/>
+          </a:fillRef>
+          <a:effectRef idx="2">
+            <a:schemeClr val="accent1"/>
+          </a:effectRef>
+          <a:fontRef idx="minor">
+            <a:schemeClr val="lt1"/>
+          </a:fontRef>
+        </p:style>
         <p:txBody>
           <a:bodyPr/>
           <a:lstStyle/>
           <a:p>
+            <a:endParaRPr lang="en-US"/>
+          </a:p>
+        </p:txBody>
+      </p:sp>
+      <p:sp>
+        <p:nvSpPr>
+          <p:cNvPr id="13" name="Isosceles Triangle 12">
+            <a:extLst>
+              <a:ext uri="{FF2B5EF4-FFF2-40B4-BE49-F238E27FC236}">
+                <a16:creationId xmlns:a16="http://schemas.microsoft.com/office/drawing/2014/main" id="{73772B81-181F-48B7-8826-4D9686D15DF5}"/>
+              </a:ext>
+              <a:ext uri="{C183D7F6-B498-43B3-948B-1728B52AA6E4}">
+                <adec:decorative xmlns:adec="http://schemas.microsoft.com/office/drawing/2017/decorative" val="1"/>
+              </a:ext>
+            </a:extLst>
+          </p:cNvPr>
+          <p:cNvSpPr>
+            <a:spLocks noGrp="1" noRot="1" noChangeAspect="1" noMove="1" noResize="1" noEditPoints="1" noAdjustHandles="1" noChangeArrowheads="1" noChangeShapeType="1" noTextEdit="1"/>
+          </p:cNvSpPr>
+          <p:nvPr>
+            <p:extLst>
+              <p:ext uri="{386F3935-93C4-4BCD-93E2-E3B085C9AB24}">
+                <p16:designElem xmlns:p16="http://schemas.microsoft.com/office/powerpoint/2015/main" val="1"/>
+              </p:ext>
+            </p:extLst>
+          </p:nvPr>
+        </p:nvSpPr>
+        <p:spPr>
+          <a:xfrm rot="10800000">
+            <a:off x="4660127" y="-3"/>
+            <a:ext cx="1056745" cy="6858001"/>
+          </a:xfrm>
+          <a:prstGeom prst="triangle">
+            <a:avLst>
+              <a:gd name="adj" fmla="val 100000"/>
+            </a:avLst>
+          </a:prstGeom>
+          <a:solidFill>
+            <a:schemeClr val="tx2"/>
+          </a:solidFill>
+          <a:ln>
+            <a:noFill/>
+          </a:ln>
+          <a:effectLst/>
+        </p:spPr>
+        <p:style>
+          <a:lnRef idx="1">
+            <a:schemeClr val="accent1"/>
+          </a:lnRef>
+          <a:fillRef idx="3">
+            <a:schemeClr val="accent1"/>
+          </a:fillRef>
+          <a:effectRef idx="2">
+            <a:schemeClr val="accent1"/>
+          </a:effectRef>
+          <a:fontRef idx="minor">
+            <a:schemeClr val="lt1"/>
+          </a:fontRef>
+        </p:style>
+        <p:txBody>
+          <a:bodyPr/>
+          <a:lstStyle/>
+          <a:p>
+            <a:endParaRPr lang="en-US" dirty="0"/>
+          </a:p>
+        </p:txBody>
+      </p:sp>
+      <p:sp>
+        <p:nvSpPr>
+          <p:cNvPr id="2" name="Title 1">
+            <a:extLst>
+              <a:ext uri="{FF2B5EF4-FFF2-40B4-BE49-F238E27FC236}">
+                <a16:creationId xmlns:a16="http://schemas.microsoft.com/office/drawing/2014/main" id="{040DD656-D1F7-4A6D-83C2-5568D63FF557}"/>
+              </a:ext>
+            </a:extLst>
+          </p:cNvPr>
+          <p:cNvSpPr>
+            <a:spLocks noGrp="1"/>
+          </p:cNvSpPr>
+          <p:nvPr>
+            <p:ph type="title"/>
+          </p:nvPr>
+        </p:nvSpPr>
+        <p:spPr>
+          <a:xfrm>
+            <a:off x="673754" y="643467"/>
+            <a:ext cx="4203045" cy="1375608"/>
+          </a:xfrm>
+        </p:spPr>
+        <p:txBody>
+          <a:bodyPr anchor="ctr">
+            <a:normAutofit/>
+          </a:bodyPr>
+          <a:lstStyle/>
+          <a:p>
             <a:r>
-              <a:rPr lang="en-US" dirty="0"/>
-              <a:t>Securing Data in Public Clouds</a:t>
+              <a:rPr lang="en-US">
+                <a:solidFill>
+                  <a:schemeClr val="bg1"/>
+                </a:solidFill>
+              </a:rPr>
+              <a:t>Enabling eHealth in Ghana…</a:t>
             </a:r>
           </a:p>
         </p:txBody>
@@ -16966,7 +20870,7 @@
           <p:cNvPr id="3" name="Content Placeholder 2">
             <a:extLst>
               <a:ext uri="{FF2B5EF4-FFF2-40B4-BE49-F238E27FC236}">
-                <a16:creationId xmlns:a16="http://schemas.microsoft.com/office/drawing/2014/main" id="{4B74593B-DE39-4C7B-A5E5-E77A89ABF8ED}"/>
+                <a16:creationId xmlns:a16="http://schemas.microsoft.com/office/drawing/2014/main" id="{87039345-9617-4319-950C-7A1F0A403DC9}"/>
               </a:ext>
             </a:extLst>
           </p:cNvPr>
@@ -16977,50 +20881,172 @@
             <p:ph idx="1"/>
           </p:nvPr>
         </p:nvSpPr>
-        <p:spPr/>
+        <p:spPr>
+          <a:xfrm>
+            <a:off x="673754" y="2160590"/>
+            <a:ext cx="3973943" cy="3440110"/>
+          </a:xfrm>
+        </p:spPr>
+        <p:txBody>
+          <a:bodyPr>
+            <a:normAutofit/>
+          </a:bodyPr>
+          <a:lstStyle/>
+          <a:p>
+            <a:r>
+              <a:rPr lang="en-US" dirty="0">
+                <a:solidFill>
+                  <a:schemeClr val="bg1"/>
+                </a:solidFill>
+              </a:rPr>
+              <a:t>Remote rural locations</a:t>
+            </a:r>
+          </a:p>
+          <a:p>
+            <a:r>
+              <a:rPr lang="en-US" dirty="0">
+                <a:solidFill>
+                  <a:schemeClr val="bg1"/>
+                </a:solidFill>
+              </a:rPr>
+              <a:t>Minimal Standardization</a:t>
+            </a:r>
+          </a:p>
+          <a:p>
+            <a:r>
+              <a:rPr lang="en-US" dirty="0">
+                <a:solidFill>
+                  <a:schemeClr val="bg1"/>
+                </a:solidFill>
+              </a:rPr>
+              <a:t>High mortality rates</a:t>
+            </a:r>
+          </a:p>
+          <a:p>
+            <a:r>
+              <a:rPr lang="en-US" dirty="0">
+                <a:solidFill>
+                  <a:schemeClr val="bg1"/>
+                </a:solidFill>
+              </a:rPr>
+              <a:t>Substandard care</a:t>
+            </a:r>
+          </a:p>
+          <a:p>
+            <a:endParaRPr lang="en-US" dirty="0">
+              <a:solidFill>
+                <a:schemeClr val="bg1"/>
+              </a:solidFill>
+            </a:endParaRPr>
+          </a:p>
+          <a:p>
+            <a:endParaRPr lang="en-US" dirty="0">
+              <a:solidFill>
+                <a:schemeClr val="bg1"/>
+              </a:solidFill>
+            </a:endParaRPr>
+          </a:p>
+        </p:txBody>
+      </p:sp>
+      <p:pic>
+        <p:nvPicPr>
+          <p:cNvPr id="4" name="Picture 3">
+            <a:extLst>
+              <a:ext uri="{FF2B5EF4-FFF2-40B4-BE49-F238E27FC236}">
+                <a16:creationId xmlns:a16="http://schemas.microsoft.com/office/drawing/2014/main" id="{7C8965F2-A5F4-4C45-9F0F-77D89EF04BF4}"/>
+              </a:ext>
+            </a:extLst>
+          </p:cNvPr>
+          <p:cNvPicPr>
+            <a:picLocks noChangeAspect="1"/>
+          </p:cNvPicPr>
+          <p:nvPr/>
+        </p:nvPicPr>
+        <p:blipFill>
+          <a:blip r:embed="rId3"/>
+          <a:stretch>
+            <a:fillRect/>
+          </a:stretch>
+        </p:blipFill>
+        <p:spPr>
+          <a:xfrm>
+            <a:off x="4244931" y="2160590"/>
+            <a:ext cx="7438078" cy="3440110"/>
+          </a:xfrm>
+          <a:prstGeom prst="rect">
+            <a:avLst/>
+          </a:prstGeom>
+        </p:spPr>
+      </p:pic>
+      <p:sp>
+        <p:nvSpPr>
+          <p:cNvPr id="15" name="Isosceles Triangle 14">
+            <a:extLst>
+              <a:ext uri="{FF2B5EF4-FFF2-40B4-BE49-F238E27FC236}">
+                <a16:creationId xmlns:a16="http://schemas.microsoft.com/office/drawing/2014/main" id="{B2205F6E-03C6-4E92-877C-E2482F6599AA}"/>
+              </a:ext>
+              <a:ext uri="{C183D7F6-B498-43B3-948B-1728B52AA6E4}">
+                <adec:decorative xmlns:adec="http://schemas.microsoft.com/office/drawing/2017/decorative" val="1"/>
+              </a:ext>
+            </a:extLst>
+          </p:cNvPr>
+          <p:cNvSpPr>
+            <a:spLocks noGrp="1" noRot="1" noChangeAspect="1" noMove="1" noResize="1" noEditPoints="1" noAdjustHandles="1" noChangeArrowheads="1" noChangeShapeType="1" noTextEdit="1"/>
+          </p:cNvSpPr>
+          <p:nvPr>
+            <p:extLst>
+              <p:ext uri="{386F3935-93C4-4BCD-93E2-E3B085C9AB24}">
+                <p16:designElem xmlns:p16="http://schemas.microsoft.com/office/powerpoint/2015/main" val="1"/>
+              </p:ext>
+            </p:extLst>
+          </p:nvPr>
+        </p:nvSpPr>
+        <p:spPr>
+          <a:xfrm flipH="1">
+            <a:off x="11755696" y="4013200"/>
+            <a:ext cx="448733" cy="2844800"/>
+          </a:xfrm>
+          <a:prstGeom prst="triangle">
+            <a:avLst>
+              <a:gd name="adj" fmla="val 0"/>
+            </a:avLst>
+          </a:prstGeom>
+          <a:solidFill>
+            <a:schemeClr val="accent1">
+              <a:alpha val="85000"/>
+            </a:schemeClr>
+          </a:solidFill>
+          <a:ln>
+            <a:noFill/>
+          </a:ln>
+          <a:effectLst/>
+        </p:spPr>
+        <p:style>
+          <a:lnRef idx="1">
+            <a:schemeClr val="accent1"/>
+          </a:lnRef>
+          <a:fillRef idx="3">
+            <a:schemeClr val="accent1"/>
+          </a:fillRef>
+          <a:effectRef idx="2">
+            <a:schemeClr val="accent1"/>
+          </a:effectRef>
+          <a:fontRef idx="minor">
+            <a:schemeClr val="lt1"/>
+          </a:fontRef>
+        </p:style>
         <p:txBody>
           <a:bodyPr/>
           <a:lstStyle/>
           <a:p>
-            <a:r>
-              <a:rPr lang="en-US" dirty="0"/>
-              <a:t>IAM Policy and Federated Identity</a:t>
-            </a:r>
-            <a:br>
-              <a:rPr lang="en-US" dirty="0"/>
-            </a:br>
             <a:endParaRPr lang="en-US" dirty="0"/>
-          </a:p>
-          <a:p>
-            <a:r>
-              <a:rPr lang="en-US" dirty="0"/>
-              <a:t>Certificate Services and Hardware Encryption</a:t>
-            </a:r>
-            <a:br>
-              <a:rPr lang="en-US" dirty="0"/>
-            </a:br>
-            <a:endParaRPr lang="en-US" dirty="0"/>
-          </a:p>
-          <a:p>
-            <a:r>
-              <a:rPr lang="en-US" dirty="0"/>
-              <a:t>Direct Connect, </a:t>
-            </a:r>
-            <a:r>
-              <a:rPr lang="en-US" dirty="0" err="1"/>
-              <a:t>IPSec+VPN</a:t>
-            </a:r>
-            <a:r>
-              <a:rPr lang="en-US" dirty="0"/>
-              <a:t>, and VPC-to-VPC Peering</a:t>
-            </a:r>
           </a:p>
         </p:txBody>
       </p:sp>
     </p:spTree>
     <p:extLst>
       <p:ext uri="{BB962C8B-B14F-4D97-AF65-F5344CB8AC3E}">
-        <p14:creationId xmlns:p14="http://schemas.microsoft.com/office/powerpoint/2010/main" val="4034392993"/>
+        <p14:creationId xmlns:p14="http://schemas.microsoft.com/office/powerpoint/2010/main" val="886876799"/>
       </p:ext>
     </p:extLst>
   </p:cSld>
@@ -17030,7 +21056,7 @@
 </p:sld>
 </file>
 
-<file path=ppt/slides/slide6.xml><?xml version="1.0" encoding="utf-8"?>
+<file path=ppt/slides/slide8.xml><?xml version="1.0" encoding="utf-8"?>
 <p:sld xmlns:a="http://schemas.openxmlformats.org/drawingml/2006/main" xmlns:r="http://schemas.openxmlformats.org/officeDocument/2006/relationships" xmlns:p="http://schemas.openxmlformats.org/presentationml/2006/main">
   <p:cSld>
     <p:bg>
@@ -17120,7 +21146,7 @@
           <p:cNvPr id="2" name="Title 1">
             <a:extLst>
               <a:ext uri="{FF2B5EF4-FFF2-40B4-BE49-F238E27FC236}">
-                <a16:creationId xmlns:a16="http://schemas.microsoft.com/office/drawing/2014/main" id="{E7A288E8-641D-451C-8039-5064FC2C6C05}"/>
+                <a16:creationId xmlns:a16="http://schemas.microsoft.com/office/drawing/2014/main" id="{FE5D5355-6C0E-4FF0-AFAF-E21D68A09283}"/>
               </a:ext>
             </a:extLst>
           </p:cNvPr>
@@ -17145,7 +21171,7 @@
           <a:p>
             <a:r>
               <a:rPr lang="en-US" sz="4400"/>
-              <a:t>Common Challenges</a:t>
+              <a:t>Future of eHealth and Cloud Computing</a:t>
             </a:r>
           </a:p>
         </p:txBody>
@@ -17856,7 +21882,7 @@
           <p:cNvPr id="5" name="Content Placeholder 2">
             <a:extLst>
               <a:ext uri="{FF2B5EF4-FFF2-40B4-BE49-F238E27FC236}">
-                <a16:creationId xmlns:a16="http://schemas.microsoft.com/office/drawing/2014/main" id="{82809C91-7356-43DB-9F83-958B2C20A0C5}"/>
+                <a16:creationId xmlns:a16="http://schemas.microsoft.com/office/drawing/2014/main" id="{1076379F-C5E3-42DF-BACF-D91B91E3426B}"/>
               </a:ext>
             </a:extLst>
           </p:cNvPr>
@@ -17867,7 +21893,7 @@
             <p:ph idx="1"/>
             <p:extLst>
               <p:ext uri="{D42A27DB-BD31-4B8C-83A1-F6EECF244321}">
-                <p14:modId xmlns:p14="http://schemas.microsoft.com/office/powerpoint/2010/main" val="1592390238"/>
+                <p14:modId xmlns:p14="http://schemas.microsoft.com/office/powerpoint/2010/main" val="3543324786"/>
               </p:ext>
             </p:extLst>
           </p:nvPr>
@@ -17878,556 +21904,10 @@
         </p:xfrm>
         <a:graphic>
           <a:graphicData uri="http://schemas.openxmlformats.org/drawingml/2006/diagram">
-            <dgm:relIds xmlns:dgm="http://schemas.openxmlformats.org/drawingml/2006/diagram" xmlns:r="http://schemas.openxmlformats.org/officeDocument/2006/relationships" r:dm="rId2" r:lo="rId3" r:qs="rId4" r:cs="rId5"/>
+            <dgm:relIds xmlns:dgm="http://schemas.openxmlformats.org/drawingml/2006/diagram" xmlns:r="http://schemas.openxmlformats.org/officeDocument/2006/relationships" r:dm="rId3" r:lo="rId4" r:qs="rId5" r:cs="rId6"/>
           </a:graphicData>
         </a:graphic>
       </p:graphicFrame>
-    </p:spTree>
-    <p:extLst>
-      <p:ext uri="{BB962C8B-B14F-4D97-AF65-F5344CB8AC3E}">
-        <p14:creationId xmlns:p14="http://schemas.microsoft.com/office/powerpoint/2010/main" val="2722149421"/>
-      </p:ext>
-    </p:extLst>
-  </p:cSld>
-  <p:clrMapOvr>
-    <a:masterClrMapping/>
-  </p:clrMapOvr>
-</p:sld>
-</file>
-
-<file path=ppt/slides/slide7.xml><?xml version="1.0" encoding="utf-8"?>
-<p:sld xmlns:a="http://schemas.openxmlformats.org/drawingml/2006/main" xmlns:r="http://schemas.openxmlformats.org/officeDocument/2006/relationships" xmlns:p="http://schemas.openxmlformats.org/presentationml/2006/main">
-  <p:cSld>
-    <p:bg>
-      <p:bgPr>
-        <a:solidFill>
-          <a:schemeClr val="bg1"/>
-        </a:solidFill>
-        <a:effectLst/>
-      </p:bgPr>
-    </p:bg>
-    <p:spTree>
-      <p:nvGrpSpPr>
-        <p:cNvPr id="1" name=""/>
-        <p:cNvGrpSpPr/>
-        <p:nvPr/>
-      </p:nvGrpSpPr>
-      <p:grpSpPr>
-        <a:xfrm>
-          <a:off x="0" y="0"/>
-          <a:ext cx="0" cy="0"/>
-          <a:chOff x="0" y="0"/>
-          <a:chExt cx="0" cy="0"/>
-        </a:xfrm>
-      </p:grpSpPr>
-      <p:sp useBgFill="1">
-        <p:nvSpPr>
-          <p:cNvPr id="9" name="Rectangle 8">
-            <a:extLst>
-              <a:ext uri="{FF2B5EF4-FFF2-40B4-BE49-F238E27FC236}">
-                <a16:creationId xmlns:a16="http://schemas.microsoft.com/office/drawing/2014/main" id="{9F4444CE-BC8D-4D61-B303-4C05614E62AB}"/>
-              </a:ext>
-              <a:ext uri="{C183D7F6-B498-43B3-948B-1728B52AA6E4}">
-                <adec:decorative xmlns:adec="http://schemas.microsoft.com/office/drawing/2017/decorative" val="1"/>
-              </a:ext>
-            </a:extLst>
-          </p:cNvPr>
-          <p:cNvSpPr>
-            <a:spLocks noGrp="1" noRot="1" noChangeAspect="1" noMove="1" noResize="1" noEditPoints="1" noAdjustHandles="1" noChangeArrowheads="1" noChangeShapeType="1" noTextEdit="1"/>
-          </p:cNvSpPr>
-          <p:nvPr>
-            <p:extLst>
-              <p:ext uri="{386F3935-93C4-4BCD-93E2-E3B085C9AB24}">
-                <p16:designElem xmlns:p16="http://schemas.microsoft.com/office/powerpoint/2015/main" val="1"/>
-              </p:ext>
-            </p:extLst>
-          </p:nvPr>
-        </p:nvSpPr>
-        <p:spPr>
-          <a:xfrm>
-            <a:off x="0" y="0"/>
-            <a:ext cx="12192000" cy="6858000"/>
-          </a:xfrm>
-          <a:prstGeom prst="rect">
-            <a:avLst/>
-          </a:prstGeom>
-          <a:ln>
-            <a:noFill/>
-          </a:ln>
-        </p:spPr>
-        <p:style>
-          <a:lnRef idx="2">
-            <a:schemeClr val="accent1">
-              <a:shade val="50000"/>
-            </a:schemeClr>
-          </a:lnRef>
-          <a:fillRef idx="1">
-            <a:schemeClr val="accent1"/>
-          </a:fillRef>
-          <a:effectRef idx="0">
-            <a:schemeClr val="accent1"/>
-          </a:effectRef>
-          <a:fontRef idx="minor">
-            <a:schemeClr val="lt1"/>
-          </a:fontRef>
-        </p:style>
-        <p:txBody>
-          <a:bodyPr rtlCol="0" anchor="ctr"/>
-          <a:lstStyle/>
-          <a:p>
-            <a:pPr algn="ctr"/>
-            <a:endParaRPr lang="en-US"/>
-          </a:p>
-        </p:txBody>
-      </p:sp>
-      <p:sp>
-        <p:nvSpPr>
-          <p:cNvPr id="11" name="Rectangle 10">
-            <a:extLst>
-              <a:ext uri="{FF2B5EF4-FFF2-40B4-BE49-F238E27FC236}">
-                <a16:creationId xmlns:a16="http://schemas.microsoft.com/office/drawing/2014/main" id="{62423CA5-E2E1-4789-B759-9906C1C94063}"/>
-              </a:ext>
-              <a:ext uri="{C183D7F6-B498-43B3-948B-1728B52AA6E4}">
-                <adec:decorative xmlns:adec="http://schemas.microsoft.com/office/drawing/2017/decorative" val="1"/>
-              </a:ext>
-            </a:extLst>
-          </p:cNvPr>
-          <p:cNvSpPr>
-            <a:spLocks noGrp="1" noRot="1" noChangeAspect="1" noMove="1" noResize="1" noEditPoints="1" noAdjustHandles="1" noChangeArrowheads="1" noChangeShapeType="1" noTextEdit="1"/>
-          </p:cNvSpPr>
-          <p:nvPr>
-            <p:extLst>
-              <p:ext uri="{386F3935-93C4-4BCD-93E2-E3B085C9AB24}">
-                <p16:designElem xmlns:p16="http://schemas.microsoft.com/office/powerpoint/2015/main" val="1"/>
-              </p:ext>
-            </p:extLst>
-          </p:nvPr>
-        </p:nvSpPr>
-        <p:spPr>
-          <a:xfrm>
-            <a:off x="0" y="-3"/>
-            <a:ext cx="4660126" cy="6858000"/>
-          </a:xfrm>
-          <a:prstGeom prst="rect">
-            <a:avLst/>
-          </a:prstGeom>
-          <a:solidFill>
-            <a:schemeClr val="tx2"/>
-          </a:solidFill>
-          <a:ln>
-            <a:noFill/>
-          </a:ln>
-          <a:effectLst/>
-        </p:spPr>
-        <p:style>
-          <a:lnRef idx="1">
-            <a:schemeClr val="accent1"/>
-          </a:lnRef>
-          <a:fillRef idx="3">
-            <a:schemeClr val="accent1"/>
-          </a:fillRef>
-          <a:effectRef idx="2">
-            <a:schemeClr val="accent1"/>
-          </a:effectRef>
-          <a:fontRef idx="minor">
-            <a:schemeClr val="lt1"/>
-          </a:fontRef>
-        </p:style>
-        <p:txBody>
-          <a:bodyPr/>
-          <a:lstStyle/>
-          <a:p>
-            <a:endParaRPr lang="en-US"/>
-          </a:p>
-        </p:txBody>
-      </p:sp>
-      <p:sp>
-        <p:nvSpPr>
-          <p:cNvPr id="13" name="Isosceles Triangle 12">
-            <a:extLst>
-              <a:ext uri="{FF2B5EF4-FFF2-40B4-BE49-F238E27FC236}">
-                <a16:creationId xmlns:a16="http://schemas.microsoft.com/office/drawing/2014/main" id="{73772B81-181F-48B7-8826-4D9686D15DF5}"/>
-              </a:ext>
-              <a:ext uri="{C183D7F6-B498-43B3-948B-1728B52AA6E4}">
-                <adec:decorative xmlns:adec="http://schemas.microsoft.com/office/drawing/2017/decorative" val="1"/>
-              </a:ext>
-            </a:extLst>
-          </p:cNvPr>
-          <p:cNvSpPr>
-            <a:spLocks noGrp="1" noRot="1" noChangeAspect="1" noMove="1" noResize="1" noEditPoints="1" noAdjustHandles="1" noChangeArrowheads="1" noChangeShapeType="1" noTextEdit="1"/>
-          </p:cNvSpPr>
-          <p:nvPr>
-            <p:extLst>
-              <p:ext uri="{386F3935-93C4-4BCD-93E2-E3B085C9AB24}">
-                <p16:designElem xmlns:p16="http://schemas.microsoft.com/office/powerpoint/2015/main" val="1"/>
-              </p:ext>
-            </p:extLst>
-          </p:nvPr>
-        </p:nvSpPr>
-        <p:spPr>
-          <a:xfrm rot="10800000">
-            <a:off x="4660127" y="-3"/>
-            <a:ext cx="1056745" cy="6858001"/>
-          </a:xfrm>
-          <a:prstGeom prst="triangle">
-            <a:avLst>
-              <a:gd name="adj" fmla="val 100000"/>
-            </a:avLst>
-          </a:prstGeom>
-          <a:solidFill>
-            <a:schemeClr val="tx2"/>
-          </a:solidFill>
-          <a:ln>
-            <a:noFill/>
-          </a:ln>
-          <a:effectLst/>
-        </p:spPr>
-        <p:style>
-          <a:lnRef idx="1">
-            <a:schemeClr val="accent1"/>
-          </a:lnRef>
-          <a:fillRef idx="3">
-            <a:schemeClr val="accent1"/>
-          </a:fillRef>
-          <a:effectRef idx="2">
-            <a:schemeClr val="accent1"/>
-          </a:effectRef>
-          <a:fontRef idx="minor">
-            <a:schemeClr val="lt1"/>
-          </a:fontRef>
-        </p:style>
-        <p:txBody>
-          <a:bodyPr/>
-          <a:lstStyle/>
-          <a:p>
-            <a:endParaRPr lang="en-US" dirty="0"/>
-          </a:p>
-        </p:txBody>
-      </p:sp>
-      <p:sp>
-        <p:nvSpPr>
-          <p:cNvPr id="2" name="Title 1">
-            <a:extLst>
-              <a:ext uri="{FF2B5EF4-FFF2-40B4-BE49-F238E27FC236}">
-                <a16:creationId xmlns:a16="http://schemas.microsoft.com/office/drawing/2014/main" id="{040DD656-D1F7-4A6D-83C2-5568D63FF557}"/>
-              </a:ext>
-            </a:extLst>
-          </p:cNvPr>
-          <p:cNvSpPr>
-            <a:spLocks noGrp="1"/>
-          </p:cNvSpPr>
-          <p:nvPr>
-            <p:ph type="title"/>
-          </p:nvPr>
-        </p:nvSpPr>
-        <p:spPr>
-          <a:xfrm>
-            <a:off x="673754" y="643467"/>
-            <a:ext cx="4203045" cy="1375608"/>
-          </a:xfrm>
-        </p:spPr>
-        <p:txBody>
-          <a:bodyPr anchor="ctr">
-            <a:normAutofit/>
-          </a:bodyPr>
-          <a:lstStyle/>
-          <a:p>
-            <a:r>
-              <a:rPr lang="en-US">
-                <a:solidFill>
-                  <a:schemeClr val="bg1"/>
-                </a:solidFill>
-              </a:rPr>
-              <a:t>Enabling eHealth in Ghana…</a:t>
-            </a:r>
-          </a:p>
-        </p:txBody>
-      </p:sp>
-      <p:sp>
-        <p:nvSpPr>
-          <p:cNvPr id="3" name="Content Placeholder 2">
-            <a:extLst>
-              <a:ext uri="{FF2B5EF4-FFF2-40B4-BE49-F238E27FC236}">
-                <a16:creationId xmlns:a16="http://schemas.microsoft.com/office/drawing/2014/main" id="{87039345-9617-4319-950C-7A1F0A403DC9}"/>
-              </a:ext>
-            </a:extLst>
-          </p:cNvPr>
-          <p:cNvSpPr>
-            <a:spLocks noGrp="1"/>
-          </p:cNvSpPr>
-          <p:nvPr>
-            <p:ph idx="1"/>
-          </p:nvPr>
-        </p:nvSpPr>
-        <p:spPr>
-          <a:xfrm>
-            <a:off x="673754" y="2160590"/>
-            <a:ext cx="3973943" cy="3440110"/>
-          </a:xfrm>
-        </p:spPr>
-        <p:txBody>
-          <a:bodyPr>
-            <a:normAutofit/>
-          </a:bodyPr>
-          <a:lstStyle/>
-          <a:p>
-            <a:r>
-              <a:rPr lang="en-US" dirty="0">
-                <a:solidFill>
-                  <a:schemeClr val="bg1"/>
-                </a:solidFill>
-              </a:rPr>
-              <a:t>Remote rural locations</a:t>
-            </a:r>
-          </a:p>
-          <a:p>
-            <a:r>
-              <a:rPr lang="en-US" dirty="0">
-                <a:solidFill>
-                  <a:schemeClr val="bg1"/>
-                </a:solidFill>
-              </a:rPr>
-              <a:t>Minimal Standardization</a:t>
-            </a:r>
-          </a:p>
-          <a:p>
-            <a:r>
-              <a:rPr lang="en-US" dirty="0">
-                <a:solidFill>
-                  <a:schemeClr val="bg1"/>
-                </a:solidFill>
-              </a:rPr>
-              <a:t>High mortality rates</a:t>
-            </a:r>
-          </a:p>
-          <a:p>
-            <a:r>
-              <a:rPr lang="en-US" dirty="0">
-                <a:solidFill>
-                  <a:schemeClr val="bg1"/>
-                </a:solidFill>
-              </a:rPr>
-              <a:t>Substandard care</a:t>
-            </a:r>
-          </a:p>
-          <a:p>
-            <a:endParaRPr lang="en-US" dirty="0">
-              <a:solidFill>
-                <a:schemeClr val="bg1"/>
-              </a:solidFill>
-            </a:endParaRPr>
-          </a:p>
-          <a:p>
-            <a:endParaRPr lang="en-US" dirty="0">
-              <a:solidFill>
-                <a:schemeClr val="bg1"/>
-              </a:solidFill>
-            </a:endParaRPr>
-          </a:p>
-        </p:txBody>
-      </p:sp>
-      <p:pic>
-        <p:nvPicPr>
-          <p:cNvPr id="4" name="Picture 3">
-            <a:extLst>
-              <a:ext uri="{FF2B5EF4-FFF2-40B4-BE49-F238E27FC236}">
-                <a16:creationId xmlns:a16="http://schemas.microsoft.com/office/drawing/2014/main" id="{7C8965F2-A5F4-4C45-9F0F-77D89EF04BF4}"/>
-              </a:ext>
-            </a:extLst>
-          </p:cNvPr>
-          <p:cNvPicPr>
-            <a:picLocks noChangeAspect="1"/>
-          </p:cNvPicPr>
-          <p:nvPr/>
-        </p:nvPicPr>
-        <p:blipFill>
-          <a:blip r:embed="rId3"/>
-          <a:stretch>
-            <a:fillRect/>
-          </a:stretch>
-        </p:blipFill>
-        <p:spPr>
-          <a:xfrm>
-            <a:off x="5188499" y="2160590"/>
-            <a:ext cx="6494510" cy="3003710"/>
-          </a:xfrm>
-          <a:prstGeom prst="rect">
-            <a:avLst/>
-          </a:prstGeom>
-        </p:spPr>
-      </p:pic>
-      <p:sp>
-        <p:nvSpPr>
-          <p:cNvPr id="15" name="Isosceles Triangle 14">
-            <a:extLst>
-              <a:ext uri="{FF2B5EF4-FFF2-40B4-BE49-F238E27FC236}">
-                <a16:creationId xmlns:a16="http://schemas.microsoft.com/office/drawing/2014/main" id="{B2205F6E-03C6-4E92-877C-E2482F6599AA}"/>
-              </a:ext>
-              <a:ext uri="{C183D7F6-B498-43B3-948B-1728B52AA6E4}">
-                <adec:decorative xmlns:adec="http://schemas.microsoft.com/office/drawing/2017/decorative" val="1"/>
-              </a:ext>
-            </a:extLst>
-          </p:cNvPr>
-          <p:cNvSpPr>
-            <a:spLocks noGrp="1" noRot="1" noChangeAspect="1" noMove="1" noResize="1" noEditPoints="1" noAdjustHandles="1" noChangeArrowheads="1" noChangeShapeType="1" noTextEdit="1"/>
-          </p:cNvSpPr>
-          <p:nvPr>
-            <p:extLst>
-              <p:ext uri="{386F3935-93C4-4BCD-93E2-E3B085C9AB24}">
-                <p16:designElem xmlns:p16="http://schemas.microsoft.com/office/powerpoint/2015/main" val="1"/>
-              </p:ext>
-            </p:extLst>
-          </p:nvPr>
-        </p:nvSpPr>
-        <p:spPr>
-          <a:xfrm flipH="1">
-            <a:off x="11755696" y="4013200"/>
-            <a:ext cx="448733" cy="2844800"/>
-          </a:xfrm>
-          <a:prstGeom prst="triangle">
-            <a:avLst>
-              <a:gd name="adj" fmla="val 0"/>
-            </a:avLst>
-          </a:prstGeom>
-          <a:solidFill>
-            <a:schemeClr val="accent1">
-              <a:alpha val="85000"/>
-            </a:schemeClr>
-          </a:solidFill>
-          <a:ln>
-            <a:noFill/>
-          </a:ln>
-          <a:effectLst/>
-        </p:spPr>
-        <p:style>
-          <a:lnRef idx="1">
-            <a:schemeClr val="accent1"/>
-          </a:lnRef>
-          <a:fillRef idx="3">
-            <a:schemeClr val="accent1"/>
-          </a:fillRef>
-          <a:effectRef idx="2">
-            <a:schemeClr val="accent1"/>
-          </a:effectRef>
-          <a:fontRef idx="minor">
-            <a:schemeClr val="lt1"/>
-          </a:fontRef>
-        </p:style>
-        <p:txBody>
-          <a:bodyPr/>
-          <a:lstStyle/>
-          <a:p>
-            <a:endParaRPr lang="en-US" dirty="0"/>
-          </a:p>
-        </p:txBody>
-      </p:sp>
-    </p:spTree>
-    <p:extLst>
-      <p:ext uri="{BB962C8B-B14F-4D97-AF65-F5344CB8AC3E}">
-        <p14:creationId xmlns:p14="http://schemas.microsoft.com/office/powerpoint/2010/main" val="886876799"/>
-      </p:ext>
-    </p:extLst>
-  </p:cSld>
-  <p:clrMapOvr>
-    <a:masterClrMapping/>
-  </p:clrMapOvr>
-</p:sld>
-</file>
-
-<file path=ppt/slides/slide8.xml><?xml version="1.0" encoding="utf-8"?>
-<p:sld xmlns:a="http://schemas.openxmlformats.org/drawingml/2006/main" xmlns:r="http://schemas.openxmlformats.org/officeDocument/2006/relationships" xmlns:p="http://schemas.openxmlformats.org/presentationml/2006/main">
-  <p:cSld>
-    <p:spTree>
-      <p:nvGrpSpPr>
-        <p:cNvPr id="1" name=""/>
-        <p:cNvGrpSpPr/>
-        <p:nvPr/>
-      </p:nvGrpSpPr>
-      <p:grpSpPr>
-        <a:xfrm>
-          <a:off x="0" y="0"/>
-          <a:ext cx="0" cy="0"/>
-          <a:chOff x="0" y="0"/>
-          <a:chExt cx="0" cy="0"/>
-        </a:xfrm>
-      </p:grpSpPr>
-      <p:sp>
-        <p:nvSpPr>
-          <p:cNvPr id="2" name="Title 1">
-            <a:extLst>
-              <a:ext uri="{FF2B5EF4-FFF2-40B4-BE49-F238E27FC236}">
-                <a16:creationId xmlns:a16="http://schemas.microsoft.com/office/drawing/2014/main" id="{FE5D5355-6C0E-4FF0-AFAF-E21D68A09283}"/>
-              </a:ext>
-            </a:extLst>
-          </p:cNvPr>
-          <p:cNvSpPr>
-            <a:spLocks noGrp="1"/>
-          </p:cNvSpPr>
-          <p:nvPr>
-            <p:ph type="title"/>
-          </p:nvPr>
-        </p:nvSpPr>
-        <p:spPr/>
-        <p:txBody>
-          <a:bodyPr/>
-          <a:lstStyle/>
-          <a:p>
-            <a:r>
-              <a:rPr lang="en-US" dirty="0"/>
-              <a:t>Future of eHealth and Cloud Computing</a:t>
-            </a:r>
-          </a:p>
-        </p:txBody>
-      </p:sp>
-      <p:sp>
-        <p:nvSpPr>
-          <p:cNvPr id="3" name="Content Placeholder 2">
-            <a:extLst>
-              <a:ext uri="{FF2B5EF4-FFF2-40B4-BE49-F238E27FC236}">
-                <a16:creationId xmlns:a16="http://schemas.microsoft.com/office/drawing/2014/main" id="{EAD42293-B5A8-47E1-BF57-C32CED43F49B}"/>
-              </a:ext>
-            </a:extLst>
-          </p:cNvPr>
-          <p:cNvSpPr>
-            <a:spLocks noGrp="1"/>
-          </p:cNvSpPr>
-          <p:nvPr>
-            <p:ph idx="1"/>
-          </p:nvPr>
-        </p:nvSpPr>
-        <p:spPr/>
-        <p:txBody>
-          <a:bodyPr/>
-          <a:lstStyle/>
-          <a:p>
-            <a:r>
-              <a:rPr lang="en-US" dirty="0"/>
-              <a:t>IoT as a Service</a:t>
-            </a:r>
-            <a:br>
-              <a:rPr lang="en-US" dirty="0"/>
-            </a:br>
-            <a:endParaRPr lang="en-US" dirty="0"/>
-          </a:p>
-          <a:p>
-            <a:r>
-              <a:rPr lang="en-US" dirty="0"/>
-              <a:t>ML as a Service</a:t>
-            </a:r>
-            <a:br>
-              <a:rPr lang="en-US" dirty="0"/>
-            </a:br>
-            <a:endParaRPr lang="en-US" dirty="0"/>
-          </a:p>
-          <a:p>
-            <a:r>
-              <a:rPr lang="en-US"/>
-              <a:t>Notification Services</a:t>
-            </a:r>
-            <a:endParaRPr lang="en-US" dirty="0"/>
-          </a:p>
-        </p:txBody>
-      </p:sp>
     </p:spTree>
     <p:extLst>
       <p:ext uri="{BB962C8B-B14F-4D97-AF65-F5344CB8AC3E}">
